--- a/presentation.pptx
+++ b/presentation.pptx
@@ -6,11 +6,17 @@
   </p:sldMasterIdLst>
   <p:sldIdLst>
     <p:sldId id="256" r:id="rId2"/>
-    <p:sldId id="257" r:id="rId3"/>
-    <p:sldId id="259" r:id="rId4"/>
-    <p:sldId id="261" r:id="rId5"/>
-    <p:sldId id="262" r:id="rId6"/>
-    <p:sldId id="263" r:id="rId7"/>
+    <p:sldId id="266" r:id="rId3"/>
+    <p:sldId id="257" r:id="rId4"/>
+    <p:sldId id="259" r:id="rId5"/>
+    <p:sldId id="261" r:id="rId6"/>
+    <p:sldId id="262" r:id="rId7"/>
+    <p:sldId id="263" r:id="rId8"/>
+    <p:sldId id="265" r:id="rId9"/>
+    <p:sldId id="264" r:id="rId10"/>
+    <p:sldId id="267" r:id="rId11"/>
+    <p:sldId id="269" r:id="rId12"/>
+    <p:sldId id="268" r:id="rId13"/>
   </p:sldIdLst>
   <p:sldSz cx="12192000" cy="6858000"/>
   <p:notesSz cx="6858000" cy="9144000"/>
@@ -109,15 +115,693 @@
       </a:defRPr>
     </a:lvl9pPr>
   </p:defaultTextStyle>
+  <p:extLst>
+    <p:ext uri="{EFAFB233-063F-42B5-8137-9DF3F51BA10A}">
+      <p15:sldGuideLst xmlns:p15="http://schemas.microsoft.com/office/powerpoint/2012/main"/>
+    </p:ext>
+  </p:extLst>
 </p:presentation>
 </file>
 
 <file path=ppt/revisionInfo.xml><?xml version="1.0" encoding="utf-8"?>
 <p1510:revInfo xmlns:a="http://schemas.openxmlformats.org/drawingml/2006/main" xmlns:r="http://schemas.openxmlformats.org/officeDocument/2006/relationships" xmlns:p1510="http://schemas.microsoft.com/office/powerpoint/2015/10/main">
   <p1510:revLst>
-    <p1510:client id="{7E9771F1-29FC-ED4E-B792-BFF5E474B767}" v="32" dt="2024-11-05T05:28:26.173"/>
+    <p1510:client id="{7E9771F1-29FC-ED4E-B792-BFF5E474B767}" v="42" dt="2024-11-06T01:48:28.058"/>
   </p1510:revLst>
 </p1510:revInfo>
+</file>
+
+<file path=ppt/changesInfos/changesInfo1.xml><?xml version="1.0" encoding="utf-8"?>
+<pc:chgInfo xmlns:a="http://schemas.openxmlformats.org/drawingml/2006/main" xmlns:r="http://schemas.openxmlformats.org/officeDocument/2006/relationships" xmlns:ac="http://schemas.microsoft.com/office/drawing/2013/main/command" xmlns:pc="http://schemas.microsoft.com/office/powerpoint/2013/main/command">
+  <pc:docChgLst>
+    <pc:chgData name="ANDI MUHAMMAD NUR FITRAH SYAMSUL" userId="430f70ef-5e51-438a-80fd-b58088724bd5" providerId="ADAL" clId="{7E9771F1-29FC-ED4E-B792-BFF5E474B767}"/>
+    <pc:docChg chg="undo custSel addSld delSld modSld sldOrd">
+      <pc:chgData name="ANDI MUHAMMAD NUR FITRAH SYAMSUL" userId="430f70ef-5e51-438a-80fd-b58088724bd5" providerId="ADAL" clId="{7E9771F1-29FC-ED4E-B792-BFF5E474B767}" dt="2024-11-06T01:50:11.018" v="1051" actId="1076"/>
+      <pc:docMkLst>
+        <pc:docMk/>
+      </pc:docMkLst>
+      <pc:sldChg chg="addSp modSp mod setBg">
+        <pc:chgData name="ANDI MUHAMMAD NUR FITRAH SYAMSUL" userId="430f70ef-5e51-438a-80fd-b58088724bd5" providerId="ADAL" clId="{7E9771F1-29FC-ED4E-B792-BFF5E474B767}" dt="2024-11-06T00:18:20.321" v="58" actId="26606"/>
+        <pc:sldMkLst>
+          <pc:docMk/>
+          <pc:sldMk cId="4047477911" sldId="256"/>
+        </pc:sldMkLst>
+        <pc:spChg chg="mod">
+          <ac:chgData name="ANDI MUHAMMAD NUR FITRAH SYAMSUL" userId="430f70ef-5e51-438a-80fd-b58088724bd5" providerId="ADAL" clId="{7E9771F1-29FC-ED4E-B792-BFF5E474B767}" dt="2024-11-06T00:18:20.321" v="58" actId="26606"/>
+          <ac:spMkLst>
+            <pc:docMk/>
+            <pc:sldMk cId="4047477911" sldId="256"/>
+            <ac:spMk id="2" creationId="{EE71C720-10FF-A32A-8297-102D91A4F5B6}"/>
+          </ac:spMkLst>
+        </pc:spChg>
+        <pc:spChg chg="mod">
+          <ac:chgData name="ANDI MUHAMMAD NUR FITRAH SYAMSUL" userId="430f70ef-5e51-438a-80fd-b58088724bd5" providerId="ADAL" clId="{7E9771F1-29FC-ED4E-B792-BFF5E474B767}" dt="2024-11-06T00:18:20.321" v="58" actId="26606"/>
+          <ac:spMkLst>
+            <pc:docMk/>
+            <pc:sldMk cId="4047477911" sldId="256"/>
+            <ac:spMk id="3" creationId="{3A6A5FA1-06E0-E257-2886-1DAE625742D2}"/>
+          </ac:spMkLst>
+        </pc:spChg>
+        <pc:spChg chg="add">
+          <ac:chgData name="ANDI MUHAMMAD NUR FITRAH SYAMSUL" userId="430f70ef-5e51-438a-80fd-b58088724bd5" providerId="ADAL" clId="{7E9771F1-29FC-ED4E-B792-BFF5E474B767}" dt="2024-11-06T00:18:20.321" v="58" actId="26606"/>
+          <ac:spMkLst>
+            <pc:docMk/>
+            <pc:sldMk cId="4047477911" sldId="256"/>
+            <ac:spMk id="8" creationId="{100EDD19-6802-4EC3-95CE-CFFAB042CFD6}"/>
+          </ac:spMkLst>
+        </pc:spChg>
+        <pc:spChg chg="add">
+          <ac:chgData name="ANDI MUHAMMAD NUR FITRAH SYAMSUL" userId="430f70ef-5e51-438a-80fd-b58088724bd5" providerId="ADAL" clId="{7E9771F1-29FC-ED4E-B792-BFF5E474B767}" dt="2024-11-06T00:18:20.321" v="58" actId="26606"/>
+          <ac:spMkLst>
+            <pc:docMk/>
+            <pc:sldMk cId="4047477911" sldId="256"/>
+            <ac:spMk id="10" creationId="{DB17E863-922E-4C26-BD64-E8FD41D28661}"/>
+          </ac:spMkLst>
+        </pc:spChg>
+      </pc:sldChg>
+      <pc:sldChg chg="addSp delSp modSp mod">
+        <pc:chgData name="ANDI MUHAMMAD NUR FITRAH SYAMSUL" userId="430f70ef-5e51-438a-80fd-b58088724bd5" providerId="ADAL" clId="{7E9771F1-29FC-ED4E-B792-BFF5E474B767}" dt="2024-11-06T00:18:02.156" v="56" actId="26606"/>
+        <pc:sldMkLst>
+          <pc:docMk/>
+          <pc:sldMk cId="2900793576" sldId="257"/>
+        </pc:sldMkLst>
+        <pc:spChg chg="mod">
+          <ac:chgData name="ANDI MUHAMMAD NUR FITRAH SYAMSUL" userId="430f70ef-5e51-438a-80fd-b58088724bd5" providerId="ADAL" clId="{7E9771F1-29FC-ED4E-B792-BFF5E474B767}" dt="2024-11-06T00:16:32.289" v="28" actId="20577"/>
+          <ac:spMkLst>
+            <pc:docMk/>
+            <pc:sldMk cId="2900793576" sldId="257"/>
+            <ac:spMk id="2" creationId="{0AD0A13C-7F07-E773-FEC2-8A9C96AC921B}"/>
+          </ac:spMkLst>
+        </pc:spChg>
+        <pc:spChg chg="del">
+          <ac:chgData name="ANDI MUHAMMAD NUR FITRAH SYAMSUL" userId="430f70ef-5e51-438a-80fd-b58088724bd5" providerId="ADAL" clId="{7E9771F1-29FC-ED4E-B792-BFF5E474B767}" dt="2024-11-06T00:15:52.642" v="0" actId="478"/>
+          <ac:spMkLst>
+            <pc:docMk/>
+            <pc:sldMk cId="2900793576" sldId="257"/>
+            <ac:spMk id="3" creationId="{FAE6795D-9048-F980-F849-BBB56AEEBDD9}"/>
+          </ac:spMkLst>
+        </pc:spChg>
+        <pc:spChg chg="add del mod">
+          <ac:chgData name="ANDI MUHAMMAD NUR FITRAH SYAMSUL" userId="430f70ef-5e51-438a-80fd-b58088724bd5" providerId="ADAL" clId="{7E9771F1-29FC-ED4E-B792-BFF5E474B767}" dt="2024-11-06T00:16:01.527" v="1" actId="478"/>
+          <ac:spMkLst>
+            <pc:docMk/>
+            <pc:sldMk cId="2900793576" sldId="257"/>
+            <ac:spMk id="6" creationId="{20EEEC40-4D5F-5006-F766-CA63250F6C4E}"/>
+          </ac:spMkLst>
+        </pc:spChg>
+        <pc:spChg chg="add mod">
+          <ac:chgData name="ANDI MUHAMMAD NUR FITRAH SYAMSUL" userId="430f70ef-5e51-438a-80fd-b58088724bd5" providerId="ADAL" clId="{7E9771F1-29FC-ED4E-B792-BFF5E474B767}" dt="2024-11-06T00:16:02.700" v="2"/>
+          <ac:spMkLst>
+            <pc:docMk/>
+            <pc:sldMk cId="2900793576" sldId="257"/>
+            <ac:spMk id="7" creationId="{D5618C3F-BF95-4E83-2F91-71D083D34B69}"/>
+          </ac:spMkLst>
+        </pc:spChg>
+        <pc:spChg chg="add del">
+          <ac:chgData name="ANDI MUHAMMAD NUR FITRAH SYAMSUL" userId="430f70ef-5e51-438a-80fd-b58088724bd5" providerId="ADAL" clId="{7E9771F1-29FC-ED4E-B792-BFF5E474B767}" dt="2024-11-06T00:18:02.156" v="56" actId="26606"/>
+          <ac:spMkLst>
+            <pc:docMk/>
+            <pc:sldMk cId="2900793576" sldId="257"/>
+            <ac:spMk id="14" creationId="{2B97F24A-32CE-4C1C-A50D-3016B394DCFB}"/>
+          </ac:spMkLst>
+        </pc:spChg>
+        <pc:spChg chg="add del">
+          <ac:chgData name="ANDI MUHAMMAD NUR FITRAH SYAMSUL" userId="430f70ef-5e51-438a-80fd-b58088724bd5" providerId="ADAL" clId="{7E9771F1-29FC-ED4E-B792-BFF5E474B767}" dt="2024-11-06T00:18:02.156" v="56" actId="26606"/>
+          <ac:spMkLst>
+            <pc:docMk/>
+            <pc:sldMk cId="2900793576" sldId="257"/>
+            <ac:spMk id="15" creationId="{6357EC4F-235E-4222-A36F-C7878ACE37F2}"/>
+          </ac:spMkLst>
+        </pc:spChg>
+        <pc:spChg chg="add del">
+          <ac:chgData name="ANDI MUHAMMAD NUR FITRAH SYAMSUL" userId="430f70ef-5e51-438a-80fd-b58088724bd5" providerId="ADAL" clId="{7E9771F1-29FC-ED4E-B792-BFF5E474B767}" dt="2024-11-06T00:18:01.695" v="53" actId="26606"/>
+          <ac:spMkLst>
+            <pc:docMk/>
+            <pc:sldMk cId="2900793576" sldId="257"/>
+            <ac:spMk id="20" creationId="{2B97F24A-32CE-4C1C-A50D-3016B394DCFB}"/>
+          </ac:spMkLst>
+        </pc:spChg>
+        <pc:spChg chg="add del">
+          <ac:chgData name="ANDI MUHAMMAD NUR FITRAH SYAMSUL" userId="430f70ef-5e51-438a-80fd-b58088724bd5" providerId="ADAL" clId="{7E9771F1-29FC-ED4E-B792-BFF5E474B767}" dt="2024-11-06T00:18:01.695" v="53" actId="26606"/>
+          <ac:spMkLst>
+            <pc:docMk/>
+            <pc:sldMk cId="2900793576" sldId="257"/>
+            <ac:spMk id="22" creationId="{6357EC4F-235E-4222-A36F-C7878ACE37F2}"/>
+          </ac:spMkLst>
+        </pc:spChg>
+        <pc:spChg chg="add del">
+          <ac:chgData name="ANDI MUHAMMAD NUR FITRAH SYAMSUL" userId="430f70ef-5e51-438a-80fd-b58088724bd5" providerId="ADAL" clId="{7E9771F1-29FC-ED4E-B792-BFF5E474B767}" dt="2024-11-06T00:18:02.152" v="55" actId="26606"/>
+          <ac:spMkLst>
+            <pc:docMk/>
+            <pc:sldMk cId="2900793576" sldId="257"/>
+            <ac:spMk id="24" creationId="{2B97F24A-32CE-4C1C-A50D-3016B394DCFB}"/>
+          </ac:spMkLst>
+        </pc:spChg>
+        <pc:spChg chg="add del">
+          <ac:chgData name="ANDI MUHAMMAD NUR FITRAH SYAMSUL" userId="430f70ef-5e51-438a-80fd-b58088724bd5" providerId="ADAL" clId="{7E9771F1-29FC-ED4E-B792-BFF5E474B767}" dt="2024-11-06T00:18:02.152" v="55" actId="26606"/>
+          <ac:spMkLst>
+            <pc:docMk/>
+            <pc:sldMk cId="2900793576" sldId="257"/>
+            <ac:spMk id="25" creationId="{CD8B4F24-440B-49E9-B85D-733523DC064B}"/>
+          </ac:spMkLst>
+        </pc:spChg>
+        <pc:spChg chg="add">
+          <ac:chgData name="ANDI MUHAMMAD NUR FITRAH SYAMSUL" userId="430f70ef-5e51-438a-80fd-b58088724bd5" providerId="ADAL" clId="{7E9771F1-29FC-ED4E-B792-BFF5E474B767}" dt="2024-11-06T00:18:02.156" v="56" actId="26606"/>
+          <ac:spMkLst>
+            <pc:docMk/>
+            <pc:sldMk cId="2900793576" sldId="257"/>
+            <ac:spMk id="27" creationId="{2B97F24A-32CE-4C1C-A50D-3016B394DCFB}"/>
+          </ac:spMkLst>
+        </pc:spChg>
+        <pc:spChg chg="add">
+          <ac:chgData name="ANDI MUHAMMAD NUR FITRAH SYAMSUL" userId="430f70ef-5e51-438a-80fd-b58088724bd5" providerId="ADAL" clId="{7E9771F1-29FC-ED4E-B792-BFF5E474B767}" dt="2024-11-06T00:18:02.156" v="56" actId="26606"/>
+          <ac:spMkLst>
+            <pc:docMk/>
+            <pc:sldMk cId="2900793576" sldId="257"/>
+            <ac:spMk id="28" creationId="{6357EC4F-235E-4222-A36F-C7878ACE37F2}"/>
+          </ac:spMkLst>
+        </pc:spChg>
+        <pc:picChg chg="ord">
+          <ac:chgData name="ANDI MUHAMMAD NUR FITRAH SYAMSUL" userId="430f70ef-5e51-438a-80fd-b58088724bd5" providerId="ADAL" clId="{7E9771F1-29FC-ED4E-B792-BFF5E474B767}" dt="2024-11-06T00:18:02.156" v="56" actId="26606"/>
+          <ac:picMkLst>
+            <pc:docMk/>
+            <pc:sldMk cId="2900793576" sldId="257"/>
+            <ac:picMk id="5" creationId="{A947EDC4-5D54-2047-12B3-B2B6CE25E89A}"/>
+          </ac:picMkLst>
+        </pc:picChg>
+      </pc:sldChg>
+      <pc:sldChg chg="addSp delSp modSp mod">
+        <pc:chgData name="ANDI MUHAMMAD NUR FITRAH SYAMSUL" userId="430f70ef-5e51-438a-80fd-b58088724bd5" providerId="ADAL" clId="{7E9771F1-29FC-ED4E-B792-BFF5E474B767}" dt="2024-11-06T00:17:57.661" v="51" actId="26606"/>
+        <pc:sldMkLst>
+          <pc:docMk/>
+          <pc:sldMk cId="3913772472" sldId="259"/>
+        </pc:sldMkLst>
+        <pc:spChg chg="mod">
+          <ac:chgData name="ANDI MUHAMMAD NUR FITRAH SYAMSUL" userId="430f70ef-5e51-438a-80fd-b58088724bd5" providerId="ADAL" clId="{7E9771F1-29FC-ED4E-B792-BFF5E474B767}" dt="2024-11-06T00:17:57.661" v="51" actId="26606"/>
+          <ac:spMkLst>
+            <pc:docMk/>
+            <pc:sldMk cId="3913772472" sldId="259"/>
+            <ac:spMk id="2" creationId="{ED4CF34B-2958-5B63-A5CD-3BDCBAA535A9}"/>
+          </ac:spMkLst>
+        </pc:spChg>
+        <pc:spChg chg="del">
+          <ac:chgData name="ANDI MUHAMMAD NUR FITRAH SYAMSUL" userId="430f70ef-5e51-438a-80fd-b58088724bd5" providerId="ADAL" clId="{7E9771F1-29FC-ED4E-B792-BFF5E474B767}" dt="2024-11-06T00:17:57.661" v="51" actId="26606"/>
+          <ac:spMkLst>
+            <pc:docMk/>
+            <pc:sldMk cId="3913772472" sldId="259"/>
+            <ac:spMk id="12" creationId="{2B97F24A-32CE-4C1C-A50D-3016B394DCFB}"/>
+          </ac:spMkLst>
+        </pc:spChg>
+        <pc:spChg chg="del">
+          <ac:chgData name="ANDI MUHAMMAD NUR FITRAH SYAMSUL" userId="430f70ef-5e51-438a-80fd-b58088724bd5" providerId="ADAL" clId="{7E9771F1-29FC-ED4E-B792-BFF5E474B767}" dt="2024-11-06T00:17:57.661" v="51" actId="26606"/>
+          <ac:spMkLst>
+            <pc:docMk/>
+            <pc:sldMk cId="3913772472" sldId="259"/>
+            <ac:spMk id="14" creationId="{CD8B4F24-440B-49E9-B85D-733523DC064B}"/>
+          </ac:spMkLst>
+        </pc:spChg>
+        <pc:spChg chg="add">
+          <ac:chgData name="ANDI MUHAMMAD NUR FITRAH SYAMSUL" userId="430f70ef-5e51-438a-80fd-b58088724bd5" providerId="ADAL" clId="{7E9771F1-29FC-ED4E-B792-BFF5E474B767}" dt="2024-11-06T00:17:57.661" v="51" actId="26606"/>
+          <ac:spMkLst>
+            <pc:docMk/>
+            <pc:sldMk cId="3913772472" sldId="259"/>
+            <ac:spMk id="1031" creationId="{2B97F24A-32CE-4C1C-A50D-3016B394DCFB}"/>
+          </ac:spMkLst>
+        </pc:spChg>
+        <pc:spChg chg="add">
+          <ac:chgData name="ANDI MUHAMMAD NUR FITRAH SYAMSUL" userId="430f70ef-5e51-438a-80fd-b58088724bd5" providerId="ADAL" clId="{7E9771F1-29FC-ED4E-B792-BFF5E474B767}" dt="2024-11-06T00:17:57.661" v="51" actId="26606"/>
+          <ac:spMkLst>
+            <pc:docMk/>
+            <pc:sldMk cId="3913772472" sldId="259"/>
+            <ac:spMk id="1033" creationId="{CD8B4F24-440B-49E9-B85D-733523DC064B}"/>
+          </ac:spMkLst>
+        </pc:spChg>
+        <pc:picChg chg="mod ord">
+          <ac:chgData name="ANDI MUHAMMAD NUR FITRAH SYAMSUL" userId="430f70ef-5e51-438a-80fd-b58088724bd5" providerId="ADAL" clId="{7E9771F1-29FC-ED4E-B792-BFF5E474B767}" dt="2024-11-06T00:17:57.661" v="51" actId="26606"/>
+          <ac:picMkLst>
+            <pc:docMk/>
+            <pc:sldMk cId="3913772472" sldId="259"/>
+            <ac:picMk id="1026" creationId="{88E147CC-49D3-8145-E2D4-B4BE728EA7A6}"/>
+          </ac:picMkLst>
+        </pc:picChg>
+      </pc:sldChg>
+      <pc:sldChg chg="addSp delSp modSp mod">
+        <pc:chgData name="ANDI MUHAMMAD NUR FITRAH SYAMSUL" userId="430f70ef-5e51-438a-80fd-b58088724bd5" providerId="ADAL" clId="{7E9771F1-29FC-ED4E-B792-BFF5E474B767}" dt="2024-11-06T00:17:53.481" v="50" actId="26606"/>
+        <pc:sldMkLst>
+          <pc:docMk/>
+          <pc:sldMk cId="4275843879" sldId="261"/>
+        </pc:sldMkLst>
+        <pc:spChg chg="mod">
+          <ac:chgData name="ANDI MUHAMMAD NUR FITRAH SYAMSUL" userId="430f70ef-5e51-438a-80fd-b58088724bd5" providerId="ADAL" clId="{7E9771F1-29FC-ED4E-B792-BFF5E474B767}" dt="2024-11-06T00:17:53.481" v="50" actId="26606"/>
+          <ac:spMkLst>
+            <pc:docMk/>
+            <pc:sldMk cId="4275843879" sldId="261"/>
+            <ac:spMk id="2" creationId="{338E7094-404B-F8E7-5F1F-43CFAD350626}"/>
+          </ac:spMkLst>
+        </pc:spChg>
+        <pc:spChg chg="del">
+          <ac:chgData name="ANDI MUHAMMAD NUR FITRAH SYAMSUL" userId="430f70ef-5e51-438a-80fd-b58088724bd5" providerId="ADAL" clId="{7E9771F1-29FC-ED4E-B792-BFF5E474B767}" dt="2024-11-06T00:17:53.481" v="50" actId="26606"/>
+          <ac:spMkLst>
+            <pc:docMk/>
+            <pc:sldMk cId="4275843879" sldId="261"/>
+            <ac:spMk id="12" creationId="{14000A98-888C-7253-AB40-B6F8B306A848}"/>
+          </ac:spMkLst>
+        </pc:spChg>
+        <pc:spChg chg="del">
+          <ac:chgData name="ANDI MUHAMMAD NUR FITRAH SYAMSUL" userId="430f70ef-5e51-438a-80fd-b58088724bd5" providerId="ADAL" clId="{7E9771F1-29FC-ED4E-B792-BFF5E474B767}" dt="2024-11-06T00:17:53.481" v="50" actId="26606"/>
+          <ac:spMkLst>
+            <pc:docMk/>
+            <pc:sldMk cId="4275843879" sldId="261"/>
+            <ac:spMk id="14" creationId="{93DFEED1-DDD5-DCC4-51C7-7B807EFB5516}"/>
+          </ac:spMkLst>
+        </pc:spChg>
+        <pc:spChg chg="add">
+          <ac:chgData name="ANDI MUHAMMAD NUR FITRAH SYAMSUL" userId="430f70ef-5e51-438a-80fd-b58088724bd5" providerId="ADAL" clId="{7E9771F1-29FC-ED4E-B792-BFF5E474B767}" dt="2024-11-06T00:17:53.481" v="50" actId="26606"/>
+          <ac:spMkLst>
+            <pc:docMk/>
+            <pc:sldMk cId="4275843879" sldId="261"/>
+            <ac:spMk id="23" creationId="{2B97F24A-32CE-4C1C-A50D-3016B394DCFB}"/>
+          </ac:spMkLst>
+        </pc:spChg>
+        <pc:spChg chg="add">
+          <ac:chgData name="ANDI MUHAMMAD NUR FITRAH SYAMSUL" userId="430f70ef-5e51-438a-80fd-b58088724bd5" providerId="ADAL" clId="{7E9771F1-29FC-ED4E-B792-BFF5E474B767}" dt="2024-11-06T00:17:53.481" v="50" actId="26606"/>
+          <ac:spMkLst>
+            <pc:docMk/>
+            <pc:sldMk cId="4275843879" sldId="261"/>
+            <ac:spMk id="25" creationId="{6357EC4F-235E-4222-A36F-C7878ACE37F2}"/>
+          </ac:spMkLst>
+        </pc:spChg>
+        <pc:picChg chg="mod">
+          <ac:chgData name="ANDI MUHAMMAD NUR FITRAH SYAMSUL" userId="430f70ef-5e51-438a-80fd-b58088724bd5" providerId="ADAL" clId="{7E9771F1-29FC-ED4E-B792-BFF5E474B767}" dt="2024-11-06T00:17:53.481" v="50" actId="26606"/>
+          <ac:picMkLst>
+            <pc:docMk/>
+            <pc:sldMk cId="4275843879" sldId="261"/>
+            <ac:picMk id="3" creationId="{F46D9ED9-551D-D38A-B8B2-3454962C73E8}"/>
+          </ac:picMkLst>
+        </pc:picChg>
+      </pc:sldChg>
+      <pc:sldChg chg="addSp delSp modSp mod">
+        <pc:chgData name="ANDI MUHAMMAD NUR FITRAH SYAMSUL" userId="430f70ef-5e51-438a-80fd-b58088724bd5" providerId="ADAL" clId="{7E9771F1-29FC-ED4E-B792-BFF5E474B767}" dt="2024-11-06T00:17:42.116" v="49" actId="26606"/>
+        <pc:sldMkLst>
+          <pc:docMk/>
+          <pc:sldMk cId="3757618717" sldId="262"/>
+        </pc:sldMkLst>
+        <pc:spChg chg="mod">
+          <ac:chgData name="ANDI MUHAMMAD NUR FITRAH SYAMSUL" userId="430f70ef-5e51-438a-80fd-b58088724bd5" providerId="ADAL" clId="{7E9771F1-29FC-ED4E-B792-BFF5E474B767}" dt="2024-11-06T00:17:42.116" v="49" actId="26606"/>
+          <ac:spMkLst>
+            <pc:docMk/>
+            <pc:sldMk cId="3757618717" sldId="262"/>
+            <ac:spMk id="2" creationId="{B17FF9B7-14FD-8660-3334-8BFD208ACE67}"/>
+          </ac:spMkLst>
+        </pc:spChg>
+        <pc:spChg chg="del">
+          <ac:chgData name="ANDI MUHAMMAD NUR FITRAH SYAMSUL" userId="430f70ef-5e51-438a-80fd-b58088724bd5" providerId="ADAL" clId="{7E9771F1-29FC-ED4E-B792-BFF5E474B767}" dt="2024-11-06T00:17:42.116" v="49" actId="26606"/>
+          <ac:spMkLst>
+            <pc:docMk/>
+            <pc:sldMk cId="3757618717" sldId="262"/>
+            <ac:spMk id="12" creationId="{7A8BADA8-5E0B-DA1D-4328-461DCC801235}"/>
+          </ac:spMkLst>
+        </pc:spChg>
+        <pc:spChg chg="del">
+          <ac:chgData name="ANDI MUHAMMAD NUR FITRAH SYAMSUL" userId="430f70ef-5e51-438a-80fd-b58088724bd5" providerId="ADAL" clId="{7E9771F1-29FC-ED4E-B792-BFF5E474B767}" dt="2024-11-06T00:17:42.116" v="49" actId="26606"/>
+          <ac:spMkLst>
+            <pc:docMk/>
+            <pc:sldMk cId="3757618717" sldId="262"/>
+            <ac:spMk id="14" creationId="{DFD549E7-B358-EA9F-ED3C-5CA40ADD41A5}"/>
+          </ac:spMkLst>
+        </pc:spChg>
+        <pc:spChg chg="add">
+          <ac:chgData name="ANDI MUHAMMAD NUR FITRAH SYAMSUL" userId="430f70ef-5e51-438a-80fd-b58088724bd5" providerId="ADAL" clId="{7E9771F1-29FC-ED4E-B792-BFF5E474B767}" dt="2024-11-06T00:17:42.116" v="49" actId="26606"/>
+          <ac:spMkLst>
+            <pc:docMk/>
+            <pc:sldMk cId="3757618717" sldId="262"/>
+            <ac:spMk id="6151" creationId="{2B97F24A-32CE-4C1C-A50D-3016B394DCFB}"/>
+          </ac:spMkLst>
+        </pc:spChg>
+        <pc:spChg chg="add">
+          <ac:chgData name="ANDI MUHAMMAD NUR FITRAH SYAMSUL" userId="430f70ef-5e51-438a-80fd-b58088724bd5" providerId="ADAL" clId="{7E9771F1-29FC-ED4E-B792-BFF5E474B767}" dt="2024-11-06T00:17:42.116" v="49" actId="26606"/>
+          <ac:spMkLst>
+            <pc:docMk/>
+            <pc:sldMk cId="3757618717" sldId="262"/>
+            <ac:spMk id="6153" creationId="{CD8B4F24-440B-49E9-B85D-733523DC064B}"/>
+          </ac:spMkLst>
+        </pc:spChg>
+        <pc:picChg chg="mod">
+          <ac:chgData name="ANDI MUHAMMAD NUR FITRAH SYAMSUL" userId="430f70ef-5e51-438a-80fd-b58088724bd5" providerId="ADAL" clId="{7E9771F1-29FC-ED4E-B792-BFF5E474B767}" dt="2024-11-06T00:17:42.116" v="49" actId="26606"/>
+          <ac:picMkLst>
+            <pc:docMk/>
+            <pc:sldMk cId="3757618717" sldId="262"/>
+            <ac:picMk id="6146" creationId="{FCCEF253-38CB-DC98-B82C-0B17EFDD0178}"/>
+          </ac:picMkLst>
+        </pc:picChg>
+      </pc:sldChg>
+      <pc:sldChg chg="addSp delSp modSp mod">
+        <pc:chgData name="ANDI MUHAMMAD NUR FITRAH SYAMSUL" userId="430f70ef-5e51-438a-80fd-b58088724bd5" providerId="ADAL" clId="{7E9771F1-29FC-ED4E-B792-BFF5E474B767}" dt="2024-11-06T00:18:10.056" v="57" actId="26606"/>
+        <pc:sldMkLst>
+          <pc:docMk/>
+          <pc:sldMk cId="3994014865" sldId="263"/>
+        </pc:sldMkLst>
+        <pc:spChg chg="mod">
+          <ac:chgData name="ANDI MUHAMMAD NUR FITRAH SYAMSUL" userId="430f70ef-5e51-438a-80fd-b58088724bd5" providerId="ADAL" clId="{7E9771F1-29FC-ED4E-B792-BFF5E474B767}" dt="2024-11-06T00:18:10.056" v="57" actId="26606"/>
+          <ac:spMkLst>
+            <pc:docMk/>
+            <pc:sldMk cId="3994014865" sldId="263"/>
+            <ac:spMk id="2" creationId="{66A18C69-FD67-58FF-DB9D-24E705DD3FF5}"/>
+          </ac:spMkLst>
+        </pc:spChg>
+        <pc:spChg chg="del">
+          <ac:chgData name="ANDI MUHAMMAD NUR FITRAH SYAMSUL" userId="430f70ef-5e51-438a-80fd-b58088724bd5" providerId="ADAL" clId="{7E9771F1-29FC-ED4E-B792-BFF5E474B767}" dt="2024-11-06T00:18:10.056" v="57" actId="26606"/>
+          <ac:spMkLst>
+            <pc:docMk/>
+            <pc:sldMk cId="3994014865" sldId="263"/>
+            <ac:spMk id="12" creationId="{EB6435A1-6068-3534-FE16-CAAA539EBFBD}"/>
+          </ac:spMkLst>
+        </pc:spChg>
+        <pc:spChg chg="del">
+          <ac:chgData name="ANDI MUHAMMAD NUR FITRAH SYAMSUL" userId="430f70ef-5e51-438a-80fd-b58088724bd5" providerId="ADAL" clId="{7E9771F1-29FC-ED4E-B792-BFF5E474B767}" dt="2024-11-06T00:18:10.056" v="57" actId="26606"/>
+          <ac:spMkLst>
+            <pc:docMk/>
+            <pc:sldMk cId="3994014865" sldId="263"/>
+            <ac:spMk id="14" creationId="{1DB4315E-077F-6711-157D-2E9336DDBE9A}"/>
+          </ac:spMkLst>
+        </pc:spChg>
+        <pc:spChg chg="add">
+          <ac:chgData name="ANDI MUHAMMAD NUR FITRAH SYAMSUL" userId="430f70ef-5e51-438a-80fd-b58088724bd5" providerId="ADAL" clId="{7E9771F1-29FC-ED4E-B792-BFF5E474B767}" dt="2024-11-06T00:18:10.056" v="57" actId="26606"/>
+          <ac:spMkLst>
+            <pc:docMk/>
+            <pc:sldMk cId="3994014865" sldId="263"/>
+            <ac:spMk id="8201" creationId="{2B97F24A-32CE-4C1C-A50D-3016B394DCFB}"/>
+          </ac:spMkLst>
+        </pc:spChg>
+        <pc:spChg chg="add">
+          <ac:chgData name="ANDI MUHAMMAD NUR FITRAH SYAMSUL" userId="430f70ef-5e51-438a-80fd-b58088724bd5" providerId="ADAL" clId="{7E9771F1-29FC-ED4E-B792-BFF5E474B767}" dt="2024-11-06T00:18:10.056" v="57" actId="26606"/>
+          <ac:spMkLst>
+            <pc:docMk/>
+            <pc:sldMk cId="3994014865" sldId="263"/>
+            <ac:spMk id="8203" creationId="{6357EC4F-235E-4222-A36F-C7878ACE37F2}"/>
+          </ac:spMkLst>
+        </pc:spChg>
+        <pc:picChg chg="mod">
+          <ac:chgData name="ANDI MUHAMMAD NUR FITRAH SYAMSUL" userId="430f70ef-5e51-438a-80fd-b58088724bd5" providerId="ADAL" clId="{7E9771F1-29FC-ED4E-B792-BFF5E474B767}" dt="2024-11-06T00:18:10.056" v="57" actId="26606"/>
+          <ac:picMkLst>
+            <pc:docMk/>
+            <pc:sldMk cId="3994014865" sldId="263"/>
+            <ac:picMk id="8196" creationId="{376838A1-B878-DB44-6C1B-890F436919ED}"/>
+          </ac:picMkLst>
+        </pc:picChg>
+      </pc:sldChg>
+      <pc:sldChg chg="addSp modSp new mod setBg">
+        <pc:chgData name="ANDI MUHAMMAD NUR FITRAH SYAMSUL" userId="430f70ef-5e51-438a-80fd-b58088724bd5" providerId="ADAL" clId="{7E9771F1-29FC-ED4E-B792-BFF5E474B767}" dt="2024-11-06T00:19:28.736" v="73" actId="26606"/>
+        <pc:sldMkLst>
+          <pc:docMk/>
+          <pc:sldMk cId="814562559" sldId="264"/>
+        </pc:sldMkLst>
+        <pc:spChg chg="mod">
+          <ac:chgData name="ANDI MUHAMMAD NUR FITRAH SYAMSUL" userId="430f70ef-5e51-438a-80fd-b58088724bd5" providerId="ADAL" clId="{7E9771F1-29FC-ED4E-B792-BFF5E474B767}" dt="2024-11-06T00:19:28.736" v="73" actId="26606"/>
+          <ac:spMkLst>
+            <pc:docMk/>
+            <pc:sldMk cId="814562559" sldId="264"/>
+            <ac:spMk id="2" creationId="{F3108325-B03C-2466-D3C8-B67FD4ABE075}"/>
+          </ac:spMkLst>
+        </pc:spChg>
+        <pc:spChg chg="mod">
+          <ac:chgData name="ANDI MUHAMMAD NUR FITRAH SYAMSUL" userId="430f70ef-5e51-438a-80fd-b58088724bd5" providerId="ADAL" clId="{7E9771F1-29FC-ED4E-B792-BFF5E474B767}" dt="2024-11-06T00:19:28.736" v="73" actId="26606"/>
+          <ac:spMkLst>
+            <pc:docMk/>
+            <pc:sldMk cId="814562559" sldId="264"/>
+            <ac:spMk id="3" creationId="{573ACBDC-08A5-ADAB-1BFF-0EEC23E2AA26}"/>
+          </ac:spMkLst>
+        </pc:spChg>
+        <pc:spChg chg="add">
+          <ac:chgData name="ANDI MUHAMMAD NUR FITRAH SYAMSUL" userId="430f70ef-5e51-438a-80fd-b58088724bd5" providerId="ADAL" clId="{7E9771F1-29FC-ED4E-B792-BFF5E474B767}" dt="2024-11-06T00:19:28.736" v="73" actId="26606"/>
+          <ac:spMkLst>
+            <pc:docMk/>
+            <pc:sldMk cId="814562559" sldId="264"/>
+            <ac:spMk id="12" creationId="{94BFCCA4-109C-4B21-816E-144FE75C38EE}"/>
+          </ac:spMkLst>
+        </pc:spChg>
+        <pc:spChg chg="add">
+          <ac:chgData name="ANDI MUHAMMAD NUR FITRAH SYAMSUL" userId="430f70ef-5e51-438a-80fd-b58088724bd5" providerId="ADAL" clId="{7E9771F1-29FC-ED4E-B792-BFF5E474B767}" dt="2024-11-06T00:19:28.736" v="73" actId="26606"/>
+          <ac:spMkLst>
+            <pc:docMk/>
+            <pc:sldMk cId="814562559" sldId="264"/>
+            <ac:spMk id="14" creationId="{0059B5C0-FEC8-4370-AF45-02E3AEF6FA6D}"/>
+          </ac:spMkLst>
+        </pc:spChg>
+        <pc:picChg chg="add mod">
+          <ac:chgData name="ANDI MUHAMMAD NUR FITRAH SYAMSUL" userId="430f70ef-5e51-438a-80fd-b58088724bd5" providerId="ADAL" clId="{7E9771F1-29FC-ED4E-B792-BFF5E474B767}" dt="2024-11-06T00:19:28.736" v="73" actId="26606"/>
+          <ac:picMkLst>
+            <pc:docMk/>
+            <pc:sldMk cId="814562559" sldId="264"/>
+            <ac:picMk id="4" creationId="{15E55666-69C8-B1F2-4EEE-D3CB63158747}"/>
+          </ac:picMkLst>
+        </pc:picChg>
+        <pc:picChg chg="add mod ord">
+          <ac:chgData name="ANDI MUHAMMAD NUR FITRAH SYAMSUL" userId="430f70ef-5e51-438a-80fd-b58088724bd5" providerId="ADAL" clId="{7E9771F1-29FC-ED4E-B792-BFF5E474B767}" dt="2024-11-06T00:19:28.736" v="73" actId="26606"/>
+          <ac:picMkLst>
+            <pc:docMk/>
+            <pc:sldMk cId="814562559" sldId="264"/>
+            <ac:picMk id="5" creationId="{7A863AC1-0431-A640-BB60-339E5F6216A3}"/>
+          </ac:picMkLst>
+        </pc:picChg>
+        <pc:picChg chg="add mod ord">
+          <ac:chgData name="ANDI MUHAMMAD NUR FITRAH SYAMSUL" userId="430f70ef-5e51-438a-80fd-b58088724bd5" providerId="ADAL" clId="{7E9771F1-29FC-ED4E-B792-BFF5E474B767}" dt="2024-11-06T00:19:28.736" v="73" actId="26606"/>
+          <ac:picMkLst>
+            <pc:docMk/>
+            <pc:sldMk cId="814562559" sldId="264"/>
+            <ac:picMk id="6" creationId="{AD4D9773-A3CA-9633-3F9B-8680F2A20ED4}"/>
+          </ac:picMkLst>
+        </pc:picChg>
+        <pc:picChg chg="add mod">
+          <ac:chgData name="ANDI MUHAMMAD NUR FITRAH SYAMSUL" userId="430f70ef-5e51-438a-80fd-b58088724bd5" providerId="ADAL" clId="{7E9771F1-29FC-ED4E-B792-BFF5E474B767}" dt="2024-11-06T00:19:28.736" v="73" actId="26606"/>
+          <ac:picMkLst>
+            <pc:docMk/>
+            <pc:sldMk cId="814562559" sldId="264"/>
+            <ac:picMk id="7" creationId="{9ECBC340-E5E3-68BF-5280-D6D9AAA986D5}"/>
+          </ac:picMkLst>
+        </pc:picChg>
+      </pc:sldChg>
+      <pc:sldChg chg="addSp delSp modSp add mod">
+        <pc:chgData name="ANDI MUHAMMAD NUR FITRAH SYAMSUL" userId="430f70ef-5e51-438a-80fd-b58088724bd5" providerId="ADAL" clId="{7E9771F1-29FC-ED4E-B792-BFF5E474B767}" dt="2024-11-06T00:17:04.440" v="48" actId="26606"/>
+        <pc:sldMkLst>
+          <pc:docMk/>
+          <pc:sldMk cId="193300317" sldId="265"/>
+        </pc:sldMkLst>
+        <pc:spChg chg="mod">
+          <ac:chgData name="ANDI MUHAMMAD NUR FITRAH SYAMSUL" userId="430f70ef-5e51-438a-80fd-b58088724bd5" providerId="ADAL" clId="{7E9771F1-29FC-ED4E-B792-BFF5E474B767}" dt="2024-11-06T00:17:04.440" v="48" actId="26606"/>
+          <ac:spMkLst>
+            <pc:docMk/>
+            <pc:sldMk cId="193300317" sldId="265"/>
+            <ac:spMk id="2" creationId="{FE6BD22F-3AD5-5F58-2009-D6ADCA19BA4E}"/>
+          </ac:spMkLst>
+        </pc:spChg>
+        <pc:spChg chg="del">
+          <ac:chgData name="ANDI MUHAMMAD NUR FITRAH SYAMSUL" userId="430f70ef-5e51-438a-80fd-b58088724bd5" providerId="ADAL" clId="{7E9771F1-29FC-ED4E-B792-BFF5E474B767}" dt="2024-11-06T00:17:04.440" v="48" actId="26606"/>
+          <ac:spMkLst>
+            <pc:docMk/>
+            <pc:sldMk cId="193300317" sldId="265"/>
+            <ac:spMk id="12" creationId="{635AD1A0-04E5-8948-D9FA-801E3192708C}"/>
+          </ac:spMkLst>
+        </pc:spChg>
+        <pc:spChg chg="del">
+          <ac:chgData name="ANDI MUHAMMAD NUR FITRAH SYAMSUL" userId="430f70ef-5e51-438a-80fd-b58088724bd5" providerId="ADAL" clId="{7E9771F1-29FC-ED4E-B792-BFF5E474B767}" dt="2024-11-06T00:17:04.440" v="48" actId="26606"/>
+          <ac:spMkLst>
+            <pc:docMk/>
+            <pc:sldMk cId="193300317" sldId="265"/>
+            <ac:spMk id="14" creationId="{10CC980A-97F1-F70E-A8E6-2D4BBFB5D283}"/>
+          </ac:spMkLst>
+        </pc:spChg>
+        <pc:spChg chg="add">
+          <ac:chgData name="ANDI MUHAMMAD NUR FITRAH SYAMSUL" userId="430f70ef-5e51-438a-80fd-b58088724bd5" providerId="ADAL" clId="{7E9771F1-29FC-ED4E-B792-BFF5E474B767}" dt="2024-11-06T00:17:04.440" v="48" actId="26606"/>
+          <ac:spMkLst>
+            <pc:docMk/>
+            <pc:sldMk cId="193300317" sldId="265"/>
+            <ac:spMk id="23" creationId="{2B97F24A-32CE-4C1C-A50D-3016B394DCFB}"/>
+          </ac:spMkLst>
+        </pc:spChg>
+        <pc:spChg chg="add">
+          <ac:chgData name="ANDI MUHAMMAD NUR FITRAH SYAMSUL" userId="430f70ef-5e51-438a-80fd-b58088724bd5" providerId="ADAL" clId="{7E9771F1-29FC-ED4E-B792-BFF5E474B767}" dt="2024-11-06T00:17:04.440" v="48" actId="26606"/>
+          <ac:spMkLst>
+            <pc:docMk/>
+            <pc:sldMk cId="193300317" sldId="265"/>
+            <ac:spMk id="25" creationId="{CD8B4F24-440B-49E9-B85D-733523DC064B}"/>
+          </ac:spMkLst>
+        </pc:spChg>
+        <pc:picChg chg="add mod">
+          <ac:chgData name="ANDI MUHAMMAD NUR FITRAH SYAMSUL" userId="430f70ef-5e51-438a-80fd-b58088724bd5" providerId="ADAL" clId="{7E9771F1-29FC-ED4E-B792-BFF5E474B767}" dt="2024-11-06T00:17:04.440" v="48" actId="26606"/>
+          <ac:picMkLst>
+            <pc:docMk/>
+            <pc:sldMk cId="193300317" sldId="265"/>
+            <ac:picMk id="3" creationId="{030E8E66-1E08-1C8E-571C-7CF877D1274A}"/>
+          </ac:picMkLst>
+        </pc:picChg>
+        <pc:picChg chg="del">
+          <ac:chgData name="ANDI MUHAMMAD NUR FITRAH SYAMSUL" userId="430f70ef-5e51-438a-80fd-b58088724bd5" providerId="ADAL" clId="{7E9771F1-29FC-ED4E-B792-BFF5E474B767}" dt="2024-11-06T00:16:58.898" v="45" actId="478"/>
+          <ac:picMkLst>
+            <pc:docMk/>
+            <pc:sldMk cId="193300317" sldId="265"/>
+            <ac:picMk id="8196" creationId="{44FB63E3-988A-465E-0503-940AA0DE8514}"/>
+          </ac:picMkLst>
+        </pc:picChg>
+      </pc:sldChg>
+      <pc:sldChg chg="addSp modSp add mod">
+        <pc:chgData name="ANDI MUHAMMAD NUR FITRAH SYAMSUL" userId="430f70ef-5e51-438a-80fd-b58088724bd5" providerId="ADAL" clId="{7E9771F1-29FC-ED4E-B792-BFF5E474B767}" dt="2024-11-06T00:21:06.535" v="227" actId="20577"/>
+        <pc:sldMkLst>
+          <pc:docMk/>
+          <pc:sldMk cId="1356205796" sldId="266"/>
+        </pc:sldMkLst>
+        <pc:spChg chg="mod">
+          <ac:chgData name="ANDI MUHAMMAD NUR FITRAH SYAMSUL" userId="430f70ef-5e51-438a-80fd-b58088724bd5" providerId="ADAL" clId="{7E9771F1-29FC-ED4E-B792-BFF5E474B767}" dt="2024-11-06T00:20:04.943" v="90" actId="20577"/>
+          <ac:spMkLst>
+            <pc:docMk/>
+            <pc:sldMk cId="1356205796" sldId="266"/>
+            <ac:spMk id="2" creationId="{8EE6C572-E00A-227B-8E85-90E223557B98}"/>
+          </ac:spMkLst>
+        </pc:spChg>
+        <pc:spChg chg="mod">
+          <ac:chgData name="ANDI MUHAMMAD NUR FITRAH SYAMSUL" userId="430f70ef-5e51-438a-80fd-b58088724bd5" providerId="ADAL" clId="{7E9771F1-29FC-ED4E-B792-BFF5E474B767}" dt="2024-11-06T00:21:06.535" v="227" actId="20577"/>
+          <ac:spMkLst>
+            <pc:docMk/>
+            <pc:sldMk cId="1356205796" sldId="266"/>
+            <ac:spMk id="3" creationId="{4CF6DEF0-DC48-E1AD-87C3-DDE1A671E4D5}"/>
+          </ac:spMkLst>
+        </pc:spChg>
+        <pc:spChg chg="add mod">
+          <ac:chgData name="ANDI MUHAMMAD NUR FITRAH SYAMSUL" userId="430f70ef-5e51-438a-80fd-b58088724bd5" providerId="ADAL" clId="{7E9771F1-29FC-ED4E-B792-BFF5E474B767}" dt="2024-11-06T00:20:11.041" v="93"/>
+          <ac:spMkLst>
+            <pc:docMk/>
+            <pc:sldMk cId="1356205796" sldId="266"/>
+            <ac:spMk id="4" creationId="{2F9F8505-CF02-739B-AFAB-0D377CDB50D1}"/>
+          </ac:spMkLst>
+        </pc:spChg>
+      </pc:sldChg>
+      <pc:sldChg chg="modSp add mod ord">
+        <pc:chgData name="ANDI MUHAMMAD NUR FITRAH SYAMSUL" userId="430f70ef-5e51-438a-80fd-b58088724bd5" providerId="ADAL" clId="{7E9771F1-29FC-ED4E-B792-BFF5E474B767}" dt="2024-11-06T00:41:23.981" v="855"/>
+        <pc:sldMkLst>
+          <pc:docMk/>
+          <pc:sldMk cId="1533799875" sldId="267"/>
+        </pc:sldMkLst>
+        <pc:spChg chg="mod">
+          <ac:chgData name="ANDI MUHAMMAD NUR FITRAH SYAMSUL" userId="430f70ef-5e51-438a-80fd-b58088724bd5" providerId="ADAL" clId="{7E9771F1-29FC-ED4E-B792-BFF5E474B767}" dt="2024-11-06T00:21:23.921" v="243" actId="20577"/>
+          <ac:spMkLst>
+            <pc:docMk/>
+            <pc:sldMk cId="1533799875" sldId="267"/>
+            <ac:spMk id="2" creationId="{FF5AD0F4-010B-44B6-71DB-22166942EC53}"/>
+          </ac:spMkLst>
+        </pc:spChg>
+        <pc:spChg chg="mod">
+          <ac:chgData name="ANDI MUHAMMAD NUR FITRAH SYAMSUL" userId="430f70ef-5e51-438a-80fd-b58088724bd5" providerId="ADAL" clId="{7E9771F1-29FC-ED4E-B792-BFF5E474B767}" dt="2024-11-06T00:41:23.981" v="855"/>
+          <ac:spMkLst>
+            <pc:docMk/>
+            <pc:sldMk cId="1533799875" sldId="267"/>
+            <ac:spMk id="3" creationId="{E5C35D25-582B-7DA0-FCED-71FED0956225}"/>
+          </ac:spMkLst>
+        </pc:spChg>
+      </pc:sldChg>
+      <pc:sldChg chg="addSp delSp modSp new mod">
+        <pc:chgData name="ANDI MUHAMMAD NUR FITRAH SYAMSUL" userId="430f70ef-5e51-438a-80fd-b58088724bd5" providerId="ADAL" clId="{7E9771F1-29FC-ED4E-B792-BFF5E474B767}" dt="2024-11-06T01:50:11.018" v="1051" actId="1076"/>
+        <pc:sldMkLst>
+          <pc:docMk/>
+          <pc:sldMk cId="899095211" sldId="268"/>
+        </pc:sldMkLst>
+        <pc:spChg chg="mod">
+          <ac:chgData name="ANDI MUHAMMAD NUR FITRAH SYAMSUL" userId="430f70ef-5e51-438a-80fd-b58088724bd5" providerId="ADAL" clId="{7E9771F1-29FC-ED4E-B792-BFF5E474B767}" dt="2024-11-06T00:44:22.337" v="868" actId="20577"/>
+          <ac:spMkLst>
+            <pc:docMk/>
+            <pc:sldMk cId="899095211" sldId="268"/>
+            <ac:spMk id="2" creationId="{BD9A7B03-033A-3BBD-FCAD-71866FFF4EA4}"/>
+          </ac:spMkLst>
+        </pc:spChg>
+        <pc:spChg chg="del">
+          <ac:chgData name="ANDI MUHAMMAD NUR FITRAH SYAMSUL" userId="430f70ef-5e51-438a-80fd-b58088724bd5" providerId="ADAL" clId="{7E9771F1-29FC-ED4E-B792-BFF5E474B767}" dt="2024-11-06T00:44:29.331" v="869" actId="3680"/>
+          <ac:spMkLst>
+            <pc:docMk/>
+            <pc:sldMk cId="899095211" sldId="268"/>
+            <ac:spMk id="3" creationId="{CE492E53-764C-D0BD-9CEC-D7B468B32AA5}"/>
+          </ac:spMkLst>
+        </pc:spChg>
+        <pc:spChg chg="add del mod">
+          <ac:chgData name="ANDI MUHAMMAD NUR FITRAH SYAMSUL" userId="430f70ef-5e51-438a-80fd-b58088724bd5" providerId="ADAL" clId="{7E9771F1-29FC-ED4E-B792-BFF5E474B767}" dt="2024-11-06T01:45:23.843" v="874" actId="478"/>
+          <ac:spMkLst>
+            <pc:docMk/>
+            <pc:sldMk cId="899095211" sldId="268"/>
+            <ac:spMk id="7" creationId="{B3A2094A-836C-EDE9-D7F4-71472AE9FF03}"/>
+          </ac:spMkLst>
+        </pc:spChg>
+        <pc:spChg chg="add del mod">
+          <ac:chgData name="ANDI MUHAMMAD NUR FITRAH SYAMSUL" userId="430f70ef-5e51-438a-80fd-b58088724bd5" providerId="ADAL" clId="{7E9771F1-29FC-ED4E-B792-BFF5E474B767}" dt="2024-11-06T01:46:07.490" v="882" actId="478"/>
+          <ac:spMkLst>
+            <pc:docMk/>
+            <pc:sldMk cId="899095211" sldId="268"/>
+            <ac:spMk id="10" creationId="{73A4A42D-6811-AE16-5499-6D14AE14FEBD}"/>
+          </ac:spMkLst>
+        </pc:spChg>
+        <pc:graphicFrameChg chg="add del mod ord modGraphic">
+          <ac:chgData name="ANDI MUHAMMAD NUR FITRAH SYAMSUL" userId="430f70ef-5e51-438a-80fd-b58088724bd5" providerId="ADAL" clId="{7E9771F1-29FC-ED4E-B792-BFF5E474B767}" dt="2024-11-06T01:45:58.776" v="881" actId="478"/>
+          <ac:graphicFrameMkLst>
+            <pc:docMk/>
+            <pc:sldMk cId="899095211" sldId="268"/>
+            <ac:graphicFrameMk id="4" creationId="{8F1F560D-E1B2-87F6-5532-C160A140CAF3}"/>
+          </ac:graphicFrameMkLst>
+        </pc:graphicFrameChg>
+        <pc:graphicFrameChg chg="add del mod">
+          <ac:chgData name="ANDI MUHAMMAD NUR FITRAH SYAMSUL" userId="430f70ef-5e51-438a-80fd-b58088724bd5" providerId="ADAL" clId="{7E9771F1-29FC-ED4E-B792-BFF5E474B767}" dt="2024-11-06T01:45:31.287" v="875" actId="478"/>
+          <ac:graphicFrameMkLst>
+            <pc:docMk/>
+            <pc:sldMk cId="899095211" sldId="268"/>
+            <ac:graphicFrameMk id="5" creationId="{8966473B-8DB3-C98D-51C0-CF0258CDF3C3}"/>
+          </ac:graphicFrameMkLst>
+        </pc:graphicFrameChg>
+        <pc:graphicFrameChg chg="add mod modGraphic">
+          <ac:chgData name="ANDI MUHAMMAD NUR FITRAH SYAMSUL" userId="430f70ef-5e51-438a-80fd-b58088724bd5" providerId="ADAL" clId="{7E9771F1-29FC-ED4E-B792-BFF5E474B767}" dt="2024-11-06T01:50:06.076" v="1050" actId="14100"/>
+          <ac:graphicFrameMkLst>
+            <pc:docMk/>
+            <pc:sldMk cId="899095211" sldId="268"/>
+            <ac:graphicFrameMk id="8" creationId="{B986F7D5-8D18-3C80-8F35-9D0CB43E77A5}"/>
+          </ac:graphicFrameMkLst>
+        </pc:graphicFrameChg>
+        <pc:graphicFrameChg chg="add mod modGraphic">
+          <ac:chgData name="ANDI MUHAMMAD NUR FITRAH SYAMSUL" userId="430f70ef-5e51-438a-80fd-b58088724bd5" providerId="ADAL" clId="{7E9771F1-29FC-ED4E-B792-BFF5E474B767}" dt="2024-11-06T01:50:11.018" v="1051" actId="1076"/>
+          <ac:graphicFrameMkLst>
+            <pc:docMk/>
+            <pc:sldMk cId="899095211" sldId="268"/>
+            <ac:graphicFrameMk id="11" creationId="{9518963F-FA4E-68D1-4965-10EB6BD9BE5E}"/>
+          </ac:graphicFrameMkLst>
+        </pc:graphicFrameChg>
+      </pc:sldChg>
+      <pc:sldChg chg="add">
+        <pc:chgData name="ANDI MUHAMMAD NUR FITRAH SYAMSUL" userId="430f70ef-5e51-438a-80fd-b58088724bd5" providerId="ADAL" clId="{7E9771F1-29FC-ED4E-B792-BFF5E474B767}" dt="2024-11-06T00:43:41.518" v="860" actId="2890"/>
+        <pc:sldMkLst>
+          <pc:docMk/>
+          <pc:sldMk cId="2648193692" sldId="269"/>
+        </pc:sldMkLst>
+      </pc:sldChg>
+      <pc:sldChg chg="delSp add del setBg delDesignElem">
+        <pc:chgData name="ANDI MUHAMMAD NUR FITRAH SYAMSUL" userId="430f70ef-5e51-438a-80fd-b58088724bd5" providerId="ADAL" clId="{7E9771F1-29FC-ED4E-B792-BFF5E474B767}" dt="2024-11-06T00:43:35.072" v="859" actId="2696"/>
+        <pc:sldMkLst>
+          <pc:docMk/>
+          <pc:sldMk cId="3907141222" sldId="269"/>
+        </pc:sldMkLst>
+        <pc:spChg chg="del">
+          <ac:chgData name="ANDI MUHAMMAD NUR FITRAH SYAMSUL" userId="430f70ef-5e51-438a-80fd-b58088724bd5" providerId="ADAL" clId="{7E9771F1-29FC-ED4E-B792-BFF5E474B767}" dt="2024-11-06T00:43:28.611" v="858"/>
+          <ac:spMkLst>
+            <pc:docMk/>
+            <pc:sldMk cId="3907141222" sldId="269"/>
+            <ac:spMk id="8" creationId="{8ADF1718-BECE-05D3-B4F6-9DFFEF8E05BC}"/>
+          </ac:spMkLst>
+        </pc:spChg>
+        <pc:spChg chg="del">
+          <ac:chgData name="ANDI MUHAMMAD NUR FITRAH SYAMSUL" userId="430f70ef-5e51-438a-80fd-b58088724bd5" providerId="ADAL" clId="{7E9771F1-29FC-ED4E-B792-BFF5E474B767}" dt="2024-11-06T00:43:28.611" v="858"/>
+          <ac:spMkLst>
+            <pc:docMk/>
+            <pc:sldMk cId="3907141222" sldId="269"/>
+            <ac:spMk id="10" creationId="{5F7F812F-7FA0-1593-C9A3-AF2CF7E3D8A9}"/>
+          </ac:spMkLst>
+        </pc:spChg>
+      </pc:sldChg>
+    </pc:docChg>
+  </pc:docChgLst>
+</pc:chgInfo>
 </file>
 
 <file path=ppt/slideLayouts/slideLayout1.xml><?xml version="1.0" encoding="utf-8"?>
@@ -269,7 +953,7 @@
           <a:p>
             <a:fld id="{8141E624-F523-ED41-A850-E257E6C72E37}" type="datetimeFigureOut">
               <a:rPr lang="en-JP" smtClean="0"/>
-              <a:t>2024/11/05</a:t>
+              <a:t>2024/11/06</a:t>
             </a:fld>
             <a:endParaRPr lang="en-JP"/>
           </a:p>
@@ -469,7 +1153,7 @@
           <a:p>
             <a:fld id="{8141E624-F523-ED41-A850-E257E6C72E37}" type="datetimeFigureOut">
               <a:rPr lang="en-JP" smtClean="0"/>
-              <a:t>2024/11/05</a:t>
+              <a:t>2024/11/06</a:t>
             </a:fld>
             <a:endParaRPr lang="en-JP"/>
           </a:p>
@@ -679,7 +1363,7 @@
           <a:p>
             <a:fld id="{8141E624-F523-ED41-A850-E257E6C72E37}" type="datetimeFigureOut">
               <a:rPr lang="en-JP" smtClean="0"/>
-              <a:t>2024/11/05</a:t>
+              <a:t>2024/11/06</a:t>
             </a:fld>
             <a:endParaRPr lang="en-JP"/>
           </a:p>
@@ -879,7 +1563,7 @@
           <a:p>
             <a:fld id="{8141E624-F523-ED41-A850-E257E6C72E37}" type="datetimeFigureOut">
               <a:rPr lang="en-JP" smtClean="0"/>
-              <a:t>2024/11/05</a:t>
+              <a:t>2024/11/06</a:t>
             </a:fld>
             <a:endParaRPr lang="en-JP"/>
           </a:p>
@@ -1155,7 +1839,7 @@
           <a:p>
             <a:fld id="{8141E624-F523-ED41-A850-E257E6C72E37}" type="datetimeFigureOut">
               <a:rPr lang="en-JP" smtClean="0"/>
-              <a:t>2024/11/05</a:t>
+              <a:t>2024/11/06</a:t>
             </a:fld>
             <a:endParaRPr lang="en-JP"/>
           </a:p>
@@ -1423,7 +2107,7 @@
           <a:p>
             <a:fld id="{8141E624-F523-ED41-A850-E257E6C72E37}" type="datetimeFigureOut">
               <a:rPr lang="en-JP" smtClean="0"/>
-              <a:t>2024/11/05</a:t>
+              <a:t>2024/11/06</a:t>
             </a:fld>
             <a:endParaRPr lang="en-JP"/>
           </a:p>
@@ -1838,7 +2522,7 @@
           <a:p>
             <a:fld id="{8141E624-F523-ED41-A850-E257E6C72E37}" type="datetimeFigureOut">
               <a:rPr lang="en-JP" smtClean="0"/>
-              <a:t>2024/11/05</a:t>
+              <a:t>2024/11/06</a:t>
             </a:fld>
             <a:endParaRPr lang="en-JP"/>
           </a:p>
@@ -1980,7 +2664,7 @@
           <a:p>
             <a:fld id="{8141E624-F523-ED41-A850-E257E6C72E37}" type="datetimeFigureOut">
               <a:rPr lang="en-JP" smtClean="0"/>
-              <a:t>2024/11/05</a:t>
+              <a:t>2024/11/06</a:t>
             </a:fld>
             <a:endParaRPr lang="en-JP"/>
           </a:p>
@@ -2093,7 +2777,7 @@
           <a:p>
             <a:fld id="{8141E624-F523-ED41-A850-E257E6C72E37}" type="datetimeFigureOut">
               <a:rPr lang="en-JP" smtClean="0"/>
-              <a:t>2024/11/05</a:t>
+              <a:t>2024/11/06</a:t>
             </a:fld>
             <a:endParaRPr lang="en-JP"/>
           </a:p>
@@ -2406,7 +3090,7 @@
           <a:p>
             <a:fld id="{8141E624-F523-ED41-A850-E257E6C72E37}" type="datetimeFigureOut">
               <a:rPr lang="en-JP" smtClean="0"/>
-              <a:t>2024/11/05</a:t>
+              <a:t>2024/11/06</a:t>
             </a:fld>
             <a:endParaRPr lang="en-JP"/>
           </a:p>
@@ -2695,7 +3379,7 @@
           <a:p>
             <a:fld id="{8141E624-F523-ED41-A850-E257E6C72E37}" type="datetimeFigureOut">
               <a:rPr lang="en-JP" smtClean="0"/>
-              <a:t>2024/11/05</a:t>
+              <a:t>2024/11/06</a:t>
             </a:fld>
             <a:endParaRPr lang="en-JP"/>
           </a:p>
@@ -2938,7 +3622,7 @@
           <a:p>
             <a:fld id="{8141E624-F523-ED41-A850-E257E6C72E37}" type="datetimeFigureOut">
               <a:rPr lang="en-JP" smtClean="0"/>
-              <a:t>2024/11/05</a:t>
+              <a:t>2024/11/06</a:t>
             </a:fld>
             <a:endParaRPr lang="en-JP"/>
           </a:p>
@@ -3341,6 +4025,2697 @@
 <file path=ppt/slides/slide1.xml><?xml version="1.0" encoding="utf-8"?>
 <p:sld xmlns:a="http://schemas.openxmlformats.org/drawingml/2006/main" xmlns:r="http://schemas.openxmlformats.org/officeDocument/2006/relationships" xmlns:p="http://schemas.openxmlformats.org/presentationml/2006/main">
   <p:cSld>
+    <p:bg>
+      <p:bgPr>
+        <a:solidFill>
+          <a:schemeClr val="bg1"/>
+        </a:solidFill>
+        <a:effectLst/>
+      </p:bgPr>
+    </p:bg>
+    <p:spTree>
+      <p:nvGrpSpPr>
+        <p:cNvPr id="1" name=""/>
+        <p:cNvGrpSpPr/>
+        <p:nvPr/>
+      </p:nvGrpSpPr>
+      <p:grpSpPr>
+        <a:xfrm>
+          <a:off x="0" y="0"/>
+          <a:ext cx="0" cy="0"/>
+          <a:chOff x="0" y="0"/>
+          <a:chExt cx="0" cy="0"/>
+        </a:xfrm>
+      </p:grpSpPr>
+      <p:sp useBgFill="1">
+        <p:nvSpPr>
+          <p:cNvPr id="8" name="Rectangle 7">
+            <a:extLst>
+              <a:ext uri="{FF2B5EF4-FFF2-40B4-BE49-F238E27FC236}">
+                <a16:creationId xmlns:a16="http://schemas.microsoft.com/office/drawing/2014/main" id="{100EDD19-6802-4EC3-95CE-CFFAB042CFD6}"/>
+              </a:ext>
+              <a:ext uri="{C183D7F6-B498-43B3-948B-1728B52AA6E4}">
+                <adec:decorative xmlns:adec="http://schemas.microsoft.com/office/drawing/2017/decorative" val="1"/>
+              </a:ext>
+            </a:extLst>
+          </p:cNvPr>
+          <p:cNvSpPr>
+            <a:spLocks noGrp="1" noRot="1" noChangeAspect="1" noMove="1" noResize="1" noEditPoints="1" noAdjustHandles="1" noChangeArrowheads="1" noChangeShapeType="1" noTextEdit="1"/>
+          </p:cNvSpPr>
+          <p:nvPr>
+            <p:extLst>
+              <p:ext uri="{386F3935-93C4-4BCD-93E2-E3B085C9AB24}">
+                <p16:designElem xmlns:p16="http://schemas.microsoft.com/office/powerpoint/2015/main" val="1"/>
+              </p:ext>
+            </p:extLst>
+          </p:nvPr>
+        </p:nvSpPr>
+        <p:spPr>
+          <a:xfrm>
+            <a:off x="0" y="0"/>
+            <a:ext cx="12188952" cy="6858000"/>
+          </a:xfrm>
+          <a:prstGeom prst="rect">
+            <a:avLst/>
+          </a:prstGeom>
+          <a:ln>
+            <a:noFill/>
+          </a:ln>
+        </p:spPr>
+        <p:style>
+          <a:lnRef idx="2">
+            <a:schemeClr val="accent1">
+              <a:shade val="50000"/>
+            </a:schemeClr>
+          </a:lnRef>
+          <a:fillRef idx="1">
+            <a:schemeClr val="accent1"/>
+          </a:fillRef>
+          <a:effectRef idx="0">
+            <a:schemeClr val="accent1"/>
+          </a:effectRef>
+          <a:fontRef idx="minor">
+            <a:schemeClr val="lt1"/>
+          </a:fontRef>
+        </p:style>
+        <p:txBody>
+          <a:bodyPr rtlCol="0" anchor="ctr"/>
+          <a:lstStyle/>
+          <a:p>
+            <a:pPr algn="ctr"/>
+            <a:endParaRPr lang="en-US"/>
+          </a:p>
+        </p:txBody>
+      </p:sp>
+      <p:sp>
+        <p:nvSpPr>
+          <p:cNvPr id="2" name="Title 1">
+            <a:extLst>
+              <a:ext uri="{FF2B5EF4-FFF2-40B4-BE49-F238E27FC236}">
+                <a16:creationId xmlns:a16="http://schemas.microsoft.com/office/drawing/2014/main" id="{EE71C720-10FF-A32A-8297-102D91A4F5B6}"/>
+              </a:ext>
+            </a:extLst>
+          </p:cNvPr>
+          <p:cNvSpPr>
+            <a:spLocks noGrp="1"/>
+          </p:cNvSpPr>
+          <p:nvPr>
+            <p:ph type="ctrTitle"/>
+          </p:nvPr>
+        </p:nvSpPr>
+        <p:spPr>
+          <a:xfrm>
+            <a:off x="838200" y="365125"/>
+            <a:ext cx="10515600" cy="1325563"/>
+          </a:xfrm>
+        </p:spPr>
+        <p:txBody>
+          <a:bodyPr vert="horz" lIns="91440" tIns="45720" rIns="91440" bIns="45720" rtlCol="0" anchor="ctr">
+            <a:normAutofit/>
+          </a:bodyPr>
+          <a:lstStyle/>
+          <a:p>
+            <a:pPr algn="l"/>
+            <a:r>
+              <a:rPr lang="en-US" sz="5400" b="1" kern="1200">
+                <a:solidFill>
+                  <a:schemeClr val="tx1"/>
+                </a:solidFill>
+                <a:latin typeface="+mj-lt"/>
+                <a:ea typeface="+mj-ea"/>
+                <a:cs typeface="+mj-cs"/>
+              </a:rPr>
+              <a:t>Research Report I</a:t>
+            </a:r>
+            <a:endParaRPr lang="en-US" sz="5400" kern="1200">
+              <a:solidFill>
+                <a:schemeClr val="tx1"/>
+              </a:solidFill>
+              <a:latin typeface="+mj-lt"/>
+              <a:ea typeface="+mj-ea"/>
+              <a:cs typeface="+mj-cs"/>
+            </a:endParaRPr>
+          </a:p>
+        </p:txBody>
+      </p:sp>
+      <p:sp>
+        <p:nvSpPr>
+          <p:cNvPr id="10" name="sketch line">
+            <a:extLst>
+              <a:ext uri="{FF2B5EF4-FFF2-40B4-BE49-F238E27FC236}">
+                <a16:creationId xmlns:a16="http://schemas.microsoft.com/office/drawing/2014/main" id="{DB17E863-922E-4C26-BD64-E8FD41D28661}"/>
+              </a:ext>
+              <a:ext uri="{C183D7F6-B498-43B3-948B-1728B52AA6E4}">
+                <adec:decorative xmlns:adec="http://schemas.microsoft.com/office/drawing/2017/decorative" val="1"/>
+              </a:ext>
+            </a:extLst>
+          </p:cNvPr>
+          <p:cNvSpPr>
+            <a:spLocks noGrp="1" noRot="1" noChangeAspect="1" noMove="1" noResize="1" noEditPoints="1" noAdjustHandles="1" noChangeArrowheads="1" noChangeShapeType="1" noTextEdit="1"/>
+          </p:cNvSpPr>
+          <p:nvPr>
+            <p:extLst>
+              <p:ext uri="{386F3935-93C4-4BCD-93E2-E3B085C9AB24}">
+                <p16:designElem xmlns:p16="http://schemas.microsoft.com/office/powerpoint/2015/main" val="1"/>
+              </p:ext>
+            </p:extLst>
+          </p:nvPr>
+        </p:nvSpPr>
+        <p:spPr>
+          <a:xfrm>
+            <a:off x="669036" y="1677373"/>
+            <a:ext cx="10853928" cy="18288"/>
+          </a:xfrm>
+          <a:custGeom>
+            <a:avLst/>
+            <a:gdLst>
+              <a:gd name="connsiteX0" fmla="*/ 0 w 10853928"/>
+              <a:gd name="connsiteY0" fmla="*/ 0 h 18288"/>
+              <a:gd name="connsiteX1" fmla="*/ 461292 w 10853928"/>
+              <a:gd name="connsiteY1" fmla="*/ 0 h 18288"/>
+              <a:gd name="connsiteX2" fmla="*/ 1139662 w 10853928"/>
+              <a:gd name="connsiteY2" fmla="*/ 0 h 18288"/>
+              <a:gd name="connsiteX3" fmla="*/ 1926572 w 10853928"/>
+              <a:gd name="connsiteY3" fmla="*/ 0 h 18288"/>
+              <a:gd name="connsiteX4" fmla="*/ 2279325 w 10853928"/>
+              <a:gd name="connsiteY4" fmla="*/ 0 h 18288"/>
+              <a:gd name="connsiteX5" fmla="*/ 2632078 w 10853928"/>
+              <a:gd name="connsiteY5" fmla="*/ 0 h 18288"/>
+              <a:gd name="connsiteX6" fmla="*/ 3527527 w 10853928"/>
+              <a:gd name="connsiteY6" fmla="*/ 0 h 18288"/>
+              <a:gd name="connsiteX7" fmla="*/ 4205897 w 10853928"/>
+              <a:gd name="connsiteY7" fmla="*/ 0 h 18288"/>
+              <a:gd name="connsiteX8" fmla="*/ 4558650 w 10853928"/>
+              <a:gd name="connsiteY8" fmla="*/ 0 h 18288"/>
+              <a:gd name="connsiteX9" fmla="*/ 5237020 w 10853928"/>
+              <a:gd name="connsiteY9" fmla="*/ 0 h 18288"/>
+              <a:gd name="connsiteX10" fmla="*/ 6132469 w 10853928"/>
+              <a:gd name="connsiteY10" fmla="*/ 0 h 18288"/>
+              <a:gd name="connsiteX11" fmla="*/ 6702301 w 10853928"/>
+              <a:gd name="connsiteY11" fmla="*/ 0 h 18288"/>
+              <a:gd name="connsiteX12" fmla="*/ 7272132 w 10853928"/>
+              <a:gd name="connsiteY12" fmla="*/ 0 h 18288"/>
+              <a:gd name="connsiteX13" fmla="*/ 7950502 w 10853928"/>
+              <a:gd name="connsiteY13" fmla="*/ 0 h 18288"/>
+              <a:gd name="connsiteX14" fmla="*/ 8737412 w 10853928"/>
+              <a:gd name="connsiteY14" fmla="*/ 0 h 18288"/>
+              <a:gd name="connsiteX15" fmla="*/ 9524322 w 10853928"/>
+              <a:gd name="connsiteY15" fmla="*/ 0 h 18288"/>
+              <a:gd name="connsiteX16" fmla="*/ 10853928 w 10853928"/>
+              <a:gd name="connsiteY16" fmla="*/ 0 h 18288"/>
+              <a:gd name="connsiteX17" fmla="*/ 10853928 w 10853928"/>
+              <a:gd name="connsiteY17" fmla="*/ 18288 h 18288"/>
+              <a:gd name="connsiteX18" fmla="*/ 10392636 w 10853928"/>
+              <a:gd name="connsiteY18" fmla="*/ 18288 h 18288"/>
+              <a:gd name="connsiteX19" fmla="*/ 9497187 w 10853928"/>
+              <a:gd name="connsiteY19" fmla="*/ 18288 h 18288"/>
+              <a:gd name="connsiteX20" fmla="*/ 8818817 w 10853928"/>
+              <a:gd name="connsiteY20" fmla="*/ 18288 h 18288"/>
+              <a:gd name="connsiteX21" fmla="*/ 8466064 w 10853928"/>
+              <a:gd name="connsiteY21" fmla="*/ 18288 h 18288"/>
+              <a:gd name="connsiteX22" fmla="*/ 7787693 w 10853928"/>
+              <a:gd name="connsiteY22" fmla="*/ 18288 h 18288"/>
+              <a:gd name="connsiteX23" fmla="*/ 7217862 w 10853928"/>
+              <a:gd name="connsiteY23" fmla="*/ 18288 h 18288"/>
+              <a:gd name="connsiteX24" fmla="*/ 6648031 w 10853928"/>
+              <a:gd name="connsiteY24" fmla="*/ 18288 h 18288"/>
+              <a:gd name="connsiteX25" fmla="*/ 6078200 w 10853928"/>
+              <a:gd name="connsiteY25" fmla="*/ 18288 h 18288"/>
+              <a:gd name="connsiteX26" fmla="*/ 5508368 w 10853928"/>
+              <a:gd name="connsiteY26" fmla="*/ 18288 h 18288"/>
+              <a:gd name="connsiteX27" fmla="*/ 4721459 w 10853928"/>
+              <a:gd name="connsiteY27" fmla="*/ 18288 h 18288"/>
+              <a:gd name="connsiteX28" fmla="*/ 4043088 w 10853928"/>
+              <a:gd name="connsiteY28" fmla="*/ 18288 h 18288"/>
+              <a:gd name="connsiteX29" fmla="*/ 3690336 w 10853928"/>
+              <a:gd name="connsiteY29" fmla="*/ 18288 h 18288"/>
+              <a:gd name="connsiteX30" fmla="*/ 3120504 w 10853928"/>
+              <a:gd name="connsiteY30" fmla="*/ 18288 h 18288"/>
+              <a:gd name="connsiteX31" fmla="*/ 2333595 w 10853928"/>
+              <a:gd name="connsiteY31" fmla="*/ 18288 h 18288"/>
+              <a:gd name="connsiteX32" fmla="*/ 1872303 w 10853928"/>
+              <a:gd name="connsiteY32" fmla="*/ 18288 h 18288"/>
+              <a:gd name="connsiteX33" fmla="*/ 976854 w 10853928"/>
+              <a:gd name="connsiteY33" fmla="*/ 18288 h 18288"/>
+              <a:gd name="connsiteX34" fmla="*/ 0 w 10853928"/>
+              <a:gd name="connsiteY34" fmla="*/ 18288 h 18288"/>
+              <a:gd name="connsiteX35" fmla="*/ 0 w 10853928"/>
+              <a:gd name="connsiteY35" fmla="*/ 0 h 18288"/>
+            </a:gdLst>
+            <a:ahLst/>
+            <a:cxnLst>
+              <a:cxn ang="0">
+                <a:pos x="connsiteX0" y="connsiteY0"/>
+              </a:cxn>
+              <a:cxn ang="0">
+                <a:pos x="connsiteX1" y="connsiteY1"/>
+              </a:cxn>
+              <a:cxn ang="0">
+                <a:pos x="connsiteX2" y="connsiteY2"/>
+              </a:cxn>
+              <a:cxn ang="0">
+                <a:pos x="connsiteX3" y="connsiteY3"/>
+              </a:cxn>
+              <a:cxn ang="0">
+                <a:pos x="connsiteX4" y="connsiteY4"/>
+              </a:cxn>
+              <a:cxn ang="0">
+                <a:pos x="connsiteX5" y="connsiteY5"/>
+              </a:cxn>
+              <a:cxn ang="0">
+                <a:pos x="connsiteX6" y="connsiteY6"/>
+              </a:cxn>
+              <a:cxn ang="0">
+                <a:pos x="connsiteX7" y="connsiteY7"/>
+              </a:cxn>
+              <a:cxn ang="0">
+                <a:pos x="connsiteX8" y="connsiteY8"/>
+              </a:cxn>
+              <a:cxn ang="0">
+                <a:pos x="connsiteX9" y="connsiteY9"/>
+              </a:cxn>
+              <a:cxn ang="0">
+                <a:pos x="connsiteX10" y="connsiteY10"/>
+              </a:cxn>
+              <a:cxn ang="0">
+                <a:pos x="connsiteX11" y="connsiteY11"/>
+              </a:cxn>
+              <a:cxn ang="0">
+                <a:pos x="connsiteX12" y="connsiteY12"/>
+              </a:cxn>
+              <a:cxn ang="0">
+                <a:pos x="connsiteX13" y="connsiteY13"/>
+              </a:cxn>
+              <a:cxn ang="0">
+                <a:pos x="connsiteX14" y="connsiteY14"/>
+              </a:cxn>
+              <a:cxn ang="0">
+                <a:pos x="connsiteX15" y="connsiteY15"/>
+              </a:cxn>
+              <a:cxn ang="0">
+                <a:pos x="connsiteX16" y="connsiteY16"/>
+              </a:cxn>
+              <a:cxn ang="0">
+                <a:pos x="connsiteX17" y="connsiteY17"/>
+              </a:cxn>
+              <a:cxn ang="0">
+                <a:pos x="connsiteX18" y="connsiteY18"/>
+              </a:cxn>
+              <a:cxn ang="0">
+                <a:pos x="connsiteX19" y="connsiteY19"/>
+              </a:cxn>
+              <a:cxn ang="0">
+                <a:pos x="connsiteX20" y="connsiteY20"/>
+              </a:cxn>
+              <a:cxn ang="0">
+                <a:pos x="connsiteX21" y="connsiteY21"/>
+              </a:cxn>
+              <a:cxn ang="0">
+                <a:pos x="connsiteX22" y="connsiteY22"/>
+              </a:cxn>
+              <a:cxn ang="0">
+                <a:pos x="connsiteX23" y="connsiteY23"/>
+              </a:cxn>
+              <a:cxn ang="0">
+                <a:pos x="connsiteX24" y="connsiteY24"/>
+              </a:cxn>
+              <a:cxn ang="0">
+                <a:pos x="connsiteX25" y="connsiteY25"/>
+              </a:cxn>
+              <a:cxn ang="0">
+                <a:pos x="connsiteX26" y="connsiteY26"/>
+              </a:cxn>
+              <a:cxn ang="0">
+                <a:pos x="connsiteX27" y="connsiteY27"/>
+              </a:cxn>
+              <a:cxn ang="0">
+                <a:pos x="connsiteX28" y="connsiteY28"/>
+              </a:cxn>
+              <a:cxn ang="0">
+                <a:pos x="connsiteX29" y="connsiteY29"/>
+              </a:cxn>
+              <a:cxn ang="0">
+                <a:pos x="connsiteX30" y="connsiteY30"/>
+              </a:cxn>
+              <a:cxn ang="0">
+                <a:pos x="connsiteX31" y="connsiteY31"/>
+              </a:cxn>
+              <a:cxn ang="0">
+                <a:pos x="connsiteX32" y="connsiteY32"/>
+              </a:cxn>
+              <a:cxn ang="0">
+                <a:pos x="connsiteX33" y="connsiteY33"/>
+              </a:cxn>
+              <a:cxn ang="0">
+                <a:pos x="connsiteX34" y="connsiteY34"/>
+              </a:cxn>
+              <a:cxn ang="0">
+                <a:pos x="connsiteX35" y="connsiteY35"/>
+              </a:cxn>
+            </a:cxnLst>
+            <a:rect l="l" t="t" r="r" b="b"/>
+            <a:pathLst>
+              <a:path w="10853928" h="18288" fill="none" extrusionOk="0">
+                <a:moveTo>
+                  <a:pt x="0" y="0"/>
+                </a:moveTo>
+                <a:cubicBezTo>
+                  <a:pt x="146993" y="-19076"/>
+                  <a:pt x="347684" y="-4790"/>
+                  <a:pt x="461292" y="0"/>
+                </a:cubicBezTo>
+                <a:cubicBezTo>
+                  <a:pt x="574900" y="4790"/>
+                  <a:pt x="808367" y="19821"/>
+                  <a:pt x="1139662" y="0"/>
+                </a:cubicBezTo>
+                <a:cubicBezTo>
+                  <a:pt x="1470957" y="-19821"/>
+                  <a:pt x="1627405" y="5721"/>
+                  <a:pt x="1926572" y="0"/>
+                </a:cubicBezTo>
+                <a:cubicBezTo>
+                  <a:pt x="2225739" y="-5721"/>
+                  <a:pt x="2137730" y="-3235"/>
+                  <a:pt x="2279325" y="0"/>
+                </a:cubicBezTo>
+                <a:cubicBezTo>
+                  <a:pt x="2420920" y="3235"/>
+                  <a:pt x="2456518" y="9685"/>
+                  <a:pt x="2632078" y="0"/>
+                </a:cubicBezTo>
+                <a:cubicBezTo>
+                  <a:pt x="2807638" y="-9685"/>
+                  <a:pt x="3211516" y="-43007"/>
+                  <a:pt x="3527527" y="0"/>
+                </a:cubicBezTo>
+                <a:cubicBezTo>
+                  <a:pt x="3843538" y="43007"/>
+                  <a:pt x="4058833" y="22042"/>
+                  <a:pt x="4205897" y="0"/>
+                </a:cubicBezTo>
+                <a:cubicBezTo>
+                  <a:pt x="4352961" y="-22042"/>
+                  <a:pt x="4474805" y="-11846"/>
+                  <a:pt x="4558650" y="0"/>
+                </a:cubicBezTo>
+                <a:cubicBezTo>
+                  <a:pt x="4642495" y="11846"/>
+                  <a:pt x="5041928" y="-6069"/>
+                  <a:pt x="5237020" y="0"/>
+                </a:cubicBezTo>
+                <a:cubicBezTo>
+                  <a:pt x="5432112" y="6069"/>
+                  <a:pt x="5943266" y="-17479"/>
+                  <a:pt x="6132469" y="0"/>
+                </a:cubicBezTo>
+                <a:cubicBezTo>
+                  <a:pt x="6321672" y="17479"/>
+                  <a:pt x="6483872" y="26234"/>
+                  <a:pt x="6702301" y="0"/>
+                </a:cubicBezTo>
+                <a:cubicBezTo>
+                  <a:pt x="6920730" y="-26234"/>
+                  <a:pt x="6991194" y="-15156"/>
+                  <a:pt x="7272132" y="0"/>
+                </a:cubicBezTo>
+                <a:cubicBezTo>
+                  <a:pt x="7553070" y="15156"/>
+                  <a:pt x="7684444" y="-32961"/>
+                  <a:pt x="7950502" y="0"/>
+                </a:cubicBezTo>
+                <a:cubicBezTo>
+                  <a:pt x="8216560" y="32961"/>
+                  <a:pt x="8493290" y="-10491"/>
+                  <a:pt x="8737412" y="0"/>
+                </a:cubicBezTo>
+                <a:cubicBezTo>
+                  <a:pt x="8981534" y="10491"/>
+                  <a:pt x="9191586" y="-13899"/>
+                  <a:pt x="9524322" y="0"/>
+                </a:cubicBezTo>
+                <a:cubicBezTo>
+                  <a:pt x="9857058" y="13899"/>
+                  <a:pt x="10297509" y="7485"/>
+                  <a:pt x="10853928" y="0"/>
+                </a:cubicBezTo>
+                <a:cubicBezTo>
+                  <a:pt x="10854574" y="4451"/>
+                  <a:pt x="10854418" y="9226"/>
+                  <a:pt x="10853928" y="18288"/>
+                </a:cubicBezTo>
+                <a:cubicBezTo>
+                  <a:pt x="10691638" y="28522"/>
+                  <a:pt x="10574319" y="29578"/>
+                  <a:pt x="10392636" y="18288"/>
+                </a:cubicBezTo>
+                <a:cubicBezTo>
+                  <a:pt x="10210953" y="6998"/>
+                  <a:pt x="9836277" y="-16742"/>
+                  <a:pt x="9497187" y="18288"/>
+                </a:cubicBezTo>
+                <a:cubicBezTo>
+                  <a:pt x="9158097" y="53318"/>
+                  <a:pt x="9119479" y="30714"/>
+                  <a:pt x="8818817" y="18288"/>
+                </a:cubicBezTo>
+                <a:cubicBezTo>
+                  <a:pt x="8518155" y="5863"/>
+                  <a:pt x="8640037" y="6483"/>
+                  <a:pt x="8466064" y="18288"/>
+                </a:cubicBezTo>
+                <a:cubicBezTo>
+                  <a:pt x="8292091" y="30093"/>
+                  <a:pt x="7997656" y="18914"/>
+                  <a:pt x="7787693" y="18288"/>
+                </a:cubicBezTo>
+                <a:cubicBezTo>
+                  <a:pt x="7577730" y="17662"/>
+                  <a:pt x="7412468" y="21416"/>
+                  <a:pt x="7217862" y="18288"/>
+                </a:cubicBezTo>
+                <a:cubicBezTo>
+                  <a:pt x="7023256" y="15160"/>
+                  <a:pt x="6898018" y="14824"/>
+                  <a:pt x="6648031" y="18288"/>
+                </a:cubicBezTo>
+                <a:cubicBezTo>
+                  <a:pt x="6398044" y="21752"/>
+                  <a:pt x="6254402" y="38625"/>
+                  <a:pt x="6078200" y="18288"/>
+                </a:cubicBezTo>
+                <a:cubicBezTo>
+                  <a:pt x="5901998" y="-2049"/>
+                  <a:pt x="5622886" y="3213"/>
+                  <a:pt x="5508368" y="18288"/>
+                </a:cubicBezTo>
+                <a:cubicBezTo>
+                  <a:pt x="5393850" y="33363"/>
+                  <a:pt x="5036260" y="26830"/>
+                  <a:pt x="4721459" y="18288"/>
+                </a:cubicBezTo>
+                <a:cubicBezTo>
+                  <a:pt x="4406658" y="9746"/>
+                  <a:pt x="4239221" y="41551"/>
+                  <a:pt x="4043088" y="18288"/>
+                </a:cubicBezTo>
+                <a:cubicBezTo>
+                  <a:pt x="3846955" y="-4975"/>
+                  <a:pt x="3818802" y="34658"/>
+                  <a:pt x="3690336" y="18288"/>
+                </a:cubicBezTo>
+                <a:cubicBezTo>
+                  <a:pt x="3561870" y="1918"/>
+                  <a:pt x="3265491" y="42194"/>
+                  <a:pt x="3120504" y="18288"/>
+                </a:cubicBezTo>
+                <a:cubicBezTo>
+                  <a:pt x="2975517" y="-5618"/>
+                  <a:pt x="2720254" y="36673"/>
+                  <a:pt x="2333595" y="18288"/>
+                </a:cubicBezTo>
+                <a:cubicBezTo>
+                  <a:pt x="1946936" y="-97"/>
+                  <a:pt x="2097241" y="5776"/>
+                  <a:pt x="1872303" y="18288"/>
+                </a:cubicBezTo>
+                <a:cubicBezTo>
+                  <a:pt x="1647365" y="30800"/>
+                  <a:pt x="1282708" y="45380"/>
+                  <a:pt x="976854" y="18288"/>
+                </a:cubicBezTo>
+                <a:cubicBezTo>
+                  <a:pt x="671000" y="-8804"/>
+                  <a:pt x="408401" y="-12775"/>
+                  <a:pt x="0" y="18288"/>
+                </a:cubicBezTo>
+                <a:cubicBezTo>
+                  <a:pt x="-213" y="9468"/>
+                  <a:pt x="187" y="4459"/>
+                  <a:pt x="0" y="0"/>
+                </a:cubicBezTo>
+                <a:close/>
+              </a:path>
+              <a:path w="10853928" h="18288" stroke="0" extrusionOk="0">
+                <a:moveTo>
+                  <a:pt x="0" y="0"/>
+                </a:moveTo>
+                <a:cubicBezTo>
+                  <a:pt x="267322" y="15284"/>
+                  <a:pt x="415388" y="-21048"/>
+                  <a:pt x="569831" y="0"/>
+                </a:cubicBezTo>
+                <a:cubicBezTo>
+                  <a:pt x="724274" y="21048"/>
+                  <a:pt x="769333" y="-2353"/>
+                  <a:pt x="922584" y="0"/>
+                </a:cubicBezTo>
+                <a:cubicBezTo>
+                  <a:pt x="1075835" y="2353"/>
+                  <a:pt x="1399490" y="-145"/>
+                  <a:pt x="1818033" y="0"/>
+                </a:cubicBezTo>
+                <a:cubicBezTo>
+                  <a:pt x="2236576" y="145"/>
+                  <a:pt x="2145330" y="5482"/>
+                  <a:pt x="2387864" y="0"/>
+                </a:cubicBezTo>
+                <a:cubicBezTo>
+                  <a:pt x="2630398" y="-5482"/>
+                  <a:pt x="2793207" y="18487"/>
+                  <a:pt x="2957695" y="0"/>
+                </a:cubicBezTo>
+                <a:cubicBezTo>
+                  <a:pt x="3122183" y="-18487"/>
+                  <a:pt x="3579141" y="19003"/>
+                  <a:pt x="3853144" y="0"/>
+                </a:cubicBezTo>
+                <a:cubicBezTo>
+                  <a:pt x="4127147" y="-19003"/>
+                  <a:pt x="4209857" y="12211"/>
+                  <a:pt x="4314436" y="0"/>
+                </a:cubicBezTo>
+                <a:cubicBezTo>
+                  <a:pt x="4419015" y="-12211"/>
+                  <a:pt x="4762459" y="-17220"/>
+                  <a:pt x="5209885" y="0"/>
+                </a:cubicBezTo>
+                <a:cubicBezTo>
+                  <a:pt x="5657311" y="17220"/>
+                  <a:pt x="5692663" y="-3290"/>
+                  <a:pt x="6105335" y="0"/>
+                </a:cubicBezTo>
+                <a:cubicBezTo>
+                  <a:pt x="6518007" y="3290"/>
+                  <a:pt x="6455516" y="-5124"/>
+                  <a:pt x="6783705" y="0"/>
+                </a:cubicBezTo>
+                <a:cubicBezTo>
+                  <a:pt x="7111894" y="5124"/>
+                  <a:pt x="7441941" y="-17829"/>
+                  <a:pt x="7679154" y="0"/>
+                </a:cubicBezTo>
+                <a:cubicBezTo>
+                  <a:pt x="7916367" y="17829"/>
+                  <a:pt x="8102967" y="-24363"/>
+                  <a:pt x="8248985" y="0"/>
+                </a:cubicBezTo>
+                <a:cubicBezTo>
+                  <a:pt x="8395003" y="24363"/>
+                  <a:pt x="8552393" y="25505"/>
+                  <a:pt x="8818817" y="0"/>
+                </a:cubicBezTo>
+                <a:cubicBezTo>
+                  <a:pt x="9085241" y="-25505"/>
+                  <a:pt x="9411308" y="38000"/>
+                  <a:pt x="9605726" y="0"/>
+                </a:cubicBezTo>
+                <a:cubicBezTo>
+                  <a:pt x="9800144" y="-38000"/>
+                  <a:pt x="10006468" y="-25741"/>
+                  <a:pt x="10175558" y="0"/>
+                </a:cubicBezTo>
+                <a:cubicBezTo>
+                  <a:pt x="10344648" y="25741"/>
+                  <a:pt x="10696282" y="695"/>
+                  <a:pt x="10853928" y="0"/>
+                </a:cubicBezTo>
+                <a:cubicBezTo>
+                  <a:pt x="10853521" y="8690"/>
+                  <a:pt x="10853774" y="14141"/>
+                  <a:pt x="10853928" y="18288"/>
+                </a:cubicBezTo>
+                <a:cubicBezTo>
+                  <a:pt x="10608124" y="24255"/>
+                  <a:pt x="10343415" y="22307"/>
+                  <a:pt x="10067018" y="18288"/>
+                </a:cubicBezTo>
+                <a:cubicBezTo>
+                  <a:pt x="9790621" y="14270"/>
+                  <a:pt x="9843266" y="3564"/>
+                  <a:pt x="9714266" y="18288"/>
+                </a:cubicBezTo>
+                <a:cubicBezTo>
+                  <a:pt x="9585266" y="33012"/>
+                  <a:pt x="9379484" y="1875"/>
+                  <a:pt x="9252974" y="18288"/>
+                </a:cubicBezTo>
+                <a:cubicBezTo>
+                  <a:pt x="9126464" y="34701"/>
+                  <a:pt x="8580678" y="-4904"/>
+                  <a:pt x="8357525" y="18288"/>
+                </a:cubicBezTo>
+                <a:cubicBezTo>
+                  <a:pt x="8134372" y="41480"/>
+                  <a:pt x="7903199" y="26458"/>
+                  <a:pt x="7679154" y="18288"/>
+                </a:cubicBezTo>
+                <a:cubicBezTo>
+                  <a:pt x="7455109" y="10118"/>
+                  <a:pt x="7435944" y="27109"/>
+                  <a:pt x="7217862" y="18288"/>
+                </a:cubicBezTo>
+                <a:cubicBezTo>
+                  <a:pt x="6999780" y="9467"/>
+                  <a:pt x="6680409" y="18985"/>
+                  <a:pt x="6539492" y="18288"/>
+                </a:cubicBezTo>
+                <a:cubicBezTo>
+                  <a:pt x="6398575" y="17592"/>
+                  <a:pt x="6312077" y="33018"/>
+                  <a:pt x="6186739" y="18288"/>
+                </a:cubicBezTo>
+                <a:cubicBezTo>
+                  <a:pt x="6061401" y="3558"/>
+                  <a:pt x="5947033" y="12075"/>
+                  <a:pt x="5833986" y="18288"/>
+                </a:cubicBezTo>
+                <a:cubicBezTo>
+                  <a:pt x="5720939" y="24501"/>
+                  <a:pt x="5482226" y="8586"/>
+                  <a:pt x="5155616" y="18288"/>
+                </a:cubicBezTo>
+                <a:cubicBezTo>
+                  <a:pt x="4829006" y="27991"/>
+                  <a:pt x="4841274" y="29316"/>
+                  <a:pt x="4694324" y="18288"/>
+                </a:cubicBezTo>
+                <a:cubicBezTo>
+                  <a:pt x="4547374" y="7260"/>
+                  <a:pt x="4077675" y="7013"/>
+                  <a:pt x="3907414" y="18288"/>
+                </a:cubicBezTo>
+                <a:cubicBezTo>
+                  <a:pt x="3737153" y="29564"/>
+                  <a:pt x="3538393" y="21630"/>
+                  <a:pt x="3446122" y="18288"/>
+                </a:cubicBezTo>
+                <a:cubicBezTo>
+                  <a:pt x="3353851" y="14946"/>
+                  <a:pt x="2990320" y="-8091"/>
+                  <a:pt x="2659212" y="18288"/>
+                </a:cubicBezTo>
+                <a:cubicBezTo>
+                  <a:pt x="2328104" y="44667"/>
+                  <a:pt x="2427653" y="9607"/>
+                  <a:pt x="2306460" y="18288"/>
+                </a:cubicBezTo>
+                <a:cubicBezTo>
+                  <a:pt x="2185267" y="26969"/>
+                  <a:pt x="1719763" y="3717"/>
+                  <a:pt x="1519550" y="18288"/>
+                </a:cubicBezTo>
+                <a:cubicBezTo>
+                  <a:pt x="1319337" y="32860"/>
+                  <a:pt x="1167371" y="17040"/>
+                  <a:pt x="1058258" y="18288"/>
+                </a:cubicBezTo>
+                <a:cubicBezTo>
+                  <a:pt x="949145" y="19536"/>
+                  <a:pt x="780234" y="31447"/>
+                  <a:pt x="705505" y="18288"/>
+                </a:cubicBezTo>
+                <a:cubicBezTo>
+                  <a:pt x="630776" y="5129"/>
+                  <a:pt x="215796" y="30056"/>
+                  <a:pt x="0" y="18288"/>
+                </a:cubicBezTo>
+                <a:cubicBezTo>
+                  <a:pt x="-53" y="11301"/>
+                  <a:pt x="-649" y="7756"/>
+                  <a:pt x="0" y="0"/>
+                </a:cubicBezTo>
+                <a:close/>
+              </a:path>
+            </a:pathLst>
+          </a:custGeom>
+          <a:solidFill>
+            <a:schemeClr val="accent2"/>
+          </a:solidFill>
+          <a:ln w="41275" cap="rnd">
+            <a:solidFill>
+              <a:schemeClr val="accent2"/>
+            </a:solidFill>
+            <a:round/>
+            <a:extLst>
+              <a:ext uri="{C807C97D-BFC1-408E-A445-0C87EB9F89A2}">
+                <ask:lineSketchStyleProps xmlns:ask="http://schemas.microsoft.com/office/drawing/2018/sketchyshapes" sd="1219033472">
+                  <a:prstGeom prst="rect">
+                    <a:avLst/>
+                  </a:prstGeom>
+                  <ask:type>
+                    <ask:lineSketchFreehand/>
+                  </ask:type>
+                </ask:lineSketchStyleProps>
+              </a:ext>
+            </a:extLst>
+          </a:ln>
+        </p:spPr>
+        <p:style>
+          <a:lnRef idx="2">
+            <a:schemeClr val="accent1">
+              <a:shade val="50000"/>
+            </a:schemeClr>
+          </a:lnRef>
+          <a:fillRef idx="1">
+            <a:schemeClr val="accent1"/>
+          </a:fillRef>
+          <a:effectRef idx="0">
+            <a:schemeClr val="accent1"/>
+          </a:effectRef>
+          <a:fontRef idx="minor">
+            <a:schemeClr val="lt1"/>
+          </a:fontRef>
+        </p:style>
+        <p:txBody>
+          <a:bodyPr rtlCol="0" anchor="ctr"/>
+          <a:lstStyle/>
+          <a:p>
+            <a:pPr algn="ctr"/>
+            <a:endParaRPr lang="en-US"/>
+          </a:p>
+        </p:txBody>
+      </p:sp>
+      <p:sp>
+        <p:nvSpPr>
+          <p:cNvPr id="3" name="Subtitle 2">
+            <a:extLst>
+              <a:ext uri="{FF2B5EF4-FFF2-40B4-BE49-F238E27FC236}">
+                <a16:creationId xmlns:a16="http://schemas.microsoft.com/office/drawing/2014/main" id="{3A6A5FA1-06E0-E257-2886-1DAE625742D2}"/>
+              </a:ext>
+            </a:extLst>
+          </p:cNvPr>
+          <p:cNvSpPr>
+            <a:spLocks noGrp="1"/>
+          </p:cNvSpPr>
+          <p:nvPr>
+            <p:ph type="subTitle" idx="1"/>
+          </p:nvPr>
+        </p:nvSpPr>
+        <p:spPr>
+          <a:xfrm>
+            <a:off x="838200" y="1929384"/>
+            <a:ext cx="10515600" cy="4251960"/>
+          </a:xfrm>
+        </p:spPr>
+        <p:txBody>
+          <a:bodyPr vert="horz" lIns="91440" tIns="45720" rIns="91440" bIns="45720" rtlCol="0">
+            <a:normAutofit/>
+          </a:bodyPr>
+          <a:lstStyle/>
+          <a:p>
+            <a:pPr indent="-228600" algn="l">
+              <a:buFont typeface="Arial" panose="020B0604020202020204" pitchFamily="34" charset="0"/>
+              <a:buChar char="•"/>
+            </a:pPr>
+            <a:r>
+              <a:rPr lang="en-US" sz="2200"/>
+              <a:t>ANDI MUHAMMAD NUR FITRAH SYAMSUL</a:t>
+            </a:r>
+          </a:p>
+          <a:p>
+            <a:pPr indent="-228600" algn="l">
+              <a:buFont typeface="Arial" panose="020B0604020202020204" pitchFamily="34" charset="0"/>
+              <a:buChar char="•"/>
+            </a:pPr>
+            <a:endParaRPr lang="en-US" sz="2200"/>
+          </a:p>
+          <a:p>
+            <a:pPr indent="-228600" algn="l">
+              <a:buFont typeface="Arial" panose="020B0604020202020204" pitchFamily="34" charset="0"/>
+              <a:buChar char="•"/>
+            </a:pPr>
+            <a:r>
+              <a:rPr lang="en-US" sz="2200" b="1"/>
+              <a:t>424DE01</a:t>
+            </a:r>
+          </a:p>
+          <a:p>
+            <a:pPr indent="-228600" algn="l">
+              <a:buFont typeface="Arial" panose="020B0604020202020204" pitchFamily="34" charset="0"/>
+              <a:buChar char="•"/>
+            </a:pPr>
+            <a:r>
+              <a:rPr lang="en-US" sz="2200" b="1"/>
+              <a:t>Material Science, Faculty of Engineering, Mie University</a:t>
+            </a:r>
+          </a:p>
+          <a:p>
+            <a:pPr indent="-228600" algn="l">
+              <a:buFont typeface="Arial" panose="020B0604020202020204" pitchFamily="34" charset="0"/>
+              <a:buChar char="•"/>
+            </a:pPr>
+            <a:r>
+              <a:rPr lang="en-US" sz="2200" b="1"/>
+              <a:t>Nakamura-Nawa Group</a:t>
+            </a:r>
+          </a:p>
+        </p:txBody>
+      </p:sp>
+    </p:spTree>
+    <p:extLst>
+      <p:ext uri="{BB962C8B-B14F-4D97-AF65-F5344CB8AC3E}">
+        <p14:creationId xmlns:p14="http://schemas.microsoft.com/office/powerpoint/2010/main" val="4047477911"/>
+      </p:ext>
+    </p:extLst>
+  </p:cSld>
+  <p:clrMapOvr>
+    <a:masterClrMapping/>
+  </p:clrMapOvr>
+</p:sld>
+</file>
+
+<file path=ppt/slides/slide10.xml><?xml version="1.0" encoding="utf-8"?>
+<p:sld xmlns:a="http://schemas.openxmlformats.org/drawingml/2006/main" xmlns:r="http://schemas.openxmlformats.org/officeDocument/2006/relationships" xmlns:p="http://schemas.openxmlformats.org/presentationml/2006/main">
+  <p:cSld>
+    <p:bg>
+      <p:bgPr>
+        <a:solidFill>
+          <a:schemeClr val="bg1"/>
+        </a:solidFill>
+        <a:effectLst/>
+      </p:bgPr>
+    </p:bg>
+    <p:spTree>
+      <p:nvGrpSpPr>
+        <p:cNvPr id="1" name="">
+          <a:extLst>
+            <a:ext uri="{FF2B5EF4-FFF2-40B4-BE49-F238E27FC236}">
+              <a16:creationId xmlns:a16="http://schemas.microsoft.com/office/drawing/2014/main" id="{067E50FF-DE92-091D-0DEB-746E8023DDAB}"/>
+            </a:ext>
+          </a:extLst>
+        </p:cNvPr>
+        <p:cNvGrpSpPr/>
+        <p:nvPr/>
+      </p:nvGrpSpPr>
+      <p:grpSpPr>
+        <a:xfrm>
+          <a:off x="0" y="0"/>
+          <a:ext cx="0" cy="0"/>
+          <a:chOff x="0" y="0"/>
+          <a:chExt cx="0" cy="0"/>
+        </a:xfrm>
+      </p:grpSpPr>
+      <p:sp useBgFill="1">
+        <p:nvSpPr>
+          <p:cNvPr id="8" name="Rectangle 7">
+            <a:extLst>
+              <a:ext uri="{FF2B5EF4-FFF2-40B4-BE49-F238E27FC236}">
+                <a16:creationId xmlns:a16="http://schemas.microsoft.com/office/drawing/2014/main" id="{AB29ADFA-19BA-1D3A-2D9A-F18DAC1C7771}"/>
+              </a:ext>
+              <a:ext uri="{C183D7F6-B498-43B3-948B-1728B52AA6E4}">
+                <adec:decorative xmlns:adec="http://schemas.microsoft.com/office/drawing/2017/decorative" val="1"/>
+              </a:ext>
+            </a:extLst>
+          </p:cNvPr>
+          <p:cNvSpPr>
+            <a:spLocks noGrp="1" noRot="1" noChangeAspect="1" noMove="1" noResize="1" noEditPoints="1" noAdjustHandles="1" noChangeArrowheads="1" noChangeShapeType="1" noTextEdit="1"/>
+          </p:cNvSpPr>
+          <p:nvPr>
+            <p:extLst>
+              <p:ext uri="{386F3935-93C4-4BCD-93E2-E3B085C9AB24}">
+                <p16:designElem xmlns:p16="http://schemas.microsoft.com/office/powerpoint/2015/main" val="1"/>
+              </p:ext>
+            </p:extLst>
+          </p:nvPr>
+        </p:nvSpPr>
+        <p:spPr>
+          <a:xfrm>
+            <a:off x="0" y="0"/>
+            <a:ext cx="12188952" cy="6858000"/>
+          </a:xfrm>
+          <a:prstGeom prst="rect">
+            <a:avLst/>
+          </a:prstGeom>
+          <a:ln>
+            <a:noFill/>
+          </a:ln>
+        </p:spPr>
+        <p:style>
+          <a:lnRef idx="2">
+            <a:schemeClr val="accent1">
+              <a:shade val="50000"/>
+            </a:schemeClr>
+          </a:lnRef>
+          <a:fillRef idx="1">
+            <a:schemeClr val="accent1"/>
+          </a:fillRef>
+          <a:effectRef idx="0">
+            <a:schemeClr val="accent1"/>
+          </a:effectRef>
+          <a:fontRef idx="minor">
+            <a:schemeClr val="lt1"/>
+          </a:fontRef>
+        </p:style>
+        <p:txBody>
+          <a:bodyPr rtlCol="0" anchor="ctr"/>
+          <a:lstStyle/>
+          <a:p>
+            <a:pPr algn="ctr"/>
+            <a:endParaRPr lang="en-US"/>
+          </a:p>
+        </p:txBody>
+      </p:sp>
+      <p:sp>
+        <p:nvSpPr>
+          <p:cNvPr id="2" name="Title 1">
+            <a:extLst>
+              <a:ext uri="{FF2B5EF4-FFF2-40B4-BE49-F238E27FC236}">
+                <a16:creationId xmlns:a16="http://schemas.microsoft.com/office/drawing/2014/main" id="{FF5AD0F4-010B-44B6-71DB-22166942EC53}"/>
+              </a:ext>
+            </a:extLst>
+          </p:cNvPr>
+          <p:cNvSpPr>
+            <a:spLocks noGrp="1"/>
+          </p:cNvSpPr>
+          <p:nvPr>
+            <p:ph type="ctrTitle"/>
+          </p:nvPr>
+        </p:nvSpPr>
+        <p:spPr>
+          <a:xfrm>
+            <a:off x="838200" y="365125"/>
+            <a:ext cx="10515600" cy="1325563"/>
+          </a:xfrm>
+        </p:spPr>
+        <p:txBody>
+          <a:bodyPr vert="horz" lIns="91440" tIns="45720" rIns="91440" bIns="45720" rtlCol="0" anchor="ctr">
+            <a:normAutofit/>
+          </a:bodyPr>
+          <a:lstStyle/>
+          <a:p>
+            <a:pPr algn="l"/>
+            <a:r>
+              <a:rPr lang="en-US" sz="5400" b="1" kern="1200" dirty="0">
+                <a:solidFill>
+                  <a:schemeClr val="tx1"/>
+                </a:solidFill>
+                <a:latin typeface="+mj-lt"/>
+                <a:ea typeface="+mj-ea"/>
+                <a:cs typeface="+mj-cs"/>
+              </a:rPr>
+              <a:t>Future Plan</a:t>
+            </a:r>
+            <a:endParaRPr lang="en-US" sz="5400" kern="1200" dirty="0">
+              <a:solidFill>
+                <a:schemeClr val="tx1"/>
+              </a:solidFill>
+              <a:latin typeface="+mj-lt"/>
+              <a:ea typeface="+mj-ea"/>
+              <a:cs typeface="+mj-cs"/>
+            </a:endParaRPr>
+          </a:p>
+        </p:txBody>
+      </p:sp>
+      <p:sp>
+        <p:nvSpPr>
+          <p:cNvPr id="10" name="sketch line">
+            <a:extLst>
+              <a:ext uri="{FF2B5EF4-FFF2-40B4-BE49-F238E27FC236}">
+                <a16:creationId xmlns:a16="http://schemas.microsoft.com/office/drawing/2014/main" id="{34A101A2-5177-E6F0-E77D-B568706C6C3E}"/>
+              </a:ext>
+              <a:ext uri="{C183D7F6-B498-43B3-948B-1728B52AA6E4}">
+                <adec:decorative xmlns:adec="http://schemas.microsoft.com/office/drawing/2017/decorative" val="1"/>
+              </a:ext>
+            </a:extLst>
+          </p:cNvPr>
+          <p:cNvSpPr>
+            <a:spLocks noGrp="1" noRot="1" noChangeAspect="1" noMove="1" noResize="1" noEditPoints="1" noAdjustHandles="1" noChangeArrowheads="1" noChangeShapeType="1" noTextEdit="1"/>
+          </p:cNvSpPr>
+          <p:nvPr>
+            <p:extLst>
+              <p:ext uri="{386F3935-93C4-4BCD-93E2-E3B085C9AB24}">
+                <p16:designElem xmlns:p16="http://schemas.microsoft.com/office/powerpoint/2015/main" val="1"/>
+              </p:ext>
+            </p:extLst>
+          </p:nvPr>
+        </p:nvSpPr>
+        <p:spPr>
+          <a:xfrm>
+            <a:off x="669036" y="1677373"/>
+            <a:ext cx="10853928" cy="18288"/>
+          </a:xfrm>
+          <a:custGeom>
+            <a:avLst/>
+            <a:gdLst>
+              <a:gd name="connsiteX0" fmla="*/ 0 w 10853928"/>
+              <a:gd name="connsiteY0" fmla="*/ 0 h 18288"/>
+              <a:gd name="connsiteX1" fmla="*/ 461292 w 10853928"/>
+              <a:gd name="connsiteY1" fmla="*/ 0 h 18288"/>
+              <a:gd name="connsiteX2" fmla="*/ 1139662 w 10853928"/>
+              <a:gd name="connsiteY2" fmla="*/ 0 h 18288"/>
+              <a:gd name="connsiteX3" fmla="*/ 1926572 w 10853928"/>
+              <a:gd name="connsiteY3" fmla="*/ 0 h 18288"/>
+              <a:gd name="connsiteX4" fmla="*/ 2279325 w 10853928"/>
+              <a:gd name="connsiteY4" fmla="*/ 0 h 18288"/>
+              <a:gd name="connsiteX5" fmla="*/ 2632078 w 10853928"/>
+              <a:gd name="connsiteY5" fmla="*/ 0 h 18288"/>
+              <a:gd name="connsiteX6" fmla="*/ 3527527 w 10853928"/>
+              <a:gd name="connsiteY6" fmla="*/ 0 h 18288"/>
+              <a:gd name="connsiteX7" fmla="*/ 4205897 w 10853928"/>
+              <a:gd name="connsiteY7" fmla="*/ 0 h 18288"/>
+              <a:gd name="connsiteX8" fmla="*/ 4558650 w 10853928"/>
+              <a:gd name="connsiteY8" fmla="*/ 0 h 18288"/>
+              <a:gd name="connsiteX9" fmla="*/ 5237020 w 10853928"/>
+              <a:gd name="connsiteY9" fmla="*/ 0 h 18288"/>
+              <a:gd name="connsiteX10" fmla="*/ 6132469 w 10853928"/>
+              <a:gd name="connsiteY10" fmla="*/ 0 h 18288"/>
+              <a:gd name="connsiteX11" fmla="*/ 6702301 w 10853928"/>
+              <a:gd name="connsiteY11" fmla="*/ 0 h 18288"/>
+              <a:gd name="connsiteX12" fmla="*/ 7272132 w 10853928"/>
+              <a:gd name="connsiteY12" fmla="*/ 0 h 18288"/>
+              <a:gd name="connsiteX13" fmla="*/ 7950502 w 10853928"/>
+              <a:gd name="connsiteY13" fmla="*/ 0 h 18288"/>
+              <a:gd name="connsiteX14" fmla="*/ 8737412 w 10853928"/>
+              <a:gd name="connsiteY14" fmla="*/ 0 h 18288"/>
+              <a:gd name="connsiteX15" fmla="*/ 9524322 w 10853928"/>
+              <a:gd name="connsiteY15" fmla="*/ 0 h 18288"/>
+              <a:gd name="connsiteX16" fmla="*/ 10853928 w 10853928"/>
+              <a:gd name="connsiteY16" fmla="*/ 0 h 18288"/>
+              <a:gd name="connsiteX17" fmla="*/ 10853928 w 10853928"/>
+              <a:gd name="connsiteY17" fmla="*/ 18288 h 18288"/>
+              <a:gd name="connsiteX18" fmla="*/ 10392636 w 10853928"/>
+              <a:gd name="connsiteY18" fmla="*/ 18288 h 18288"/>
+              <a:gd name="connsiteX19" fmla="*/ 9497187 w 10853928"/>
+              <a:gd name="connsiteY19" fmla="*/ 18288 h 18288"/>
+              <a:gd name="connsiteX20" fmla="*/ 8818817 w 10853928"/>
+              <a:gd name="connsiteY20" fmla="*/ 18288 h 18288"/>
+              <a:gd name="connsiteX21" fmla="*/ 8466064 w 10853928"/>
+              <a:gd name="connsiteY21" fmla="*/ 18288 h 18288"/>
+              <a:gd name="connsiteX22" fmla="*/ 7787693 w 10853928"/>
+              <a:gd name="connsiteY22" fmla="*/ 18288 h 18288"/>
+              <a:gd name="connsiteX23" fmla="*/ 7217862 w 10853928"/>
+              <a:gd name="connsiteY23" fmla="*/ 18288 h 18288"/>
+              <a:gd name="connsiteX24" fmla="*/ 6648031 w 10853928"/>
+              <a:gd name="connsiteY24" fmla="*/ 18288 h 18288"/>
+              <a:gd name="connsiteX25" fmla="*/ 6078200 w 10853928"/>
+              <a:gd name="connsiteY25" fmla="*/ 18288 h 18288"/>
+              <a:gd name="connsiteX26" fmla="*/ 5508368 w 10853928"/>
+              <a:gd name="connsiteY26" fmla="*/ 18288 h 18288"/>
+              <a:gd name="connsiteX27" fmla="*/ 4721459 w 10853928"/>
+              <a:gd name="connsiteY27" fmla="*/ 18288 h 18288"/>
+              <a:gd name="connsiteX28" fmla="*/ 4043088 w 10853928"/>
+              <a:gd name="connsiteY28" fmla="*/ 18288 h 18288"/>
+              <a:gd name="connsiteX29" fmla="*/ 3690336 w 10853928"/>
+              <a:gd name="connsiteY29" fmla="*/ 18288 h 18288"/>
+              <a:gd name="connsiteX30" fmla="*/ 3120504 w 10853928"/>
+              <a:gd name="connsiteY30" fmla="*/ 18288 h 18288"/>
+              <a:gd name="connsiteX31" fmla="*/ 2333595 w 10853928"/>
+              <a:gd name="connsiteY31" fmla="*/ 18288 h 18288"/>
+              <a:gd name="connsiteX32" fmla="*/ 1872303 w 10853928"/>
+              <a:gd name="connsiteY32" fmla="*/ 18288 h 18288"/>
+              <a:gd name="connsiteX33" fmla="*/ 976854 w 10853928"/>
+              <a:gd name="connsiteY33" fmla="*/ 18288 h 18288"/>
+              <a:gd name="connsiteX34" fmla="*/ 0 w 10853928"/>
+              <a:gd name="connsiteY34" fmla="*/ 18288 h 18288"/>
+              <a:gd name="connsiteX35" fmla="*/ 0 w 10853928"/>
+              <a:gd name="connsiteY35" fmla="*/ 0 h 18288"/>
+            </a:gdLst>
+            <a:ahLst/>
+            <a:cxnLst>
+              <a:cxn ang="0">
+                <a:pos x="connsiteX0" y="connsiteY0"/>
+              </a:cxn>
+              <a:cxn ang="0">
+                <a:pos x="connsiteX1" y="connsiteY1"/>
+              </a:cxn>
+              <a:cxn ang="0">
+                <a:pos x="connsiteX2" y="connsiteY2"/>
+              </a:cxn>
+              <a:cxn ang="0">
+                <a:pos x="connsiteX3" y="connsiteY3"/>
+              </a:cxn>
+              <a:cxn ang="0">
+                <a:pos x="connsiteX4" y="connsiteY4"/>
+              </a:cxn>
+              <a:cxn ang="0">
+                <a:pos x="connsiteX5" y="connsiteY5"/>
+              </a:cxn>
+              <a:cxn ang="0">
+                <a:pos x="connsiteX6" y="connsiteY6"/>
+              </a:cxn>
+              <a:cxn ang="0">
+                <a:pos x="connsiteX7" y="connsiteY7"/>
+              </a:cxn>
+              <a:cxn ang="0">
+                <a:pos x="connsiteX8" y="connsiteY8"/>
+              </a:cxn>
+              <a:cxn ang="0">
+                <a:pos x="connsiteX9" y="connsiteY9"/>
+              </a:cxn>
+              <a:cxn ang="0">
+                <a:pos x="connsiteX10" y="connsiteY10"/>
+              </a:cxn>
+              <a:cxn ang="0">
+                <a:pos x="connsiteX11" y="connsiteY11"/>
+              </a:cxn>
+              <a:cxn ang="0">
+                <a:pos x="connsiteX12" y="connsiteY12"/>
+              </a:cxn>
+              <a:cxn ang="0">
+                <a:pos x="connsiteX13" y="connsiteY13"/>
+              </a:cxn>
+              <a:cxn ang="0">
+                <a:pos x="connsiteX14" y="connsiteY14"/>
+              </a:cxn>
+              <a:cxn ang="0">
+                <a:pos x="connsiteX15" y="connsiteY15"/>
+              </a:cxn>
+              <a:cxn ang="0">
+                <a:pos x="connsiteX16" y="connsiteY16"/>
+              </a:cxn>
+              <a:cxn ang="0">
+                <a:pos x="connsiteX17" y="connsiteY17"/>
+              </a:cxn>
+              <a:cxn ang="0">
+                <a:pos x="connsiteX18" y="connsiteY18"/>
+              </a:cxn>
+              <a:cxn ang="0">
+                <a:pos x="connsiteX19" y="connsiteY19"/>
+              </a:cxn>
+              <a:cxn ang="0">
+                <a:pos x="connsiteX20" y="connsiteY20"/>
+              </a:cxn>
+              <a:cxn ang="0">
+                <a:pos x="connsiteX21" y="connsiteY21"/>
+              </a:cxn>
+              <a:cxn ang="0">
+                <a:pos x="connsiteX22" y="connsiteY22"/>
+              </a:cxn>
+              <a:cxn ang="0">
+                <a:pos x="connsiteX23" y="connsiteY23"/>
+              </a:cxn>
+              <a:cxn ang="0">
+                <a:pos x="connsiteX24" y="connsiteY24"/>
+              </a:cxn>
+              <a:cxn ang="0">
+                <a:pos x="connsiteX25" y="connsiteY25"/>
+              </a:cxn>
+              <a:cxn ang="0">
+                <a:pos x="connsiteX26" y="connsiteY26"/>
+              </a:cxn>
+              <a:cxn ang="0">
+                <a:pos x="connsiteX27" y="connsiteY27"/>
+              </a:cxn>
+              <a:cxn ang="0">
+                <a:pos x="connsiteX28" y="connsiteY28"/>
+              </a:cxn>
+              <a:cxn ang="0">
+                <a:pos x="connsiteX29" y="connsiteY29"/>
+              </a:cxn>
+              <a:cxn ang="0">
+                <a:pos x="connsiteX30" y="connsiteY30"/>
+              </a:cxn>
+              <a:cxn ang="0">
+                <a:pos x="connsiteX31" y="connsiteY31"/>
+              </a:cxn>
+              <a:cxn ang="0">
+                <a:pos x="connsiteX32" y="connsiteY32"/>
+              </a:cxn>
+              <a:cxn ang="0">
+                <a:pos x="connsiteX33" y="connsiteY33"/>
+              </a:cxn>
+              <a:cxn ang="0">
+                <a:pos x="connsiteX34" y="connsiteY34"/>
+              </a:cxn>
+              <a:cxn ang="0">
+                <a:pos x="connsiteX35" y="connsiteY35"/>
+              </a:cxn>
+            </a:cxnLst>
+            <a:rect l="l" t="t" r="r" b="b"/>
+            <a:pathLst>
+              <a:path w="10853928" h="18288" fill="none" extrusionOk="0">
+                <a:moveTo>
+                  <a:pt x="0" y="0"/>
+                </a:moveTo>
+                <a:cubicBezTo>
+                  <a:pt x="146993" y="-19076"/>
+                  <a:pt x="347684" y="-4790"/>
+                  <a:pt x="461292" y="0"/>
+                </a:cubicBezTo>
+                <a:cubicBezTo>
+                  <a:pt x="574900" y="4790"/>
+                  <a:pt x="808367" y="19821"/>
+                  <a:pt x="1139662" y="0"/>
+                </a:cubicBezTo>
+                <a:cubicBezTo>
+                  <a:pt x="1470957" y="-19821"/>
+                  <a:pt x="1627405" y="5721"/>
+                  <a:pt x="1926572" y="0"/>
+                </a:cubicBezTo>
+                <a:cubicBezTo>
+                  <a:pt x="2225739" y="-5721"/>
+                  <a:pt x="2137730" y="-3235"/>
+                  <a:pt x="2279325" y="0"/>
+                </a:cubicBezTo>
+                <a:cubicBezTo>
+                  <a:pt x="2420920" y="3235"/>
+                  <a:pt x="2456518" y="9685"/>
+                  <a:pt x="2632078" y="0"/>
+                </a:cubicBezTo>
+                <a:cubicBezTo>
+                  <a:pt x="2807638" y="-9685"/>
+                  <a:pt x="3211516" y="-43007"/>
+                  <a:pt x="3527527" y="0"/>
+                </a:cubicBezTo>
+                <a:cubicBezTo>
+                  <a:pt x="3843538" y="43007"/>
+                  <a:pt x="4058833" y="22042"/>
+                  <a:pt x="4205897" y="0"/>
+                </a:cubicBezTo>
+                <a:cubicBezTo>
+                  <a:pt x="4352961" y="-22042"/>
+                  <a:pt x="4474805" y="-11846"/>
+                  <a:pt x="4558650" y="0"/>
+                </a:cubicBezTo>
+                <a:cubicBezTo>
+                  <a:pt x="4642495" y="11846"/>
+                  <a:pt x="5041928" y="-6069"/>
+                  <a:pt x="5237020" y="0"/>
+                </a:cubicBezTo>
+                <a:cubicBezTo>
+                  <a:pt x="5432112" y="6069"/>
+                  <a:pt x="5943266" y="-17479"/>
+                  <a:pt x="6132469" y="0"/>
+                </a:cubicBezTo>
+                <a:cubicBezTo>
+                  <a:pt x="6321672" y="17479"/>
+                  <a:pt x="6483872" y="26234"/>
+                  <a:pt x="6702301" y="0"/>
+                </a:cubicBezTo>
+                <a:cubicBezTo>
+                  <a:pt x="6920730" y="-26234"/>
+                  <a:pt x="6991194" y="-15156"/>
+                  <a:pt x="7272132" y="0"/>
+                </a:cubicBezTo>
+                <a:cubicBezTo>
+                  <a:pt x="7553070" y="15156"/>
+                  <a:pt x="7684444" y="-32961"/>
+                  <a:pt x="7950502" y="0"/>
+                </a:cubicBezTo>
+                <a:cubicBezTo>
+                  <a:pt x="8216560" y="32961"/>
+                  <a:pt x="8493290" y="-10491"/>
+                  <a:pt x="8737412" y="0"/>
+                </a:cubicBezTo>
+                <a:cubicBezTo>
+                  <a:pt x="8981534" y="10491"/>
+                  <a:pt x="9191586" y="-13899"/>
+                  <a:pt x="9524322" y="0"/>
+                </a:cubicBezTo>
+                <a:cubicBezTo>
+                  <a:pt x="9857058" y="13899"/>
+                  <a:pt x="10297509" y="7485"/>
+                  <a:pt x="10853928" y="0"/>
+                </a:cubicBezTo>
+                <a:cubicBezTo>
+                  <a:pt x="10854574" y="4451"/>
+                  <a:pt x="10854418" y="9226"/>
+                  <a:pt x="10853928" y="18288"/>
+                </a:cubicBezTo>
+                <a:cubicBezTo>
+                  <a:pt x="10691638" y="28522"/>
+                  <a:pt x="10574319" y="29578"/>
+                  <a:pt x="10392636" y="18288"/>
+                </a:cubicBezTo>
+                <a:cubicBezTo>
+                  <a:pt x="10210953" y="6998"/>
+                  <a:pt x="9836277" y="-16742"/>
+                  <a:pt x="9497187" y="18288"/>
+                </a:cubicBezTo>
+                <a:cubicBezTo>
+                  <a:pt x="9158097" y="53318"/>
+                  <a:pt x="9119479" y="30714"/>
+                  <a:pt x="8818817" y="18288"/>
+                </a:cubicBezTo>
+                <a:cubicBezTo>
+                  <a:pt x="8518155" y="5863"/>
+                  <a:pt x="8640037" y="6483"/>
+                  <a:pt x="8466064" y="18288"/>
+                </a:cubicBezTo>
+                <a:cubicBezTo>
+                  <a:pt x="8292091" y="30093"/>
+                  <a:pt x="7997656" y="18914"/>
+                  <a:pt x="7787693" y="18288"/>
+                </a:cubicBezTo>
+                <a:cubicBezTo>
+                  <a:pt x="7577730" y="17662"/>
+                  <a:pt x="7412468" y="21416"/>
+                  <a:pt x="7217862" y="18288"/>
+                </a:cubicBezTo>
+                <a:cubicBezTo>
+                  <a:pt x="7023256" y="15160"/>
+                  <a:pt x="6898018" y="14824"/>
+                  <a:pt x="6648031" y="18288"/>
+                </a:cubicBezTo>
+                <a:cubicBezTo>
+                  <a:pt x="6398044" y="21752"/>
+                  <a:pt x="6254402" y="38625"/>
+                  <a:pt x="6078200" y="18288"/>
+                </a:cubicBezTo>
+                <a:cubicBezTo>
+                  <a:pt x="5901998" y="-2049"/>
+                  <a:pt x="5622886" y="3213"/>
+                  <a:pt x="5508368" y="18288"/>
+                </a:cubicBezTo>
+                <a:cubicBezTo>
+                  <a:pt x="5393850" y="33363"/>
+                  <a:pt x="5036260" y="26830"/>
+                  <a:pt x="4721459" y="18288"/>
+                </a:cubicBezTo>
+                <a:cubicBezTo>
+                  <a:pt x="4406658" y="9746"/>
+                  <a:pt x="4239221" y="41551"/>
+                  <a:pt x="4043088" y="18288"/>
+                </a:cubicBezTo>
+                <a:cubicBezTo>
+                  <a:pt x="3846955" y="-4975"/>
+                  <a:pt x="3818802" y="34658"/>
+                  <a:pt x="3690336" y="18288"/>
+                </a:cubicBezTo>
+                <a:cubicBezTo>
+                  <a:pt x="3561870" y="1918"/>
+                  <a:pt x="3265491" y="42194"/>
+                  <a:pt x="3120504" y="18288"/>
+                </a:cubicBezTo>
+                <a:cubicBezTo>
+                  <a:pt x="2975517" y="-5618"/>
+                  <a:pt x="2720254" y="36673"/>
+                  <a:pt x="2333595" y="18288"/>
+                </a:cubicBezTo>
+                <a:cubicBezTo>
+                  <a:pt x="1946936" y="-97"/>
+                  <a:pt x="2097241" y="5776"/>
+                  <a:pt x="1872303" y="18288"/>
+                </a:cubicBezTo>
+                <a:cubicBezTo>
+                  <a:pt x="1647365" y="30800"/>
+                  <a:pt x="1282708" y="45380"/>
+                  <a:pt x="976854" y="18288"/>
+                </a:cubicBezTo>
+                <a:cubicBezTo>
+                  <a:pt x="671000" y="-8804"/>
+                  <a:pt x="408401" y="-12775"/>
+                  <a:pt x="0" y="18288"/>
+                </a:cubicBezTo>
+                <a:cubicBezTo>
+                  <a:pt x="-213" y="9468"/>
+                  <a:pt x="187" y="4459"/>
+                  <a:pt x="0" y="0"/>
+                </a:cubicBezTo>
+                <a:close/>
+              </a:path>
+              <a:path w="10853928" h="18288" stroke="0" extrusionOk="0">
+                <a:moveTo>
+                  <a:pt x="0" y="0"/>
+                </a:moveTo>
+                <a:cubicBezTo>
+                  <a:pt x="267322" y="15284"/>
+                  <a:pt x="415388" y="-21048"/>
+                  <a:pt x="569831" y="0"/>
+                </a:cubicBezTo>
+                <a:cubicBezTo>
+                  <a:pt x="724274" y="21048"/>
+                  <a:pt x="769333" y="-2353"/>
+                  <a:pt x="922584" y="0"/>
+                </a:cubicBezTo>
+                <a:cubicBezTo>
+                  <a:pt x="1075835" y="2353"/>
+                  <a:pt x="1399490" y="-145"/>
+                  <a:pt x="1818033" y="0"/>
+                </a:cubicBezTo>
+                <a:cubicBezTo>
+                  <a:pt x="2236576" y="145"/>
+                  <a:pt x="2145330" y="5482"/>
+                  <a:pt x="2387864" y="0"/>
+                </a:cubicBezTo>
+                <a:cubicBezTo>
+                  <a:pt x="2630398" y="-5482"/>
+                  <a:pt x="2793207" y="18487"/>
+                  <a:pt x="2957695" y="0"/>
+                </a:cubicBezTo>
+                <a:cubicBezTo>
+                  <a:pt x="3122183" y="-18487"/>
+                  <a:pt x="3579141" y="19003"/>
+                  <a:pt x="3853144" y="0"/>
+                </a:cubicBezTo>
+                <a:cubicBezTo>
+                  <a:pt x="4127147" y="-19003"/>
+                  <a:pt x="4209857" y="12211"/>
+                  <a:pt x="4314436" y="0"/>
+                </a:cubicBezTo>
+                <a:cubicBezTo>
+                  <a:pt x="4419015" y="-12211"/>
+                  <a:pt x="4762459" y="-17220"/>
+                  <a:pt x="5209885" y="0"/>
+                </a:cubicBezTo>
+                <a:cubicBezTo>
+                  <a:pt x="5657311" y="17220"/>
+                  <a:pt x="5692663" y="-3290"/>
+                  <a:pt x="6105335" y="0"/>
+                </a:cubicBezTo>
+                <a:cubicBezTo>
+                  <a:pt x="6518007" y="3290"/>
+                  <a:pt x="6455516" y="-5124"/>
+                  <a:pt x="6783705" y="0"/>
+                </a:cubicBezTo>
+                <a:cubicBezTo>
+                  <a:pt x="7111894" y="5124"/>
+                  <a:pt x="7441941" y="-17829"/>
+                  <a:pt x="7679154" y="0"/>
+                </a:cubicBezTo>
+                <a:cubicBezTo>
+                  <a:pt x="7916367" y="17829"/>
+                  <a:pt x="8102967" y="-24363"/>
+                  <a:pt x="8248985" y="0"/>
+                </a:cubicBezTo>
+                <a:cubicBezTo>
+                  <a:pt x="8395003" y="24363"/>
+                  <a:pt x="8552393" y="25505"/>
+                  <a:pt x="8818817" y="0"/>
+                </a:cubicBezTo>
+                <a:cubicBezTo>
+                  <a:pt x="9085241" y="-25505"/>
+                  <a:pt x="9411308" y="38000"/>
+                  <a:pt x="9605726" y="0"/>
+                </a:cubicBezTo>
+                <a:cubicBezTo>
+                  <a:pt x="9800144" y="-38000"/>
+                  <a:pt x="10006468" y="-25741"/>
+                  <a:pt x="10175558" y="0"/>
+                </a:cubicBezTo>
+                <a:cubicBezTo>
+                  <a:pt x="10344648" y="25741"/>
+                  <a:pt x="10696282" y="695"/>
+                  <a:pt x="10853928" y="0"/>
+                </a:cubicBezTo>
+                <a:cubicBezTo>
+                  <a:pt x="10853521" y="8690"/>
+                  <a:pt x="10853774" y="14141"/>
+                  <a:pt x="10853928" y="18288"/>
+                </a:cubicBezTo>
+                <a:cubicBezTo>
+                  <a:pt x="10608124" y="24255"/>
+                  <a:pt x="10343415" y="22307"/>
+                  <a:pt x="10067018" y="18288"/>
+                </a:cubicBezTo>
+                <a:cubicBezTo>
+                  <a:pt x="9790621" y="14270"/>
+                  <a:pt x="9843266" y="3564"/>
+                  <a:pt x="9714266" y="18288"/>
+                </a:cubicBezTo>
+                <a:cubicBezTo>
+                  <a:pt x="9585266" y="33012"/>
+                  <a:pt x="9379484" y="1875"/>
+                  <a:pt x="9252974" y="18288"/>
+                </a:cubicBezTo>
+                <a:cubicBezTo>
+                  <a:pt x="9126464" y="34701"/>
+                  <a:pt x="8580678" y="-4904"/>
+                  <a:pt x="8357525" y="18288"/>
+                </a:cubicBezTo>
+                <a:cubicBezTo>
+                  <a:pt x="8134372" y="41480"/>
+                  <a:pt x="7903199" y="26458"/>
+                  <a:pt x="7679154" y="18288"/>
+                </a:cubicBezTo>
+                <a:cubicBezTo>
+                  <a:pt x="7455109" y="10118"/>
+                  <a:pt x="7435944" y="27109"/>
+                  <a:pt x="7217862" y="18288"/>
+                </a:cubicBezTo>
+                <a:cubicBezTo>
+                  <a:pt x="6999780" y="9467"/>
+                  <a:pt x="6680409" y="18985"/>
+                  <a:pt x="6539492" y="18288"/>
+                </a:cubicBezTo>
+                <a:cubicBezTo>
+                  <a:pt x="6398575" y="17592"/>
+                  <a:pt x="6312077" y="33018"/>
+                  <a:pt x="6186739" y="18288"/>
+                </a:cubicBezTo>
+                <a:cubicBezTo>
+                  <a:pt x="6061401" y="3558"/>
+                  <a:pt x="5947033" y="12075"/>
+                  <a:pt x="5833986" y="18288"/>
+                </a:cubicBezTo>
+                <a:cubicBezTo>
+                  <a:pt x="5720939" y="24501"/>
+                  <a:pt x="5482226" y="8586"/>
+                  <a:pt x="5155616" y="18288"/>
+                </a:cubicBezTo>
+                <a:cubicBezTo>
+                  <a:pt x="4829006" y="27991"/>
+                  <a:pt x="4841274" y="29316"/>
+                  <a:pt x="4694324" y="18288"/>
+                </a:cubicBezTo>
+                <a:cubicBezTo>
+                  <a:pt x="4547374" y="7260"/>
+                  <a:pt x="4077675" y="7013"/>
+                  <a:pt x="3907414" y="18288"/>
+                </a:cubicBezTo>
+                <a:cubicBezTo>
+                  <a:pt x="3737153" y="29564"/>
+                  <a:pt x="3538393" y="21630"/>
+                  <a:pt x="3446122" y="18288"/>
+                </a:cubicBezTo>
+                <a:cubicBezTo>
+                  <a:pt x="3353851" y="14946"/>
+                  <a:pt x="2990320" y="-8091"/>
+                  <a:pt x="2659212" y="18288"/>
+                </a:cubicBezTo>
+                <a:cubicBezTo>
+                  <a:pt x="2328104" y="44667"/>
+                  <a:pt x="2427653" y="9607"/>
+                  <a:pt x="2306460" y="18288"/>
+                </a:cubicBezTo>
+                <a:cubicBezTo>
+                  <a:pt x="2185267" y="26969"/>
+                  <a:pt x="1719763" y="3717"/>
+                  <a:pt x="1519550" y="18288"/>
+                </a:cubicBezTo>
+                <a:cubicBezTo>
+                  <a:pt x="1319337" y="32860"/>
+                  <a:pt x="1167371" y="17040"/>
+                  <a:pt x="1058258" y="18288"/>
+                </a:cubicBezTo>
+                <a:cubicBezTo>
+                  <a:pt x="949145" y="19536"/>
+                  <a:pt x="780234" y="31447"/>
+                  <a:pt x="705505" y="18288"/>
+                </a:cubicBezTo>
+                <a:cubicBezTo>
+                  <a:pt x="630776" y="5129"/>
+                  <a:pt x="215796" y="30056"/>
+                  <a:pt x="0" y="18288"/>
+                </a:cubicBezTo>
+                <a:cubicBezTo>
+                  <a:pt x="-53" y="11301"/>
+                  <a:pt x="-649" y="7756"/>
+                  <a:pt x="0" y="0"/>
+                </a:cubicBezTo>
+                <a:close/>
+              </a:path>
+            </a:pathLst>
+          </a:custGeom>
+          <a:solidFill>
+            <a:schemeClr val="accent2"/>
+          </a:solidFill>
+          <a:ln w="41275" cap="rnd">
+            <a:solidFill>
+              <a:schemeClr val="accent2"/>
+            </a:solidFill>
+            <a:round/>
+            <a:extLst>
+              <a:ext uri="{C807C97D-BFC1-408E-A445-0C87EB9F89A2}">
+                <ask:lineSketchStyleProps xmlns:ask="http://schemas.microsoft.com/office/drawing/2018/sketchyshapes" sd="1219033472">
+                  <a:prstGeom prst="rect">
+                    <a:avLst/>
+                  </a:prstGeom>
+                  <ask:type>
+                    <ask:lineSketchFreehand/>
+                  </ask:type>
+                </ask:lineSketchStyleProps>
+              </a:ext>
+            </a:extLst>
+          </a:ln>
+        </p:spPr>
+        <p:style>
+          <a:lnRef idx="2">
+            <a:schemeClr val="accent1">
+              <a:shade val="50000"/>
+            </a:schemeClr>
+          </a:lnRef>
+          <a:fillRef idx="1">
+            <a:schemeClr val="accent1"/>
+          </a:fillRef>
+          <a:effectRef idx="0">
+            <a:schemeClr val="accent1"/>
+          </a:effectRef>
+          <a:fontRef idx="minor">
+            <a:schemeClr val="lt1"/>
+          </a:fontRef>
+        </p:style>
+        <p:txBody>
+          <a:bodyPr rtlCol="0" anchor="ctr"/>
+          <a:lstStyle/>
+          <a:p>
+            <a:pPr algn="ctr"/>
+            <a:endParaRPr lang="en-US"/>
+          </a:p>
+        </p:txBody>
+      </p:sp>
+      <p:sp>
+        <p:nvSpPr>
+          <p:cNvPr id="3" name="Subtitle 2">
+            <a:extLst>
+              <a:ext uri="{FF2B5EF4-FFF2-40B4-BE49-F238E27FC236}">
+                <a16:creationId xmlns:a16="http://schemas.microsoft.com/office/drawing/2014/main" id="{E5C35D25-582B-7DA0-FCED-71FED0956225}"/>
+              </a:ext>
+            </a:extLst>
+          </p:cNvPr>
+          <p:cNvSpPr>
+            <a:spLocks noGrp="1"/>
+          </p:cNvSpPr>
+          <p:nvPr>
+            <p:ph type="subTitle" idx="1"/>
+          </p:nvPr>
+        </p:nvSpPr>
+        <p:spPr>
+          <a:xfrm>
+            <a:off x="838200" y="1929384"/>
+            <a:ext cx="10515600" cy="4251960"/>
+          </a:xfrm>
+        </p:spPr>
+        <p:txBody>
+          <a:bodyPr vert="horz" lIns="91440" tIns="45720" rIns="91440" bIns="45720" rtlCol="0">
+            <a:normAutofit/>
+          </a:bodyPr>
+          <a:lstStyle/>
+          <a:p>
+            <a:pPr algn="l"/>
+            <a:endParaRPr lang="en-US" sz="2200" dirty="0"/>
+          </a:p>
+          <a:p>
+            <a:pPr indent="-228600" algn="l">
+              <a:buFont typeface="Arial" panose="020B0604020202020204" pitchFamily="34" charset="0"/>
+              <a:buChar char="•"/>
+            </a:pPr>
+            <a:r>
+              <a:rPr lang="en-US" sz="2200" b="1" dirty="0"/>
+              <a:t>Calculating MgO and its combinations to enhance the understanding of FLAPW</a:t>
+            </a:r>
+          </a:p>
+          <a:p>
+            <a:pPr indent="-228600" algn="l">
+              <a:buFont typeface="Arial" panose="020B0604020202020204" pitchFamily="34" charset="0"/>
+              <a:buChar char="•"/>
+            </a:pPr>
+            <a:r>
+              <a:rPr lang="en-US" sz="2200" b="1" dirty="0"/>
+              <a:t>Exchange Correlation Research</a:t>
+            </a:r>
+          </a:p>
+          <a:p>
+            <a:pPr lvl="1" indent="-228600" algn="l">
+              <a:buFont typeface="Arial" panose="020B0604020202020204" pitchFamily="34" charset="0"/>
+              <a:buChar char="•"/>
+            </a:pPr>
+            <a:r>
+              <a:rPr lang="en-US" sz="1800" b="1" dirty="0"/>
+              <a:t>Prepared datasets for training exchange-correlation models, specifically for LDA and GGA.</a:t>
+            </a:r>
+          </a:p>
+          <a:p>
+            <a:pPr lvl="1" indent="-228600" algn="l">
+              <a:buFont typeface="Arial" panose="020B0604020202020204" pitchFamily="34" charset="0"/>
+              <a:buChar char="•"/>
+            </a:pPr>
+            <a:r>
+              <a:rPr lang="en-US" sz="1800" b="1" dirty="0"/>
+              <a:t>Trained an </a:t>
+            </a:r>
+            <a:r>
+              <a:rPr lang="en-US" sz="1800" b="1" dirty="0" err="1"/>
+              <a:t>LDA+Delta</a:t>
+            </a:r>
+            <a:r>
+              <a:rPr lang="en-US" sz="1800" b="1" dirty="0"/>
+              <a:t> ML model for exchange-correlation analysis.</a:t>
+            </a:r>
+          </a:p>
+          <a:p>
+            <a:pPr indent="-228600" algn="l">
+              <a:buFont typeface="Arial" panose="020B0604020202020204" pitchFamily="34" charset="0"/>
+              <a:buChar char="•"/>
+            </a:pPr>
+            <a:r>
+              <a:rPr lang="en-US" sz="2200" b="1" dirty="0"/>
+              <a:t>Investigated the atomic structure of highly correlated MgO-based systems using machine learning.</a:t>
+            </a:r>
+          </a:p>
+          <a:p>
+            <a:pPr lvl="1" indent="-228600" algn="l">
+              <a:buFont typeface="Arial" panose="020B0604020202020204" pitchFamily="34" charset="0"/>
+              <a:buChar char="•"/>
+            </a:pPr>
+            <a:r>
+              <a:rPr lang="en-US" sz="1800" b="1" dirty="0"/>
+              <a:t>Preparing dataset of MgO-based structure with its energy and force.</a:t>
+            </a:r>
+          </a:p>
+          <a:p>
+            <a:pPr lvl="1" indent="-228600" algn="l">
+              <a:buFont typeface="Arial" panose="020B0604020202020204" pitchFamily="34" charset="0"/>
+              <a:buChar char="•"/>
+            </a:pPr>
+            <a:r>
+              <a:rPr lang="en-US" sz="1800" b="1" dirty="0"/>
+              <a:t>Prepared a dataset of MgO-based structures, including their energy and force properties.</a:t>
+            </a:r>
+          </a:p>
+          <a:p>
+            <a:pPr lvl="1" indent="-228600" algn="l">
+              <a:buFont typeface="Arial" panose="020B0604020202020204" pitchFamily="34" charset="0"/>
+              <a:buChar char="•"/>
+            </a:pPr>
+            <a:r>
+              <a:rPr lang="en-US" sz="1800" b="1" dirty="0"/>
+              <a:t>Trained a machine learning model to optimize atomic structures using the energy and force dataset.</a:t>
+            </a:r>
+          </a:p>
+        </p:txBody>
+      </p:sp>
+    </p:spTree>
+    <p:extLst>
+      <p:ext uri="{BB962C8B-B14F-4D97-AF65-F5344CB8AC3E}">
+        <p14:creationId xmlns:p14="http://schemas.microsoft.com/office/powerpoint/2010/main" val="1533799875"/>
+      </p:ext>
+    </p:extLst>
+  </p:cSld>
+  <p:clrMapOvr>
+    <a:masterClrMapping/>
+  </p:clrMapOvr>
+</p:sld>
+</file>
+
+<file path=ppt/slides/slide11.xml><?xml version="1.0" encoding="utf-8"?>
+<p:sld xmlns:a="http://schemas.openxmlformats.org/drawingml/2006/main" xmlns:r="http://schemas.openxmlformats.org/officeDocument/2006/relationships" xmlns:p="http://schemas.openxmlformats.org/presentationml/2006/main">
+  <p:cSld>
+    <p:bg>
+      <p:bgPr>
+        <a:solidFill>
+          <a:schemeClr val="bg1"/>
+        </a:solidFill>
+        <a:effectLst/>
+      </p:bgPr>
+    </p:bg>
+    <p:spTree>
+      <p:nvGrpSpPr>
+        <p:cNvPr id="1" name="">
+          <a:extLst>
+            <a:ext uri="{FF2B5EF4-FFF2-40B4-BE49-F238E27FC236}">
+              <a16:creationId xmlns:a16="http://schemas.microsoft.com/office/drawing/2014/main" id="{4F85E7B9-0936-5290-4F59-78BF41F5FE3D}"/>
+            </a:ext>
+          </a:extLst>
+        </p:cNvPr>
+        <p:cNvGrpSpPr/>
+        <p:nvPr/>
+      </p:nvGrpSpPr>
+      <p:grpSpPr>
+        <a:xfrm>
+          <a:off x="0" y="0"/>
+          <a:ext cx="0" cy="0"/>
+          <a:chOff x="0" y="0"/>
+          <a:chExt cx="0" cy="0"/>
+        </a:xfrm>
+      </p:grpSpPr>
+      <p:sp useBgFill="1">
+        <p:nvSpPr>
+          <p:cNvPr id="8" name="Rectangle 7">
+            <a:extLst>
+              <a:ext uri="{FF2B5EF4-FFF2-40B4-BE49-F238E27FC236}">
+                <a16:creationId xmlns:a16="http://schemas.microsoft.com/office/drawing/2014/main" id="{BC5B218D-47FE-2287-A557-CACDCD972B0F}"/>
+              </a:ext>
+              <a:ext uri="{C183D7F6-B498-43B3-948B-1728B52AA6E4}">
+                <adec:decorative xmlns:adec="http://schemas.microsoft.com/office/drawing/2017/decorative" val="1"/>
+              </a:ext>
+            </a:extLst>
+          </p:cNvPr>
+          <p:cNvSpPr>
+            <a:spLocks noGrp="1" noRot="1" noChangeAspect="1" noMove="1" noResize="1" noEditPoints="1" noAdjustHandles="1" noChangeArrowheads="1" noChangeShapeType="1" noTextEdit="1"/>
+          </p:cNvSpPr>
+          <p:nvPr>
+            <p:extLst>
+              <p:ext uri="{386F3935-93C4-4BCD-93E2-E3B085C9AB24}">
+                <p16:designElem xmlns:p16="http://schemas.microsoft.com/office/powerpoint/2015/main" val="1"/>
+              </p:ext>
+            </p:extLst>
+          </p:nvPr>
+        </p:nvSpPr>
+        <p:spPr>
+          <a:xfrm>
+            <a:off x="0" y="0"/>
+            <a:ext cx="12188952" cy="6858000"/>
+          </a:xfrm>
+          <a:prstGeom prst="rect">
+            <a:avLst/>
+          </a:prstGeom>
+          <a:ln>
+            <a:noFill/>
+          </a:ln>
+        </p:spPr>
+        <p:style>
+          <a:lnRef idx="2">
+            <a:schemeClr val="accent1">
+              <a:shade val="50000"/>
+            </a:schemeClr>
+          </a:lnRef>
+          <a:fillRef idx="1">
+            <a:schemeClr val="accent1"/>
+          </a:fillRef>
+          <a:effectRef idx="0">
+            <a:schemeClr val="accent1"/>
+          </a:effectRef>
+          <a:fontRef idx="minor">
+            <a:schemeClr val="lt1"/>
+          </a:fontRef>
+        </p:style>
+        <p:txBody>
+          <a:bodyPr rtlCol="0" anchor="ctr"/>
+          <a:lstStyle/>
+          <a:p>
+            <a:pPr algn="ctr"/>
+            <a:endParaRPr lang="en-US"/>
+          </a:p>
+        </p:txBody>
+      </p:sp>
+      <p:sp>
+        <p:nvSpPr>
+          <p:cNvPr id="2" name="Title 1">
+            <a:extLst>
+              <a:ext uri="{FF2B5EF4-FFF2-40B4-BE49-F238E27FC236}">
+                <a16:creationId xmlns:a16="http://schemas.microsoft.com/office/drawing/2014/main" id="{FE797057-B15B-B190-587D-C026B139D94B}"/>
+              </a:ext>
+            </a:extLst>
+          </p:cNvPr>
+          <p:cNvSpPr>
+            <a:spLocks noGrp="1"/>
+          </p:cNvSpPr>
+          <p:nvPr>
+            <p:ph type="ctrTitle"/>
+          </p:nvPr>
+        </p:nvSpPr>
+        <p:spPr>
+          <a:xfrm>
+            <a:off x="838200" y="365125"/>
+            <a:ext cx="10515600" cy="1325563"/>
+          </a:xfrm>
+        </p:spPr>
+        <p:txBody>
+          <a:bodyPr vert="horz" lIns="91440" tIns="45720" rIns="91440" bIns="45720" rtlCol="0" anchor="ctr">
+            <a:normAutofit/>
+          </a:bodyPr>
+          <a:lstStyle/>
+          <a:p>
+            <a:pPr algn="l"/>
+            <a:r>
+              <a:rPr lang="en-US" sz="5400" b="1" kern="1200" dirty="0">
+                <a:solidFill>
+                  <a:schemeClr val="tx1"/>
+                </a:solidFill>
+                <a:latin typeface="+mj-lt"/>
+                <a:ea typeface="+mj-ea"/>
+                <a:cs typeface="+mj-cs"/>
+              </a:rPr>
+              <a:t>Future Plan</a:t>
+            </a:r>
+            <a:endParaRPr lang="en-US" sz="5400" kern="1200" dirty="0">
+              <a:solidFill>
+                <a:schemeClr val="tx1"/>
+              </a:solidFill>
+              <a:latin typeface="+mj-lt"/>
+              <a:ea typeface="+mj-ea"/>
+              <a:cs typeface="+mj-cs"/>
+            </a:endParaRPr>
+          </a:p>
+        </p:txBody>
+      </p:sp>
+      <p:sp>
+        <p:nvSpPr>
+          <p:cNvPr id="10" name="sketch line">
+            <a:extLst>
+              <a:ext uri="{FF2B5EF4-FFF2-40B4-BE49-F238E27FC236}">
+                <a16:creationId xmlns:a16="http://schemas.microsoft.com/office/drawing/2014/main" id="{C8D837B3-39E8-A57D-A1B8-C68645704D32}"/>
+              </a:ext>
+              <a:ext uri="{C183D7F6-B498-43B3-948B-1728B52AA6E4}">
+                <adec:decorative xmlns:adec="http://schemas.microsoft.com/office/drawing/2017/decorative" val="1"/>
+              </a:ext>
+            </a:extLst>
+          </p:cNvPr>
+          <p:cNvSpPr>
+            <a:spLocks noGrp="1" noRot="1" noChangeAspect="1" noMove="1" noResize="1" noEditPoints="1" noAdjustHandles="1" noChangeArrowheads="1" noChangeShapeType="1" noTextEdit="1"/>
+          </p:cNvSpPr>
+          <p:nvPr>
+            <p:extLst>
+              <p:ext uri="{386F3935-93C4-4BCD-93E2-E3B085C9AB24}">
+                <p16:designElem xmlns:p16="http://schemas.microsoft.com/office/powerpoint/2015/main" val="1"/>
+              </p:ext>
+            </p:extLst>
+          </p:nvPr>
+        </p:nvSpPr>
+        <p:spPr>
+          <a:xfrm>
+            <a:off x="669036" y="1677373"/>
+            <a:ext cx="10853928" cy="18288"/>
+          </a:xfrm>
+          <a:custGeom>
+            <a:avLst/>
+            <a:gdLst>
+              <a:gd name="connsiteX0" fmla="*/ 0 w 10853928"/>
+              <a:gd name="connsiteY0" fmla="*/ 0 h 18288"/>
+              <a:gd name="connsiteX1" fmla="*/ 461292 w 10853928"/>
+              <a:gd name="connsiteY1" fmla="*/ 0 h 18288"/>
+              <a:gd name="connsiteX2" fmla="*/ 1139662 w 10853928"/>
+              <a:gd name="connsiteY2" fmla="*/ 0 h 18288"/>
+              <a:gd name="connsiteX3" fmla="*/ 1926572 w 10853928"/>
+              <a:gd name="connsiteY3" fmla="*/ 0 h 18288"/>
+              <a:gd name="connsiteX4" fmla="*/ 2279325 w 10853928"/>
+              <a:gd name="connsiteY4" fmla="*/ 0 h 18288"/>
+              <a:gd name="connsiteX5" fmla="*/ 2632078 w 10853928"/>
+              <a:gd name="connsiteY5" fmla="*/ 0 h 18288"/>
+              <a:gd name="connsiteX6" fmla="*/ 3527527 w 10853928"/>
+              <a:gd name="connsiteY6" fmla="*/ 0 h 18288"/>
+              <a:gd name="connsiteX7" fmla="*/ 4205897 w 10853928"/>
+              <a:gd name="connsiteY7" fmla="*/ 0 h 18288"/>
+              <a:gd name="connsiteX8" fmla="*/ 4558650 w 10853928"/>
+              <a:gd name="connsiteY8" fmla="*/ 0 h 18288"/>
+              <a:gd name="connsiteX9" fmla="*/ 5237020 w 10853928"/>
+              <a:gd name="connsiteY9" fmla="*/ 0 h 18288"/>
+              <a:gd name="connsiteX10" fmla="*/ 6132469 w 10853928"/>
+              <a:gd name="connsiteY10" fmla="*/ 0 h 18288"/>
+              <a:gd name="connsiteX11" fmla="*/ 6702301 w 10853928"/>
+              <a:gd name="connsiteY11" fmla="*/ 0 h 18288"/>
+              <a:gd name="connsiteX12" fmla="*/ 7272132 w 10853928"/>
+              <a:gd name="connsiteY12" fmla="*/ 0 h 18288"/>
+              <a:gd name="connsiteX13" fmla="*/ 7950502 w 10853928"/>
+              <a:gd name="connsiteY13" fmla="*/ 0 h 18288"/>
+              <a:gd name="connsiteX14" fmla="*/ 8737412 w 10853928"/>
+              <a:gd name="connsiteY14" fmla="*/ 0 h 18288"/>
+              <a:gd name="connsiteX15" fmla="*/ 9524322 w 10853928"/>
+              <a:gd name="connsiteY15" fmla="*/ 0 h 18288"/>
+              <a:gd name="connsiteX16" fmla="*/ 10853928 w 10853928"/>
+              <a:gd name="connsiteY16" fmla="*/ 0 h 18288"/>
+              <a:gd name="connsiteX17" fmla="*/ 10853928 w 10853928"/>
+              <a:gd name="connsiteY17" fmla="*/ 18288 h 18288"/>
+              <a:gd name="connsiteX18" fmla="*/ 10392636 w 10853928"/>
+              <a:gd name="connsiteY18" fmla="*/ 18288 h 18288"/>
+              <a:gd name="connsiteX19" fmla="*/ 9497187 w 10853928"/>
+              <a:gd name="connsiteY19" fmla="*/ 18288 h 18288"/>
+              <a:gd name="connsiteX20" fmla="*/ 8818817 w 10853928"/>
+              <a:gd name="connsiteY20" fmla="*/ 18288 h 18288"/>
+              <a:gd name="connsiteX21" fmla="*/ 8466064 w 10853928"/>
+              <a:gd name="connsiteY21" fmla="*/ 18288 h 18288"/>
+              <a:gd name="connsiteX22" fmla="*/ 7787693 w 10853928"/>
+              <a:gd name="connsiteY22" fmla="*/ 18288 h 18288"/>
+              <a:gd name="connsiteX23" fmla="*/ 7217862 w 10853928"/>
+              <a:gd name="connsiteY23" fmla="*/ 18288 h 18288"/>
+              <a:gd name="connsiteX24" fmla="*/ 6648031 w 10853928"/>
+              <a:gd name="connsiteY24" fmla="*/ 18288 h 18288"/>
+              <a:gd name="connsiteX25" fmla="*/ 6078200 w 10853928"/>
+              <a:gd name="connsiteY25" fmla="*/ 18288 h 18288"/>
+              <a:gd name="connsiteX26" fmla="*/ 5508368 w 10853928"/>
+              <a:gd name="connsiteY26" fmla="*/ 18288 h 18288"/>
+              <a:gd name="connsiteX27" fmla="*/ 4721459 w 10853928"/>
+              <a:gd name="connsiteY27" fmla="*/ 18288 h 18288"/>
+              <a:gd name="connsiteX28" fmla="*/ 4043088 w 10853928"/>
+              <a:gd name="connsiteY28" fmla="*/ 18288 h 18288"/>
+              <a:gd name="connsiteX29" fmla="*/ 3690336 w 10853928"/>
+              <a:gd name="connsiteY29" fmla="*/ 18288 h 18288"/>
+              <a:gd name="connsiteX30" fmla="*/ 3120504 w 10853928"/>
+              <a:gd name="connsiteY30" fmla="*/ 18288 h 18288"/>
+              <a:gd name="connsiteX31" fmla="*/ 2333595 w 10853928"/>
+              <a:gd name="connsiteY31" fmla="*/ 18288 h 18288"/>
+              <a:gd name="connsiteX32" fmla="*/ 1872303 w 10853928"/>
+              <a:gd name="connsiteY32" fmla="*/ 18288 h 18288"/>
+              <a:gd name="connsiteX33" fmla="*/ 976854 w 10853928"/>
+              <a:gd name="connsiteY33" fmla="*/ 18288 h 18288"/>
+              <a:gd name="connsiteX34" fmla="*/ 0 w 10853928"/>
+              <a:gd name="connsiteY34" fmla="*/ 18288 h 18288"/>
+              <a:gd name="connsiteX35" fmla="*/ 0 w 10853928"/>
+              <a:gd name="connsiteY35" fmla="*/ 0 h 18288"/>
+            </a:gdLst>
+            <a:ahLst/>
+            <a:cxnLst>
+              <a:cxn ang="0">
+                <a:pos x="connsiteX0" y="connsiteY0"/>
+              </a:cxn>
+              <a:cxn ang="0">
+                <a:pos x="connsiteX1" y="connsiteY1"/>
+              </a:cxn>
+              <a:cxn ang="0">
+                <a:pos x="connsiteX2" y="connsiteY2"/>
+              </a:cxn>
+              <a:cxn ang="0">
+                <a:pos x="connsiteX3" y="connsiteY3"/>
+              </a:cxn>
+              <a:cxn ang="0">
+                <a:pos x="connsiteX4" y="connsiteY4"/>
+              </a:cxn>
+              <a:cxn ang="0">
+                <a:pos x="connsiteX5" y="connsiteY5"/>
+              </a:cxn>
+              <a:cxn ang="0">
+                <a:pos x="connsiteX6" y="connsiteY6"/>
+              </a:cxn>
+              <a:cxn ang="0">
+                <a:pos x="connsiteX7" y="connsiteY7"/>
+              </a:cxn>
+              <a:cxn ang="0">
+                <a:pos x="connsiteX8" y="connsiteY8"/>
+              </a:cxn>
+              <a:cxn ang="0">
+                <a:pos x="connsiteX9" y="connsiteY9"/>
+              </a:cxn>
+              <a:cxn ang="0">
+                <a:pos x="connsiteX10" y="connsiteY10"/>
+              </a:cxn>
+              <a:cxn ang="0">
+                <a:pos x="connsiteX11" y="connsiteY11"/>
+              </a:cxn>
+              <a:cxn ang="0">
+                <a:pos x="connsiteX12" y="connsiteY12"/>
+              </a:cxn>
+              <a:cxn ang="0">
+                <a:pos x="connsiteX13" y="connsiteY13"/>
+              </a:cxn>
+              <a:cxn ang="0">
+                <a:pos x="connsiteX14" y="connsiteY14"/>
+              </a:cxn>
+              <a:cxn ang="0">
+                <a:pos x="connsiteX15" y="connsiteY15"/>
+              </a:cxn>
+              <a:cxn ang="0">
+                <a:pos x="connsiteX16" y="connsiteY16"/>
+              </a:cxn>
+              <a:cxn ang="0">
+                <a:pos x="connsiteX17" y="connsiteY17"/>
+              </a:cxn>
+              <a:cxn ang="0">
+                <a:pos x="connsiteX18" y="connsiteY18"/>
+              </a:cxn>
+              <a:cxn ang="0">
+                <a:pos x="connsiteX19" y="connsiteY19"/>
+              </a:cxn>
+              <a:cxn ang="0">
+                <a:pos x="connsiteX20" y="connsiteY20"/>
+              </a:cxn>
+              <a:cxn ang="0">
+                <a:pos x="connsiteX21" y="connsiteY21"/>
+              </a:cxn>
+              <a:cxn ang="0">
+                <a:pos x="connsiteX22" y="connsiteY22"/>
+              </a:cxn>
+              <a:cxn ang="0">
+                <a:pos x="connsiteX23" y="connsiteY23"/>
+              </a:cxn>
+              <a:cxn ang="0">
+                <a:pos x="connsiteX24" y="connsiteY24"/>
+              </a:cxn>
+              <a:cxn ang="0">
+                <a:pos x="connsiteX25" y="connsiteY25"/>
+              </a:cxn>
+              <a:cxn ang="0">
+                <a:pos x="connsiteX26" y="connsiteY26"/>
+              </a:cxn>
+              <a:cxn ang="0">
+                <a:pos x="connsiteX27" y="connsiteY27"/>
+              </a:cxn>
+              <a:cxn ang="0">
+                <a:pos x="connsiteX28" y="connsiteY28"/>
+              </a:cxn>
+              <a:cxn ang="0">
+                <a:pos x="connsiteX29" y="connsiteY29"/>
+              </a:cxn>
+              <a:cxn ang="0">
+                <a:pos x="connsiteX30" y="connsiteY30"/>
+              </a:cxn>
+              <a:cxn ang="0">
+                <a:pos x="connsiteX31" y="connsiteY31"/>
+              </a:cxn>
+              <a:cxn ang="0">
+                <a:pos x="connsiteX32" y="connsiteY32"/>
+              </a:cxn>
+              <a:cxn ang="0">
+                <a:pos x="connsiteX33" y="connsiteY33"/>
+              </a:cxn>
+              <a:cxn ang="0">
+                <a:pos x="connsiteX34" y="connsiteY34"/>
+              </a:cxn>
+              <a:cxn ang="0">
+                <a:pos x="connsiteX35" y="connsiteY35"/>
+              </a:cxn>
+            </a:cxnLst>
+            <a:rect l="l" t="t" r="r" b="b"/>
+            <a:pathLst>
+              <a:path w="10853928" h="18288" fill="none" extrusionOk="0">
+                <a:moveTo>
+                  <a:pt x="0" y="0"/>
+                </a:moveTo>
+                <a:cubicBezTo>
+                  <a:pt x="146993" y="-19076"/>
+                  <a:pt x="347684" y="-4790"/>
+                  <a:pt x="461292" y="0"/>
+                </a:cubicBezTo>
+                <a:cubicBezTo>
+                  <a:pt x="574900" y="4790"/>
+                  <a:pt x="808367" y="19821"/>
+                  <a:pt x="1139662" y="0"/>
+                </a:cubicBezTo>
+                <a:cubicBezTo>
+                  <a:pt x="1470957" y="-19821"/>
+                  <a:pt x="1627405" y="5721"/>
+                  <a:pt x="1926572" y="0"/>
+                </a:cubicBezTo>
+                <a:cubicBezTo>
+                  <a:pt x="2225739" y="-5721"/>
+                  <a:pt x="2137730" y="-3235"/>
+                  <a:pt x="2279325" y="0"/>
+                </a:cubicBezTo>
+                <a:cubicBezTo>
+                  <a:pt x="2420920" y="3235"/>
+                  <a:pt x="2456518" y="9685"/>
+                  <a:pt x="2632078" y="0"/>
+                </a:cubicBezTo>
+                <a:cubicBezTo>
+                  <a:pt x="2807638" y="-9685"/>
+                  <a:pt x="3211516" y="-43007"/>
+                  <a:pt x="3527527" y="0"/>
+                </a:cubicBezTo>
+                <a:cubicBezTo>
+                  <a:pt x="3843538" y="43007"/>
+                  <a:pt x="4058833" y="22042"/>
+                  <a:pt x="4205897" y="0"/>
+                </a:cubicBezTo>
+                <a:cubicBezTo>
+                  <a:pt x="4352961" y="-22042"/>
+                  <a:pt x="4474805" y="-11846"/>
+                  <a:pt x="4558650" y="0"/>
+                </a:cubicBezTo>
+                <a:cubicBezTo>
+                  <a:pt x="4642495" y="11846"/>
+                  <a:pt x="5041928" y="-6069"/>
+                  <a:pt x="5237020" y="0"/>
+                </a:cubicBezTo>
+                <a:cubicBezTo>
+                  <a:pt x="5432112" y="6069"/>
+                  <a:pt x="5943266" y="-17479"/>
+                  <a:pt x="6132469" y="0"/>
+                </a:cubicBezTo>
+                <a:cubicBezTo>
+                  <a:pt x="6321672" y="17479"/>
+                  <a:pt x="6483872" y="26234"/>
+                  <a:pt x="6702301" y="0"/>
+                </a:cubicBezTo>
+                <a:cubicBezTo>
+                  <a:pt x="6920730" y="-26234"/>
+                  <a:pt x="6991194" y="-15156"/>
+                  <a:pt x="7272132" y="0"/>
+                </a:cubicBezTo>
+                <a:cubicBezTo>
+                  <a:pt x="7553070" y="15156"/>
+                  <a:pt x="7684444" y="-32961"/>
+                  <a:pt x="7950502" y="0"/>
+                </a:cubicBezTo>
+                <a:cubicBezTo>
+                  <a:pt x="8216560" y="32961"/>
+                  <a:pt x="8493290" y="-10491"/>
+                  <a:pt x="8737412" y="0"/>
+                </a:cubicBezTo>
+                <a:cubicBezTo>
+                  <a:pt x="8981534" y="10491"/>
+                  <a:pt x="9191586" y="-13899"/>
+                  <a:pt x="9524322" y="0"/>
+                </a:cubicBezTo>
+                <a:cubicBezTo>
+                  <a:pt x="9857058" y="13899"/>
+                  <a:pt x="10297509" y="7485"/>
+                  <a:pt x="10853928" y="0"/>
+                </a:cubicBezTo>
+                <a:cubicBezTo>
+                  <a:pt x="10854574" y="4451"/>
+                  <a:pt x="10854418" y="9226"/>
+                  <a:pt x="10853928" y="18288"/>
+                </a:cubicBezTo>
+                <a:cubicBezTo>
+                  <a:pt x="10691638" y="28522"/>
+                  <a:pt x="10574319" y="29578"/>
+                  <a:pt x="10392636" y="18288"/>
+                </a:cubicBezTo>
+                <a:cubicBezTo>
+                  <a:pt x="10210953" y="6998"/>
+                  <a:pt x="9836277" y="-16742"/>
+                  <a:pt x="9497187" y="18288"/>
+                </a:cubicBezTo>
+                <a:cubicBezTo>
+                  <a:pt x="9158097" y="53318"/>
+                  <a:pt x="9119479" y="30714"/>
+                  <a:pt x="8818817" y="18288"/>
+                </a:cubicBezTo>
+                <a:cubicBezTo>
+                  <a:pt x="8518155" y="5863"/>
+                  <a:pt x="8640037" y="6483"/>
+                  <a:pt x="8466064" y="18288"/>
+                </a:cubicBezTo>
+                <a:cubicBezTo>
+                  <a:pt x="8292091" y="30093"/>
+                  <a:pt x="7997656" y="18914"/>
+                  <a:pt x="7787693" y="18288"/>
+                </a:cubicBezTo>
+                <a:cubicBezTo>
+                  <a:pt x="7577730" y="17662"/>
+                  <a:pt x="7412468" y="21416"/>
+                  <a:pt x="7217862" y="18288"/>
+                </a:cubicBezTo>
+                <a:cubicBezTo>
+                  <a:pt x="7023256" y="15160"/>
+                  <a:pt x="6898018" y="14824"/>
+                  <a:pt x="6648031" y="18288"/>
+                </a:cubicBezTo>
+                <a:cubicBezTo>
+                  <a:pt x="6398044" y="21752"/>
+                  <a:pt x="6254402" y="38625"/>
+                  <a:pt x="6078200" y="18288"/>
+                </a:cubicBezTo>
+                <a:cubicBezTo>
+                  <a:pt x="5901998" y="-2049"/>
+                  <a:pt x="5622886" y="3213"/>
+                  <a:pt x="5508368" y="18288"/>
+                </a:cubicBezTo>
+                <a:cubicBezTo>
+                  <a:pt x="5393850" y="33363"/>
+                  <a:pt x="5036260" y="26830"/>
+                  <a:pt x="4721459" y="18288"/>
+                </a:cubicBezTo>
+                <a:cubicBezTo>
+                  <a:pt x="4406658" y="9746"/>
+                  <a:pt x="4239221" y="41551"/>
+                  <a:pt x="4043088" y="18288"/>
+                </a:cubicBezTo>
+                <a:cubicBezTo>
+                  <a:pt x="3846955" y="-4975"/>
+                  <a:pt x="3818802" y="34658"/>
+                  <a:pt x="3690336" y="18288"/>
+                </a:cubicBezTo>
+                <a:cubicBezTo>
+                  <a:pt x="3561870" y="1918"/>
+                  <a:pt x="3265491" y="42194"/>
+                  <a:pt x="3120504" y="18288"/>
+                </a:cubicBezTo>
+                <a:cubicBezTo>
+                  <a:pt x="2975517" y="-5618"/>
+                  <a:pt x="2720254" y="36673"/>
+                  <a:pt x="2333595" y="18288"/>
+                </a:cubicBezTo>
+                <a:cubicBezTo>
+                  <a:pt x="1946936" y="-97"/>
+                  <a:pt x="2097241" y="5776"/>
+                  <a:pt x="1872303" y="18288"/>
+                </a:cubicBezTo>
+                <a:cubicBezTo>
+                  <a:pt x="1647365" y="30800"/>
+                  <a:pt x="1282708" y="45380"/>
+                  <a:pt x="976854" y="18288"/>
+                </a:cubicBezTo>
+                <a:cubicBezTo>
+                  <a:pt x="671000" y="-8804"/>
+                  <a:pt x="408401" y="-12775"/>
+                  <a:pt x="0" y="18288"/>
+                </a:cubicBezTo>
+                <a:cubicBezTo>
+                  <a:pt x="-213" y="9468"/>
+                  <a:pt x="187" y="4459"/>
+                  <a:pt x="0" y="0"/>
+                </a:cubicBezTo>
+                <a:close/>
+              </a:path>
+              <a:path w="10853928" h="18288" stroke="0" extrusionOk="0">
+                <a:moveTo>
+                  <a:pt x="0" y="0"/>
+                </a:moveTo>
+                <a:cubicBezTo>
+                  <a:pt x="267322" y="15284"/>
+                  <a:pt x="415388" y="-21048"/>
+                  <a:pt x="569831" y="0"/>
+                </a:cubicBezTo>
+                <a:cubicBezTo>
+                  <a:pt x="724274" y="21048"/>
+                  <a:pt x="769333" y="-2353"/>
+                  <a:pt x="922584" y="0"/>
+                </a:cubicBezTo>
+                <a:cubicBezTo>
+                  <a:pt x="1075835" y="2353"/>
+                  <a:pt x="1399490" y="-145"/>
+                  <a:pt x="1818033" y="0"/>
+                </a:cubicBezTo>
+                <a:cubicBezTo>
+                  <a:pt x="2236576" y="145"/>
+                  <a:pt x="2145330" y="5482"/>
+                  <a:pt x="2387864" y="0"/>
+                </a:cubicBezTo>
+                <a:cubicBezTo>
+                  <a:pt x="2630398" y="-5482"/>
+                  <a:pt x="2793207" y="18487"/>
+                  <a:pt x="2957695" y="0"/>
+                </a:cubicBezTo>
+                <a:cubicBezTo>
+                  <a:pt x="3122183" y="-18487"/>
+                  <a:pt x="3579141" y="19003"/>
+                  <a:pt x="3853144" y="0"/>
+                </a:cubicBezTo>
+                <a:cubicBezTo>
+                  <a:pt x="4127147" y="-19003"/>
+                  <a:pt x="4209857" y="12211"/>
+                  <a:pt x="4314436" y="0"/>
+                </a:cubicBezTo>
+                <a:cubicBezTo>
+                  <a:pt x="4419015" y="-12211"/>
+                  <a:pt x="4762459" y="-17220"/>
+                  <a:pt x="5209885" y="0"/>
+                </a:cubicBezTo>
+                <a:cubicBezTo>
+                  <a:pt x="5657311" y="17220"/>
+                  <a:pt x="5692663" y="-3290"/>
+                  <a:pt x="6105335" y="0"/>
+                </a:cubicBezTo>
+                <a:cubicBezTo>
+                  <a:pt x="6518007" y="3290"/>
+                  <a:pt x="6455516" y="-5124"/>
+                  <a:pt x="6783705" y="0"/>
+                </a:cubicBezTo>
+                <a:cubicBezTo>
+                  <a:pt x="7111894" y="5124"/>
+                  <a:pt x="7441941" y="-17829"/>
+                  <a:pt x="7679154" y="0"/>
+                </a:cubicBezTo>
+                <a:cubicBezTo>
+                  <a:pt x="7916367" y="17829"/>
+                  <a:pt x="8102967" y="-24363"/>
+                  <a:pt x="8248985" y="0"/>
+                </a:cubicBezTo>
+                <a:cubicBezTo>
+                  <a:pt x="8395003" y="24363"/>
+                  <a:pt x="8552393" y="25505"/>
+                  <a:pt x="8818817" y="0"/>
+                </a:cubicBezTo>
+                <a:cubicBezTo>
+                  <a:pt x="9085241" y="-25505"/>
+                  <a:pt x="9411308" y="38000"/>
+                  <a:pt x="9605726" y="0"/>
+                </a:cubicBezTo>
+                <a:cubicBezTo>
+                  <a:pt x="9800144" y="-38000"/>
+                  <a:pt x="10006468" y="-25741"/>
+                  <a:pt x="10175558" y="0"/>
+                </a:cubicBezTo>
+                <a:cubicBezTo>
+                  <a:pt x="10344648" y="25741"/>
+                  <a:pt x="10696282" y="695"/>
+                  <a:pt x="10853928" y="0"/>
+                </a:cubicBezTo>
+                <a:cubicBezTo>
+                  <a:pt x="10853521" y="8690"/>
+                  <a:pt x="10853774" y="14141"/>
+                  <a:pt x="10853928" y="18288"/>
+                </a:cubicBezTo>
+                <a:cubicBezTo>
+                  <a:pt x="10608124" y="24255"/>
+                  <a:pt x="10343415" y="22307"/>
+                  <a:pt x="10067018" y="18288"/>
+                </a:cubicBezTo>
+                <a:cubicBezTo>
+                  <a:pt x="9790621" y="14270"/>
+                  <a:pt x="9843266" y="3564"/>
+                  <a:pt x="9714266" y="18288"/>
+                </a:cubicBezTo>
+                <a:cubicBezTo>
+                  <a:pt x="9585266" y="33012"/>
+                  <a:pt x="9379484" y="1875"/>
+                  <a:pt x="9252974" y="18288"/>
+                </a:cubicBezTo>
+                <a:cubicBezTo>
+                  <a:pt x="9126464" y="34701"/>
+                  <a:pt x="8580678" y="-4904"/>
+                  <a:pt x="8357525" y="18288"/>
+                </a:cubicBezTo>
+                <a:cubicBezTo>
+                  <a:pt x="8134372" y="41480"/>
+                  <a:pt x="7903199" y="26458"/>
+                  <a:pt x="7679154" y="18288"/>
+                </a:cubicBezTo>
+                <a:cubicBezTo>
+                  <a:pt x="7455109" y="10118"/>
+                  <a:pt x="7435944" y="27109"/>
+                  <a:pt x="7217862" y="18288"/>
+                </a:cubicBezTo>
+                <a:cubicBezTo>
+                  <a:pt x="6999780" y="9467"/>
+                  <a:pt x="6680409" y="18985"/>
+                  <a:pt x="6539492" y="18288"/>
+                </a:cubicBezTo>
+                <a:cubicBezTo>
+                  <a:pt x="6398575" y="17592"/>
+                  <a:pt x="6312077" y="33018"/>
+                  <a:pt x="6186739" y="18288"/>
+                </a:cubicBezTo>
+                <a:cubicBezTo>
+                  <a:pt x="6061401" y="3558"/>
+                  <a:pt x="5947033" y="12075"/>
+                  <a:pt x="5833986" y="18288"/>
+                </a:cubicBezTo>
+                <a:cubicBezTo>
+                  <a:pt x="5720939" y="24501"/>
+                  <a:pt x="5482226" y="8586"/>
+                  <a:pt x="5155616" y="18288"/>
+                </a:cubicBezTo>
+                <a:cubicBezTo>
+                  <a:pt x="4829006" y="27991"/>
+                  <a:pt x="4841274" y="29316"/>
+                  <a:pt x="4694324" y="18288"/>
+                </a:cubicBezTo>
+                <a:cubicBezTo>
+                  <a:pt x="4547374" y="7260"/>
+                  <a:pt x="4077675" y="7013"/>
+                  <a:pt x="3907414" y="18288"/>
+                </a:cubicBezTo>
+                <a:cubicBezTo>
+                  <a:pt x="3737153" y="29564"/>
+                  <a:pt x="3538393" y="21630"/>
+                  <a:pt x="3446122" y="18288"/>
+                </a:cubicBezTo>
+                <a:cubicBezTo>
+                  <a:pt x="3353851" y="14946"/>
+                  <a:pt x="2990320" y="-8091"/>
+                  <a:pt x="2659212" y="18288"/>
+                </a:cubicBezTo>
+                <a:cubicBezTo>
+                  <a:pt x="2328104" y="44667"/>
+                  <a:pt x="2427653" y="9607"/>
+                  <a:pt x="2306460" y="18288"/>
+                </a:cubicBezTo>
+                <a:cubicBezTo>
+                  <a:pt x="2185267" y="26969"/>
+                  <a:pt x="1719763" y="3717"/>
+                  <a:pt x="1519550" y="18288"/>
+                </a:cubicBezTo>
+                <a:cubicBezTo>
+                  <a:pt x="1319337" y="32860"/>
+                  <a:pt x="1167371" y="17040"/>
+                  <a:pt x="1058258" y="18288"/>
+                </a:cubicBezTo>
+                <a:cubicBezTo>
+                  <a:pt x="949145" y="19536"/>
+                  <a:pt x="780234" y="31447"/>
+                  <a:pt x="705505" y="18288"/>
+                </a:cubicBezTo>
+                <a:cubicBezTo>
+                  <a:pt x="630776" y="5129"/>
+                  <a:pt x="215796" y="30056"/>
+                  <a:pt x="0" y="18288"/>
+                </a:cubicBezTo>
+                <a:cubicBezTo>
+                  <a:pt x="-53" y="11301"/>
+                  <a:pt x="-649" y="7756"/>
+                  <a:pt x="0" y="0"/>
+                </a:cubicBezTo>
+                <a:close/>
+              </a:path>
+            </a:pathLst>
+          </a:custGeom>
+          <a:solidFill>
+            <a:schemeClr val="accent2"/>
+          </a:solidFill>
+          <a:ln w="41275" cap="rnd">
+            <a:solidFill>
+              <a:schemeClr val="accent2"/>
+            </a:solidFill>
+            <a:round/>
+            <a:extLst>
+              <a:ext uri="{C807C97D-BFC1-408E-A445-0C87EB9F89A2}">
+                <ask:lineSketchStyleProps xmlns:ask="http://schemas.microsoft.com/office/drawing/2018/sketchyshapes" sd="1219033472">
+                  <a:prstGeom prst="rect">
+                    <a:avLst/>
+                  </a:prstGeom>
+                  <ask:type>
+                    <ask:lineSketchFreehand/>
+                  </ask:type>
+                </ask:lineSketchStyleProps>
+              </a:ext>
+            </a:extLst>
+          </a:ln>
+        </p:spPr>
+        <p:style>
+          <a:lnRef idx="2">
+            <a:schemeClr val="accent1">
+              <a:shade val="50000"/>
+            </a:schemeClr>
+          </a:lnRef>
+          <a:fillRef idx="1">
+            <a:schemeClr val="accent1"/>
+          </a:fillRef>
+          <a:effectRef idx="0">
+            <a:schemeClr val="accent1"/>
+          </a:effectRef>
+          <a:fontRef idx="minor">
+            <a:schemeClr val="lt1"/>
+          </a:fontRef>
+        </p:style>
+        <p:txBody>
+          <a:bodyPr rtlCol="0" anchor="ctr"/>
+          <a:lstStyle/>
+          <a:p>
+            <a:pPr algn="ctr"/>
+            <a:endParaRPr lang="en-US"/>
+          </a:p>
+        </p:txBody>
+      </p:sp>
+      <p:sp>
+        <p:nvSpPr>
+          <p:cNvPr id="3" name="Subtitle 2">
+            <a:extLst>
+              <a:ext uri="{FF2B5EF4-FFF2-40B4-BE49-F238E27FC236}">
+                <a16:creationId xmlns:a16="http://schemas.microsoft.com/office/drawing/2014/main" id="{37CDA907-9A8E-191D-E2DE-7127A3FD125C}"/>
+              </a:ext>
+            </a:extLst>
+          </p:cNvPr>
+          <p:cNvSpPr>
+            <a:spLocks noGrp="1"/>
+          </p:cNvSpPr>
+          <p:nvPr>
+            <p:ph type="subTitle" idx="1"/>
+          </p:nvPr>
+        </p:nvSpPr>
+        <p:spPr>
+          <a:xfrm>
+            <a:off x="838200" y="1929384"/>
+            <a:ext cx="10515600" cy="4251960"/>
+          </a:xfrm>
+        </p:spPr>
+        <p:txBody>
+          <a:bodyPr vert="horz" lIns="91440" tIns="45720" rIns="91440" bIns="45720" rtlCol="0">
+            <a:normAutofit/>
+          </a:bodyPr>
+          <a:lstStyle/>
+          <a:p>
+            <a:pPr algn="l"/>
+            <a:endParaRPr lang="en-US" sz="2200" dirty="0"/>
+          </a:p>
+          <a:p>
+            <a:pPr indent="-228600" algn="l">
+              <a:buFont typeface="Arial" panose="020B0604020202020204" pitchFamily="34" charset="0"/>
+              <a:buChar char="•"/>
+            </a:pPr>
+            <a:r>
+              <a:rPr lang="en-US" sz="2200" b="1" dirty="0"/>
+              <a:t>Calculating MgO and its combinations to enhance the understanding of FLAPW</a:t>
+            </a:r>
+          </a:p>
+          <a:p>
+            <a:pPr indent="-228600" algn="l">
+              <a:buFont typeface="Arial" panose="020B0604020202020204" pitchFamily="34" charset="0"/>
+              <a:buChar char="•"/>
+            </a:pPr>
+            <a:r>
+              <a:rPr lang="en-US" sz="2200" b="1" dirty="0"/>
+              <a:t>Exchange Correlation Research</a:t>
+            </a:r>
+          </a:p>
+          <a:p>
+            <a:pPr lvl="1" indent="-228600" algn="l">
+              <a:buFont typeface="Arial" panose="020B0604020202020204" pitchFamily="34" charset="0"/>
+              <a:buChar char="•"/>
+            </a:pPr>
+            <a:r>
+              <a:rPr lang="en-US" sz="1800" b="1" dirty="0"/>
+              <a:t>Prepared datasets for training exchange-correlation models, specifically for LDA and GGA.</a:t>
+            </a:r>
+          </a:p>
+          <a:p>
+            <a:pPr lvl="1" indent="-228600" algn="l">
+              <a:buFont typeface="Arial" panose="020B0604020202020204" pitchFamily="34" charset="0"/>
+              <a:buChar char="•"/>
+            </a:pPr>
+            <a:r>
+              <a:rPr lang="en-US" sz="1800" b="1" dirty="0"/>
+              <a:t>Trained an </a:t>
+            </a:r>
+            <a:r>
+              <a:rPr lang="en-US" sz="1800" b="1" dirty="0" err="1"/>
+              <a:t>LDA+Delta</a:t>
+            </a:r>
+            <a:r>
+              <a:rPr lang="en-US" sz="1800" b="1" dirty="0"/>
+              <a:t> ML model for exchange-correlation analysis.</a:t>
+            </a:r>
+          </a:p>
+          <a:p>
+            <a:pPr indent="-228600" algn="l">
+              <a:buFont typeface="Arial" panose="020B0604020202020204" pitchFamily="34" charset="0"/>
+              <a:buChar char="•"/>
+            </a:pPr>
+            <a:r>
+              <a:rPr lang="en-US" sz="2200" b="1" dirty="0"/>
+              <a:t>Investigated the atomic structure of highly correlated MgO-based systems using machine learning.</a:t>
+            </a:r>
+          </a:p>
+          <a:p>
+            <a:pPr lvl="1" indent="-228600" algn="l">
+              <a:buFont typeface="Arial" panose="020B0604020202020204" pitchFamily="34" charset="0"/>
+              <a:buChar char="•"/>
+            </a:pPr>
+            <a:r>
+              <a:rPr lang="en-US" sz="1800" b="1" dirty="0"/>
+              <a:t>Preparing dataset of MgO-based structure with its energy and force.</a:t>
+            </a:r>
+          </a:p>
+          <a:p>
+            <a:pPr lvl="1" indent="-228600" algn="l">
+              <a:buFont typeface="Arial" panose="020B0604020202020204" pitchFamily="34" charset="0"/>
+              <a:buChar char="•"/>
+            </a:pPr>
+            <a:r>
+              <a:rPr lang="en-US" sz="1800" b="1" dirty="0"/>
+              <a:t>Prepared a dataset of MgO-based structures, including their energy and force properties.</a:t>
+            </a:r>
+          </a:p>
+          <a:p>
+            <a:pPr lvl="1" indent="-228600" algn="l">
+              <a:buFont typeface="Arial" panose="020B0604020202020204" pitchFamily="34" charset="0"/>
+              <a:buChar char="•"/>
+            </a:pPr>
+            <a:r>
+              <a:rPr lang="en-US" sz="1800" b="1" dirty="0"/>
+              <a:t>Trained a machine learning model to optimize atomic structures using the energy and force dataset.</a:t>
+            </a:r>
+          </a:p>
+        </p:txBody>
+      </p:sp>
+    </p:spTree>
+    <p:extLst>
+      <p:ext uri="{BB962C8B-B14F-4D97-AF65-F5344CB8AC3E}">
+        <p14:creationId xmlns:p14="http://schemas.microsoft.com/office/powerpoint/2010/main" val="2648193692"/>
+      </p:ext>
+    </p:extLst>
+  </p:cSld>
+  <p:clrMapOvr>
+    <a:masterClrMapping/>
+  </p:clrMapOvr>
+</p:sld>
+</file>
+
+<file path=ppt/slides/slide12.xml><?xml version="1.0" encoding="utf-8"?>
+<p:sld xmlns:a="http://schemas.openxmlformats.org/drawingml/2006/main" xmlns:r="http://schemas.openxmlformats.org/officeDocument/2006/relationships" xmlns:p="http://schemas.openxmlformats.org/presentationml/2006/main">
+  <p:cSld>
     <p:spTree>
       <p:nvGrpSpPr>
         <p:cNvPr id="1" name=""/>
@@ -3360,7 +6735,7 @@
           <p:cNvPr id="2" name="Title 1">
             <a:extLst>
               <a:ext uri="{FF2B5EF4-FFF2-40B4-BE49-F238E27FC236}">
-                <a16:creationId xmlns:a16="http://schemas.microsoft.com/office/drawing/2014/main" id="{EE71C720-10FF-A32A-8297-102D91A4F5B6}"/>
+                <a16:creationId xmlns:a16="http://schemas.microsoft.com/office/drawing/2014/main" id="{BD9A7B03-033A-3BBD-FCAD-71866FFF4EA4}"/>
               </a:ext>
             </a:extLst>
           </p:cNvPr>
@@ -3368,7 +6743,7 @@
             <a:spLocks noGrp="1"/>
           </p:cNvSpPr>
           <p:nvPr>
-            <p:ph type="ctrTitle"/>
+            <p:ph type="title"/>
           </p:nvPr>
         </p:nvSpPr>
         <p:spPr/>
@@ -3376,39 +6751,864 @@
           <a:bodyPr/>
           <a:lstStyle/>
           <a:p>
-            <a:endParaRPr lang="en-JP"/>
+            <a:r>
+              <a:rPr lang="en-JP" dirty="0"/>
+              <a:t>Calendar</a:t>
+            </a:r>
           </a:p>
         </p:txBody>
       </p:sp>
-      <p:sp>
-        <p:nvSpPr>
-          <p:cNvPr id="3" name="Subtitle 2">
+      <p:graphicFrame>
+        <p:nvGraphicFramePr>
+          <p:cNvPr id="8" name="Table 7">
             <a:extLst>
               <a:ext uri="{FF2B5EF4-FFF2-40B4-BE49-F238E27FC236}">
-                <a16:creationId xmlns:a16="http://schemas.microsoft.com/office/drawing/2014/main" id="{3A6A5FA1-06E0-E257-2886-1DAE625742D2}"/>
+                <a16:creationId xmlns:a16="http://schemas.microsoft.com/office/drawing/2014/main" id="{B986F7D5-8D18-3C80-8F35-9D0CB43E77A5}"/>
               </a:ext>
             </a:extLst>
           </p:cNvPr>
-          <p:cNvSpPr>
-            <a:spLocks noGrp="1"/>
-          </p:cNvSpPr>
+          <p:cNvGraphicFramePr>
+            <a:graphicFrameLocks noGrp="1"/>
+          </p:cNvGraphicFramePr>
           <p:nvPr>
-            <p:ph type="subTitle" idx="1"/>
+            <p:extLst>
+              <p:ext uri="{D42A27DB-BD31-4B8C-83A1-F6EECF244321}">
+                <p14:modId xmlns:p14="http://schemas.microsoft.com/office/powerpoint/2010/main" val="1290589114"/>
+              </p:ext>
+            </p:extLst>
           </p:nvPr>
-        </p:nvSpPr>
-        <p:spPr/>
-        <p:txBody>
-          <a:bodyPr/>
-          <a:lstStyle/>
-          <a:p>
-            <a:endParaRPr lang="en-JP"/>
-          </a:p>
-        </p:txBody>
-      </p:sp>
+        </p:nvGraphicFramePr>
+        <p:xfrm>
+          <a:off x="838200" y="1690688"/>
+          <a:ext cx="5140569" cy="2633100"/>
+        </p:xfrm>
+        <a:graphic>
+          <a:graphicData uri="http://schemas.openxmlformats.org/drawingml/2006/table">
+            <a:tbl>
+              <a:tblPr firstRow="1" bandRow="1">
+                <a:tableStyleId>{5C22544A-7EE6-4342-B048-85BDC9FD1C3A}</a:tableStyleId>
+              </a:tblPr>
+              <a:tblGrid>
+                <a:gridCol w="734367">
+                  <a:extLst>
+                    <a:ext uri="{9D8B030D-6E8A-4147-A177-3AD203B41FA5}">
+                      <a16:colId xmlns:a16="http://schemas.microsoft.com/office/drawing/2014/main" val="2557311432"/>
+                    </a:ext>
+                  </a:extLst>
+                </a:gridCol>
+                <a:gridCol w="734367">
+                  <a:extLst>
+                    <a:ext uri="{9D8B030D-6E8A-4147-A177-3AD203B41FA5}">
+                      <a16:colId xmlns:a16="http://schemas.microsoft.com/office/drawing/2014/main" val="2150024621"/>
+                    </a:ext>
+                  </a:extLst>
+                </a:gridCol>
+                <a:gridCol w="734367">
+                  <a:extLst>
+                    <a:ext uri="{9D8B030D-6E8A-4147-A177-3AD203B41FA5}">
+                      <a16:colId xmlns:a16="http://schemas.microsoft.com/office/drawing/2014/main" val="4159826272"/>
+                    </a:ext>
+                  </a:extLst>
+                </a:gridCol>
+                <a:gridCol w="734367">
+                  <a:extLst>
+                    <a:ext uri="{9D8B030D-6E8A-4147-A177-3AD203B41FA5}">
+                      <a16:colId xmlns:a16="http://schemas.microsoft.com/office/drawing/2014/main" val="643593186"/>
+                    </a:ext>
+                  </a:extLst>
+                </a:gridCol>
+                <a:gridCol w="2203101">
+                  <a:extLst>
+                    <a:ext uri="{9D8B030D-6E8A-4147-A177-3AD203B41FA5}">
+                      <a16:colId xmlns:a16="http://schemas.microsoft.com/office/drawing/2014/main" val="3847101698"/>
+                    </a:ext>
+                  </a:extLst>
+                </a:gridCol>
+              </a:tblGrid>
+              <a:tr h="429675">
+                <a:tc gridSpan="5">
+                  <a:txBody>
+                    <a:bodyPr/>
+                    <a:lstStyle/>
+                    <a:p>
+                      <a:r>
+                        <a:rPr lang="en-JP" dirty="0"/>
+                        <a:t>November</a:t>
+                      </a:r>
+                    </a:p>
+                  </a:txBody>
+                  <a:tcPr/>
+                </a:tc>
+                <a:tc hMerge="1">
+                  <a:txBody>
+                    <a:bodyPr/>
+                    <a:lstStyle/>
+                    <a:p>
+                      <a:endParaRPr lang="en-JP" dirty="0"/>
+                    </a:p>
+                  </a:txBody>
+                  <a:tcPr/>
+                </a:tc>
+                <a:tc hMerge="1">
+                  <a:txBody>
+                    <a:bodyPr/>
+                    <a:lstStyle/>
+                    <a:p>
+                      <a:endParaRPr lang="en-JP" dirty="0"/>
+                    </a:p>
+                  </a:txBody>
+                  <a:tcPr/>
+                </a:tc>
+                <a:tc hMerge="1">
+                  <a:txBody>
+                    <a:bodyPr/>
+                    <a:lstStyle/>
+                    <a:p>
+                      <a:endParaRPr lang="en-JP" dirty="0"/>
+                    </a:p>
+                  </a:txBody>
+                  <a:tcPr/>
+                </a:tc>
+                <a:tc hMerge="1">
+                  <a:txBody>
+                    <a:bodyPr/>
+                    <a:lstStyle/>
+                    <a:p>
+                      <a:endParaRPr lang="en-JP" dirty="0"/>
+                    </a:p>
+                  </a:txBody>
+                  <a:tcPr/>
+                </a:tc>
+                <a:extLst>
+                  <a:ext uri="{0D108BD9-81ED-4DB2-BD59-A6C34878D82A}">
+                    <a16:rowId xmlns:a16="http://schemas.microsoft.com/office/drawing/2014/main" val="352382496"/>
+                  </a:ext>
+                </a:extLst>
+              </a:tr>
+              <a:tr h="912020">
+                <a:tc>
+                  <a:txBody>
+                    <a:bodyPr/>
+                    <a:lstStyle/>
+                    <a:p>
+                      <a:endParaRPr lang="en-JP" dirty="0"/>
+                    </a:p>
+                  </a:txBody>
+                  <a:tcPr/>
+                </a:tc>
+                <a:tc>
+                  <a:txBody>
+                    <a:bodyPr/>
+                    <a:lstStyle/>
+                    <a:p>
+                      <a:endParaRPr lang="en-JP" dirty="0"/>
+                    </a:p>
+                  </a:txBody>
+                  <a:tcPr/>
+                </a:tc>
+                <a:tc>
+                  <a:txBody>
+                    <a:bodyPr/>
+                    <a:lstStyle/>
+                    <a:p>
+                      <a:endParaRPr lang="en-JP"/>
+                    </a:p>
+                  </a:txBody>
+                  <a:tcPr/>
+                </a:tc>
+                <a:tc>
+                  <a:txBody>
+                    <a:bodyPr/>
+                    <a:lstStyle/>
+                    <a:p>
+                      <a:r>
+                        <a:rPr lang="en-JP" dirty="0"/>
+                        <a:t>Now</a:t>
+                      </a:r>
+                    </a:p>
+                  </a:txBody>
+                  <a:tcPr/>
+                </a:tc>
+                <a:tc>
+                  <a:txBody>
+                    <a:bodyPr/>
+                    <a:lstStyle/>
+                    <a:p>
+                      <a:r>
+                        <a:rPr lang="en-JP" dirty="0"/>
+                        <a:t>Dataset and Research Plan Finalization</a:t>
+                      </a:r>
+                    </a:p>
+                  </a:txBody>
+                  <a:tcPr/>
+                </a:tc>
+                <a:extLst>
+                  <a:ext uri="{0D108BD9-81ED-4DB2-BD59-A6C34878D82A}">
+                    <a16:rowId xmlns:a16="http://schemas.microsoft.com/office/drawing/2014/main" val="3470578414"/>
+                  </a:ext>
+                </a:extLst>
+              </a:tr>
+              <a:tr h="429675">
+                <a:tc gridSpan="5">
+                  <a:txBody>
+                    <a:bodyPr/>
+                    <a:lstStyle/>
+                    <a:p>
+                      <a:r>
+                        <a:rPr lang="en-JP" dirty="0"/>
+                        <a:t>Data Collection</a:t>
+                      </a:r>
+                    </a:p>
+                  </a:txBody>
+                  <a:tcPr/>
+                </a:tc>
+                <a:tc hMerge="1">
+                  <a:txBody>
+                    <a:bodyPr/>
+                    <a:lstStyle/>
+                    <a:p>
+                      <a:endParaRPr lang="en-JP" dirty="0"/>
+                    </a:p>
+                  </a:txBody>
+                  <a:tcPr/>
+                </a:tc>
+                <a:tc hMerge="1">
+                  <a:txBody>
+                    <a:bodyPr/>
+                    <a:lstStyle/>
+                    <a:p>
+                      <a:endParaRPr lang="en-JP" dirty="0"/>
+                    </a:p>
+                  </a:txBody>
+                  <a:tcPr/>
+                </a:tc>
+                <a:tc hMerge="1">
+                  <a:txBody>
+                    <a:bodyPr/>
+                    <a:lstStyle/>
+                    <a:p>
+                      <a:endParaRPr lang="en-JP" dirty="0"/>
+                    </a:p>
+                  </a:txBody>
+                  <a:tcPr/>
+                </a:tc>
+                <a:tc hMerge="1">
+                  <a:txBody>
+                    <a:bodyPr/>
+                    <a:lstStyle/>
+                    <a:p>
+                      <a:endParaRPr lang="en-JP" dirty="0"/>
+                    </a:p>
+                  </a:txBody>
+                  <a:tcPr/>
+                </a:tc>
+                <a:extLst>
+                  <a:ext uri="{0D108BD9-81ED-4DB2-BD59-A6C34878D82A}">
+                    <a16:rowId xmlns:a16="http://schemas.microsoft.com/office/drawing/2014/main" val="1823238398"/>
+                  </a:ext>
+                </a:extLst>
+              </a:tr>
+              <a:tr h="429675">
+                <a:tc gridSpan="5">
+                  <a:txBody>
+                    <a:bodyPr/>
+                    <a:lstStyle/>
+                    <a:p>
+                      <a:r>
+                        <a:rPr lang="en-JP" dirty="0"/>
+                        <a:t>Training</a:t>
+                      </a:r>
+                    </a:p>
+                  </a:txBody>
+                  <a:tcPr/>
+                </a:tc>
+                <a:tc hMerge="1">
+                  <a:txBody>
+                    <a:bodyPr/>
+                    <a:lstStyle/>
+                    <a:p>
+                      <a:endParaRPr lang="en-JP" dirty="0"/>
+                    </a:p>
+                  </a:txBody>
+                  <a:tcPr/>
+                </a:tc>
+                <a:tc hMerge="1">
+                  <a:txBody>
+                    <a:bodyPr/>
+                    <a:lstStyle/>
+                    <a:p>
+                      <a:endParaRPr lang="en-JP" dirty="0"/>
+                    </a:p>
+                  </a:txBody>
+                  <a:tcPr/>
+                </a:tc>
+                <a:tc hMerge="1">
+                  <a:txBody>
+                    <a:bodyPr/>
+                    <a:lstStyle/>
+                    <a:p>
+                      <a:endParaRPr lang="en-JP" dirty="0"/>
+                    </a:p>
+                  </a:txBody>
+                  <a:tcPr/>
+                </a:tc>
+                <a:tc hMerge="1">
+                  <a:txBody>
+                    <a:bodyPr/>
+                    <a:lstStyle/>
+                    <a:p>
+                      <a:endParaRPr lang="en-JP" dirty="0"/>
+                    </a:p>
+                  </a:txBody>
+                  <a:tcPr/>
+                </a:tc>
+                <a:extLst>
+                  <a:ext uri="{0D108BD9-81ED-4DB2-BD59-A6C34878D82A}">
+                    <a16:rowId xmlns:a16="http://schemas.microsoft.com/office/drawing/2014/main" val="1378180629"/>
+                  </a:ext>
+                </a:extLst>
+              </a:tr>
+              <a:tr h="429675">
+                <a:tc gridSpan="5">
+                  <a:txBody>
+                    <a:bodyPr/>
+                    <a:lstStyle/>
+                    <a:p>
+                      <a:r>
+                        <a:rPr lang="en-JP" dirty="0"/>
+                        <a:t>Results Preparation</a:t>
+                      </a:r>
+                    </a:p>
+                  </a:txBody>
+                  <a:tcPr/>
+                </a:tc>
+                <a:tc hMerge="1">
+                  <a:txBody>
+                    <a:bodyPr/>
+                    <a:lstStyle/>
+                    <a:p>
+                      <a:endParaRPr lang="en-JP" dirty="0"/>
+                    </a:p>
+                  </a:txBody>
+                  <a:tcPr/>
+                </a:tc>
+                <a:tc hMerge="1">
+                  <a:txBody>
+                    <a:bodyPr/>
+                    <a:lstStyle/>
+                    <a:p>
+                      <a:endParaRPr lang="en-JP" dirty="0"/>
+                    </a:p>
+                  </a:txBody>
+                  <a:tcPr/>
+                </a:tc>
+                <a:tc hMerge="1">
+                  <a:txBody>
+                    <a:bodyPr/>
+                    <a:lstStyle/>
+                    <a:p>
+                      <a:endParaRPr lang="en-JP" dirty="0"/>
+                    </a:p>
+                  </a:txBody>
+                  <a:tcPr/>
+                </a:tc>
+                <a:tc hMerge="1">
+                  <a:txBody>
+                    <a:bodyPr/>
+                    <a:lstStyle/>
+                    <a:p>
+                      <a:endParaRPr lang="en-JP" dirty="0"/>
+                    </a:p>
+                  </a:txBody>
+                  <a:tcPr/>
+                </a:tc>
+                <a:extLst>
+                  <a:ext uri="{0D108BD9-81ED-4DB2-BD59-A6C34878D82A}">
+                    <a16:rowId xmlns:a16="http://schemas.microsoft.com/office/drawing/2014/main" val="2339328884"/>
+                  </a:ext>
+                </a:extLst>
+              </a:tr>
+            </a:tbl>
+          </a:graphicData>
+        </a:graphic>
+      </p:graphicFrame>
+      <p:graphicFrame>
+        <p:nvGraphicFramePr>
+          <p:cNvPr id="11" name="Table 10">
+            <a:extLst>
+              <a:ext uri="{FF2B5EF4-FFF2-40B4-BE49-F238E27FC236}">
+                <a16:creationId xmlns:a16="http://schemas.microsoft.com/office/drawing/2014/main" id="{9518963F-FA4E-68D1-4965-10EB6BD9BE5E}"/>
+              </a:ext>
+            </a:extLst>
+          </p:cNvPr>
+          <p:cNvGraphicFramePr>
+            <a:graphicFrameLocks noGrp="1"/>
+          </p:cNvGraphicFramePr>
+          <p:nvPr>
+            <p:extLst>
+              <p:ext uri="{D42A27DB-BD31-4B8C-83A1-F6EECF244321}">
+                <p14:modId xmlns:p14="http://schemas.microsoft.com/office/powerpoint/2010/main" val="2373799059"/>
+              </p:ext>
+            </p:extLst>
+          </p:nvPr>
+        </p:nvGraphicFramePr>
+        <p:xfrm>
+          <a:off x="5083513" y="3315547"/>
+          <a:ext cx="4682069" cy="2630720"/>
+        </p:xfrm>
+        <a:graphic>
+          <a:graphicData uri="http://schemas.openxmlformats.org/drawingml/2006/table">
+            <a:tbl>
+              <a:tblPr firstRow="1" bandRow="1">
+                <a:tableStyleId>{5C22544A-7EE6-4342-B048-85BDC9FD1C3A}</a:tableStyleId>
+              </a:tblPr>
+              <a:tblGrid>
+                <a:gridCol w="668867">
+                  <a:extLst>
+                    <a:ext uri="{9D8B030D-6E8A-4147-A177-3AD203B41FA5}">
+                      <a16:colId xmlns:a16="http://schemas.microsoft.com/office/drawing/2014/main" val="2557311432"/>
+                    </a:ext>
+                  </a:extLst>
+                </a:gridCol>
+                <a:gridCol w="668867">
+                  <a:extLst>
+                    <a:ext uri="{9D8B030D-6E8A-4147-A177-3AD203B41FA5}">
+                      <a16:colId xmlns:a16="http://schemas.microsoft.com/office/drawing/2014/main" val="2150024621"/>
+                    </a:ext>
+                  </a:extLst>
+                </a:gridCol>
+                <a:gridCol w="668867">
+                  <a:extLst>
+                    <a:ext uri="{9D8B030D-6E8A-4147-A177-3AD203B41FA5}">
+                      <a16:colId xmlns:a16="http://schemas.microsoft.com/office/drawing/2014/main" val="4159826272"/>
+                    </a:ext>
+                  </a:extLst>
+                </a:gridCol>
+                <a:gridCol w="668867">
+                  <a:extLst>
+                    <a:ext uri="{9D8B030D-6E8A-4147-A177-3AD203B41FA5}">
+                      <a16:colId xmlns:a16="http://schemas.microsoft.com/office/drawing/2014/main" val="643593186"/>
+                    </a:ext>
+                  </a:extLst>
+                </a:gridCol>
+                <a:gridCol w="668867">
+                  <a:extLst>
+                    <a:ext uri="{9D8B030D-6E8A-4147-A177-3AD203B41FA5}">
+                      <a16:colId xmlns:a16="http://schemas.microsoft.com/office/drawing/2014/main" val="3847101698"/>
+                    </a:ext>
+                  </a:extLst>
+                </a:gridCol>
+                <a:gridCol w="668867">
+                  <a:extLst>
+                    <a:ext uri="{9D8B030D-6E8A-4147-A177-3AD203B41FA5}">
+                      <a16:colId xmlns:a16="http://schemas.microsoft.com/office/drawing/2014/main" val="1371678076"/>
+                    </a:ext>
+                  </a:extLst>
+                </a:gridCol>
+                <a:gridCol w="668867">
+                  <a:extLst>
+                    <a:ext uri="{9D8B030D-6E8A-4147-A177-3AD203B41FA5}">
+                      <a16:colId xmlns:a16="http://schemas.microsoft.com/office/drawing/2014/main" val="1492863594"/>
+                    </a:ext>
+                  </a:extLst>
+                </a:gridCol>
+              </a:tblGrid>
+              <a:tr h="526144">
+                <a:tc gridSpan="7">
+                  <a:txBody>
+                    <a:bodyPr/>
+                    <a:lstStyle/>
+                    <a:p>
+                      <a:r>
+                        <a:rPr lang="en-JP" dirty="0"/>
+                        <a:t>December</a:t>
+                      </a:r>
+                    </a:p>
+                  </a:txBody>
+                  <a:tcPr/>
+                </a:tc>
+                <a:tc hMerge="1">
+                  <a:txBody>
+                    <a:bodyPr/>
+                    <a:lstStyle/>
+                    <a:p>
+                      <a:endParaRPr lang="en-JP" dirty="0"/>
+                    </a:p>
+                  </a:txBody>
+                  <a:tcPr/>
+                </a:tc>
+                <a:tc hMerge="1">
+                  <a:txBody>
+                    <a:bodyPr/>
+                    <a:lstStyle/>
+                    <a:p>
+                      <a:endParaRPr lang="en-JP" dirty="0"/>
+                    </a:p>
+                  </a:txBody>
+                  <a:tcPr/>
+                </a:tc>
+                <a:tc hMerge="1">
+                  <a:txBody>
+                    <a:bodyPr/>
+                    <a:lstStyle/>
+                    <a:p>
+                      <a:endParaRPr lang="en-JP" dirty="0"/>
+                    </a:p>
+                  </a:txBody>
+                  <a:tcPr/>
+                </a:tc>
+                <a:tc hMerge="1">
+                  <a:txBody>
+                    <a:bodyPr/>
+                    <a:lstStyle/>
+                    <a:p>
+                      <a:endParaRPr lang="en-JP" dirty="0"/>
+                    </a:p>
+                  </a:txBody>
+                  <a:tcPr/>
+                </a:tc>
+                <a:tc hMerge="1">
+                  <a:txBody>
+                    <a:bodyPr/>
+                    <a:lstStyle/>
+                    <a:p>
+                      <a:endParaRPr lang="en-JP" dirty="0"/>
+                    </a:p>
+                  </a:txBody>
+                  <a:tcPr/>
+                </a:tc>
+                <a:tc hMerge="1">
+                  <a:txBody>
+                    <a:bodyPr/>
+                    <a:lstStyle/>
+                    <a:p>
+                      <a:endParaRPr lang="en-JP" dirty="0"/>
+                    </a:p>
+                  </a:txBody>
+                  <a:tcPr/>
+                </a:tc>
+                <a:extLst>
+                  <a:ext uri="{0D108BD9-81ED-4DB2-BD59-A6C34878D82A}">
+                    <a16:rowId xmlns:a16="http://schemas.microsoft.com/office/drawing/2014/main" val="352382496"/>
+                  </a:ext>
+                </a:extLst>
+              </a:tr>
+              <a:tr h="526144">
+                <a:tc>
+                  <a:txBody>
+                    <a:bodyPr/>
+                    <a:lstStyle/>
+                    <a:p>
+                      <a:endParaRPr lang="en-JP"/>
+                    </a:p>
+                  </a:txBody>
+                  <a:tcPr/>
+                </a:tc>
+                <a:tc>
+                  <a:txBody>
+                    <a:bodyPr/>
+                    <a:lstStyle/>
+                    <a:p>
+                      <a:endParaRPr lang="en-JP"/>
+                    </a:p>
+                  </a:txBody>
+                  <a:tcPr/>
+                </a:tc>
+                <a:tc>
+                  <a:txBody>
+                    <a:bodyPr/>
+                    <a:lstStyle/>
+                    <a:p>
+                      <a:endParaRPr lang="en-JP"/>
+                    </a:p>
+                  </a:txBody>
+                  <a:tcPr/>
+                </a:tc>
+                <a:tc>
+                  <a:txBody>
+                    <a:bodyPr/>
+                    <a:lstStyle/>
+                    <a:p>
+                      <a:endParaRPr lang="en-JP"/>
+                    </a:p>
+                  </a:txBody>
+                  <a:tcPr/>
+                </a:tc>
+                <a:tc>
+                  <a:txBody>
+                    <a:bodyPr/>
+                    <a:lstStyle/>
+                    <a:p>
+                      <a:endParaRPr lang="en-JP"/>
+                    </a:p>
+                  </a:txBody>
+                  <a:tcPr/>
+                </a:tc>
+                <a:tc>
+                  <a:txBody>
+                    <a:bodyPr/>
+                    <a:lstStyle/>
+                    <a:p>
+                      <a:endParaRPr lang="en-JP"/>
+                    </a:p>
+                  </a:txBody>
+                  <a:tcPr/>
+                </a:tc>
+                <a:tc>
+                  <a:txBody>
+                    <a:bodyPr/>
+                    <a:lstStyle/>
+                    <a:p>
+                      <a:endParaRPr lang="en-JP"/>
+                    </a:p>
+                  </a:txBody>
+                  <a:tcPr/>
+                </a:tc>
+                <a:extLst>
+                  <a:ext uri="{0D108BD9-81ED-4DB2-BD59-A6C34878D82A}">
+                    <a16:rowId xmlns:a16="http://schemas.microsoft.com/office/drawing/2014/main" val="3470578414"/>
+                  </a:ext>
+                </a:extLst>
+              </a:tr>
+              <a:tr h="526144">
+                <a:tc>
+                  <a:txBody>
+                    <a:bodyPr/>
+                    <a:lstStyle/>
+                    <a:p>
+                      <a:endParaRPr lang="en-JP"/>
+                    </a:p>
+                  </a:txBody>
+                  <a:tcPr/>
+                </a:tc>
+                <a:tc>
+                  <a:txBody>
+                    <a:bodyPr/>
+                    <a:lstStyle/>
+                    <a:p>
+                      <a:endParaRPr lang="en-JP"/>
+                    </a:p>
+                  </a:txBody>
+                  <a:tcPr/>
+                </a:tc>
+                <a:tc>
+                  <a:txBody>
+                    <a:bodyPr/>
+                    <a:lstStyle/>
+                    <a:p>
+                      <a:endParaRPr lang="en-JP"/>
+                    </a:p>
+                  </a:txBody>
+                  <a:tcPr/>
+                </a:tc>
+                <a:tc>
+                  <a:txBody>
+                    <a:bodyPr/>
+                    <a:lstStyle/>
+                    <a:p>
+                      <a:endParaRPr lang="en-JP"/>
+                    </a:p>
+                  </a:txBody>
+                  <a:tcPr/>
+                </a:tc>
+                <a:tc>
+                  <a:txBody>
+                    <a:bodyPr/>
+                    <a:lstStyle/>
+                    <a:p>
+                      <a:endParaRPr lang="en-JP"/>
+                    </a:p>
+                  </a:txBody>
+                  <a:tcPr/>
+                </a:tc>
+                <a:tc>
+                  <a:txBody>
+                    <a:bodyPr/>
+                    <a:lstStyle/>
+                    <a:p>
+                      <a:endParaRPr lang="en-JP"/>
+                    </a:p>
+                  </a:txBody>
+                  <a:tcPr/>
+                </a:tc>
+                <a:tc>
+                  <a:txBody>
+                    <a:bodyPr/>
+                    <a:lstStyle/>
+                    <a:p>
+                      <a:endParaRPr lang="en-JP"/>
+                    </a:p>
+                  </a:txBody>
+                  <a:tcPr/>
+                </a:tc>
+                <a:extLst>
+                  <a:ext uri="{0D108BD9-81ED-4DB2-BD59-A6C34878D82A}">
+                    <a16:rowId xmlns:a16="http://schemas.microsoft.com/office/drawing/2014/main" val="1823238398"/>
+                  </a:ext>
+                </a:extLst>
+              </a:tr>
+              <a:tr h="526144">
+                <a:tc>
+                  <a:txBody>
+                    <a:bodyPr/>
+                    <a:lstStyle/>
+                    <a:p>
+                      <a:endParaRPr lang="en-JP"/>
+                    </a:p>
+                  </a:txBody>
+                  <a:tcPr/>
+                </a:tc>
+                <a:tc>
+                  <a:txBody>
+                    <a:bodyPr/>
+                    <a:lstStyle/>
+                    <a:p>
+                      <a:endParaRPr lang="en-JP"/>
+                    </a:p>
+                  </a:txBody>
+                  <a:tcPr/>
+                </a:tc>
+                <a:tc>
+                  <a:txBody>
+                    <a:bodyPr/>
+                    <a:lstStyle/>
+                    <a:p>
+                      <a:endParaRPr lang="en-JP"/>
+                    </a:p>
+                  </a:txBody>
+                  <a:tcPr/>
+                </a:tc>
+                <a:tc>
+                  <a:txBody>
+                    <a:bodyPr/>
+                    <a:lstStyle/>
+                    <a:p>
+                      <a:endParaRPr lang="en-JP"/>
+                    </a:p>
+                  </a:txBody>
+                  <a:tcPr/>
+                </a:tc>
+                <a:tc>
+                  <a:txBody>
+                    <a:bodyPr/>
+                    <a:lstStyle/>
+                    <a:p>
+                      <a:endParaRPr lang="en-JP"/>
+                    </a:p>
+                  </a:txBody>
+                  <a:tcPr/>
+                </a:tc>
+                <a:tc>
+                  <a:txBody>
+                    <a:bodyPr/>
+                    <a:lstStyle/>
+                    <a:p>
+                      <a:endParaRPr lang="en-JP"/>
+                    </a:p>
+                  </a:txBody>
+                  <a:tcPr/>
+                </a:tc>
+                <a:tc>
+                  <a:txBody>
+                    <a:bodyPr/>
+                    <a:lstStyle/>
+                    <a:p>
+                      <a:endParaRPr lang="en-JP"/>
+                    </a:p>
+                  </a:txBody>
+                  <a:tcPr/>
+                </a:tc>
+                <a:extLst>
+                  <a:ext uri="{0D108BD9-81ED-4DB2-BD59-A6C34878D82A}">
+                    <a16:rowId xmlns:a16="http://schemas.microsoft.com/office/drawing/2014/main" val="1378180629"/>
+                  </a:ext>
+                </a:extLst>
+              </a:tr>
+              <a:tr h="526144">
+                <a:tc>
+                  <a:txBody>
+                    <a:bodyPr/>
+                    <a:lstStyle/>
+                    <a:p>
+                      <a:endParaRPr lang="en-JP"/>
+                    </a:p>
+                  </a:txBody>
+                  <a:tcPr/>
+                </a:tc>
+                <a:tc>
+                  <a:txBody>
+                    <a:bodyPr/>
+                    <a:lstStyle/>
+                    <a:p>
+                      <a:endParaRPr lang="en-JP"/>
+                    </a:p>
+                  </a:txBody>
+                  <a:tcPr/>
+                </a:tc>
+                <a:tc>
+                  <a:txBody>
+                    <a:bodyPr/>
+                    <a:lstStyle/>
+                    <a:p>
+                      <a:endParaRPr lang="en-JP"/>
+                    </a:p>
+                  </a:txBody>
+                  <a:tcPr/>
+                </a:tc>
+                <a:tc>
+                  <a:txBody>
+                    <a:bodyPr/>
+                    <a:lstStyle/>
+                    <a:p>
+                      <a:endParaRPr lang="en-JP" dirty="0"/>
+                    </a:p>
+                  </a:txBody>
+                  <a:tcPr/>
+                </a:tc>
+                <a:tc>
+                  <a:txBody>
+                    <a:bodyPr/>
+                    <a:lstStyle/>
+                    <a:p>
+                      <a:endParaRPr lang="en-JP"/>
+                    </a:p>
+                  </a:txBody>
+                  <a:tcPr/>
+                </a:tc>
+                <a:tc>
+                  <a:txBody>
+                    <a:bodyPr/>
+                    <a:lstStyle/>
+                    <a:p>
+                      <a:endParaRPr lang="en-JP"/>
+                    </a:p>
+                  </a:txBody>
+                  <a:tcPr/>
+                </a:tc>
+                <a:tc>
+                  <a:txBody>
+                    <a:bodyPr/>
+                    <a:lstStyle/>
+                    <a:p>
+                      <a:endParaRPr lang="en-JP" dirty="0"/>
+                    </a:p>
+                  </a:txBody>
+                  <a:tcPr/>
+                </a:tc>
+                <a:extLst>
+                  <a:ext uri="{0D108BD9-81ED-4DB2-BD59-A6C34878D82A}">
+                    <a16:rowId xmlns:a16="http://schemas.microsoft.com/office/drawing/2014/main" val="2339328884"/>
+                  </a:ext>
+                </a:extLst>
+              </a:tr>
+            </a:tbl>
+          </a:graphicData>
+        </a:graphic>
+      </p:graphicFrame>
     </p:spTree>
     <p:extLst>
       <p:ext uri="{BB962C8B-B14F-4D97-AF65-F5344CB8AC3E}">
-        <p14:creationId xmlns:p14="http://schemas.microsoft.com/office/powerpoint/2010/main" val="4047477911"/>
+        <p14:creationId xmlns:p14="http://schemas.microsoft.com/office/powerpoint/2010/main" val="899095211"/>
       </p:ext>
     </p:extLst>
   </p:cSld>
@@ -3419,6 +7619,852 @@
 </file>
 
 <file path=ppt/slides/slide2.xml><?xml version="1.0" encoding="utf-8"?>
+<p:sld xmlns:a="http://schemas.openxmlformats.org/drawingml/2006/main" xmlns:r="http://schemas.openxmlformats.org/officeDocument/2006/relationships" xmlns:p="http://schemas.openxmlformats.org/presentationml/2006/main">
+  <p:cSld>
+    <p:bg>
+      <p:bgPr>
+        <a:solidFill>
+          <a:schemeClr val="bg1"/>
+        </a:solidFill>
+        <a:effectLst/>
+      </p:bgPr>
+    </p:bg>
+    <p:spTree>
+      <p:nvGrpSpPr>
+        <p:cNvPr id="1" name="">
+          <a:extLst>
+            <a:ext uri="{FF2B5EF4-FFF2-40B4-BE49-F238E27FC236}">
+              <a16:creationId xmlns:a16="http://schemas.microsoft.com/office/drawing/2014/main" id="{CB687383-7C1D-AAD8-61E1-EBEE71C4C4DD}"/>
+            </a:ext>
+          </a:extLst>
+        </p:cNvPr>
+        <p:cNvGrpSpPr/>
+        <p:nvPr/>
+      </p:nvGrpSpPr>
+      <p:grpSpPr>
+        <a:xfrm>
+          <a:off x="0" y="0"/>
+          <a:ext cx="0" cy="0"/>
+          <a:chOff x="0" y="0"/>
+          <a:chExt cx="0" cy="0"/>
+        </a:xfrm>
+      </p:grpSpPr>
+      <p:sp useBgFill="1">
+        <p:nvSpPr>
+          <p:cNvPr id="8" name="Rectangle 7">
+            <a:extLst>
+              <a:ext uri="{FF2B5EF4-FFF2-40B4-BE49-F238E27FC236}">
+                <a16:creationId xmlns:a16="http://schemas.microsoft.com/office/drawing/2014/main" id="{2E49C70D-B6E9-32D9-8A75-D992F4A2D48D}"/>
+              </a:ext>
+              <a:ext uri="{C183D7F6-B498-43B3-948B-1728B52AA6E4}">
+                <adec:decorative xmlns:adec="http://schemas.microsoft.com/office/drawing/2017/decorative" val="1"/>
+              </a:ext>
+            </a:extLst>
+          </p:cNvPr>
+          <p:cNvSpPr>
+            <a:spLocks noGrp="1" noRot="1" noChangeAspect="1" noMove="1" noResize="1" noEditPoints="1" noAdjustHandles="1" noChangeArrowheads="1" noChangeShapeType="1" noTextEdit="1"/>
+          </p:cNvSpPr>
+          <p:nvPr>
+            <p:extLst>
+              <p:ext uri="{386F3935-93C4-4BCD-93E2-E3B085C9AB24}">
+                <p16:designElem xmlns:p16="http://schemas.microsoft.com/office/powerpoint/2015/main" val="1"/>
+              </p:ext>
+            </p:extLst>
+          </p:nvPr>
+        </p:nvSpPr>
+        <p:spPr>
+          <a:xfrm>
+            <a:off x="0" y="0"/>
+            <a:ext cx="12188952" cy="6858000"/>
+          </a:xfrm>
+          <a:prstGeom prst="rect">
+            <a:avLst/>
+          </a:prstGeom>
+          <a:ln>
+            <a:noFill/>
+          </a:ln>
+        </p:spPr>
+        <p:style>
+          <a:lnRef idx="2">
+            <a:schemeClr val="accent1">
+              <a:shade val="50000"/>
+            </a:schemeClr>
+          </a:lnRef>
+          <a:fillRef idx="1">
+            <a:schemeClr val="accent1"/>
+          </a:fillRef>
+          <a:effectRef idx="0">
+            <a:schemeClr val="accent1"/>
+          </a:effectRef>
+          <a:fontRef idx="minor">
+            <a:schemeClr val="lt1"/>
+          </a:fontRef>
+        </p:style>
+        <p:txBody>
+          <a:bodyPr rtlCol="0" anchor="ctr"/>
+          <a:lstStyle/>
+          <a:p>
+            <a:pPr algn="ctr"/>
+            <a:endParaRPr lang="en-US"/>
+          </a:p>
+        </p:txBody>
+      </p:sp>
+      <p:sp>
+        <p:nvSpPr>
+          <p:cNvPr id="2" name="Title 1">
+            <a:extLst>
+              <a:ext uri="{FF2B5EF4-FFF2-40B4-BE49-F238E27FC236}">
+                <a16:creationId xmlns:a16="http://schemas.microsoft.com/office/drawing/2014/main" id="{8EE6C572-E00A-227B-8E85-90E223557B98}"/>
+              </a:ext>
+            </a:extLst>
+          </p:cNvPr>
+          <p:cNvSpPr>
+            <a:spLocks noGrp="1"/>
+          </p:cNvSpPr>
+          <p:nvPr>
+            <p:ph type="ctrTitle"/>
+          </p:nvPr>
+        </p:nvSpPr>
+        <p:spPr>
+          <a:xfrm>
+            <a:off x="838200" y="365125"/>
+            <a:ext cx="10515600" cy="1325563"/>
+          </a:xfrm>
+        </p:spPr>
+        <p:txBody>
+          <a:bodyPr vert="horz" lIns="91440" tIns="45720" rIns="91440" bIns="45720" rtlCol="0" anchor="ctr">
+            <a:normAutofit/>
+          </a:bodyPr>
+          <a:lstStyle/>
+          <a:p>
+            <a:pPr algn="l"/>
+            <a:r>
+              <a:rPr lang="en-US" sz="5400" b="1" kern="1200" dirty="0">
+                <a:solidFill>
+                  <a:schemeClr val="tx1"/>
+                </a:solidFill>
+                <a:latin typeface="+mj-lt"/>
+                <a:ea typeface="+mj-ea"/>
+                <a:cs typeface="+mj-cs"/>
+              </a:rPr>
+              <a:t>Progress Summary</a:t>
+            </a:r>
+            <a:endParaRPr lang="en-US" sz="5400" kern="1200" dirty="0">
+              <a:solidFill>
+                <a:schemeClr val="tx1"/>
+              </a:solidFill>
+              <a:latin typeface="+mj-lt"/>
+              <a:ea typeface="+mj-ea"/>
+              <a:cs typeface="+mj-cs"/>
+            </a:endParaRPr>
+          </a:p>
+        </p:txBody>
+      </p:sp>
+      <p:sp>
+        <p:nvSpPr>
+          <p:cNvPr id="10" name="sketch line">
+            <a:extLst>
+              <a:ext uri="{FF2B5EF4-FFF2-40B4-BE49-F238E27FC236}">
+                <a16:creationId xmlns:a16="http://schemas.microsoft.com/office/drawing/2014/main" id="{9CF089F6-C861-1FF4-C52C-BF495E6382D6}"/>
+              </a:ext>
+              <a:ext uri="{C183D7F6-B498-43B3-948B-1728B52AA6E4}">
+                <adec:decorative xmlns:adec="http://schemas.microsoft.com/office/drawing/2017/decorative" val="1"/>
+              </a:ext>
+            </a:extLst>
+          </p:cNvPr>
+          <p:cNvSpPr>
+            <a:spLocks noGrp="1" noRot="1" noChangeAspect="1" noMove="1" noResize="1" noEditPoints="1" noAdjustHandles="1" noChangeArrowheads="1" noChangeShapeType="1" noTextEdit="1"/>
+          </p:cNvSpPr>
+          <p:nvPr>
+            <p:extLst>
+              <p:ext uri="{386F3935-93C4-4BCD-93E2-E3B085C9AB24}">
+                <p16:designElem xmlns:p16="http://schemas.microsoft.com/office/powerpoint/2015/main" val="1"/>
+              </p:ext>
+            </p:extLst>
+          </p:nvPr>
+        </p:nvSpPr>
+        <p:spPr>
+          <a:xfrm>
+            <a:off x="669036" y="1677373"/>
+            <a:ext cx="10853928" cy="18288"/>
+          </a:xfrm>
+          <a:custGeom>
+            <a:avLst/>
+            <a:gdLst>
+              <a:gd name="connsiteX0" fmla="*/ 0 w 10853928"/>
+              <a:gd name="connsiteY0" fmla="*/ 0 h 18288"/>
+              <a:gd name="connsiteX1" fmla="*/ 461292 w 10853928"/>
+              <a:gd name="connsiteY1" fmla="*/ 0 h 18288"/>
+              <a:gd name="connsiteX2" fmla="*/ 1139662 w 10853928"/>
+              <a:gd name="connsiteY2" fmla="*/ 0 h 18288"/>
+              <a:gd name="connsiteX3" fmla="*/ 1926572 w 10853928"/>
+              <a:gd name="connsiteY3" fmla="*/ 0 h 18288"/>
+              <a:gd name="connsiteX4" fmla="*/ 2279325 w 10853928"/>
+              <a:gd name="connsiteY4" fmla="*/ 0 h 18288"/>
+              <a:gd name="connsiteX5" fmla="*/ 2632078 w 10853928"/>
+              <a:gd name="connsiteY5" fmla="*/ 0 h 18288"/>
+              <a:gd name="connsiteX6" fmla="*/ 3527527 w 10853928"/>
+              <a:gd name="connsiteY6" fmla="*/ 0 h 18288"/>
+              <a:gd name="connsiteX7" fmla="*/ 4205897 w 10853928"/>
+              <a:gd name="connsiteY7" fmla="*/ 0 h 18288"/>
+              <a:gd name="connsiteX8" fmla="*/ 4558650 w 10853928"/>
+              <a:gd name="connsiteY8" fmla="*/ 0 h 18288"/>
+              <a:gd name="connsiteX9" fmla="*/ 5237020 w 10853928"/>
+              <a:gd name="connsiteY9" fmla="*/ 0 h 18288"/>
+              <a:gd name="connsiteX10" fmla="*/ 6132469 w 10853928"/>
+              <a:gd name="connsiteY10" fmla="*/ 0 h 18288"/>
+              <a:gd name="connsiteX11" fmla="*/ 6702301 w 10853928"/>
+              <a:gd name="connsiteY11" fmla="*/ 0 h 18288"/>
+              <a:gd name="connsiteX12" fmla="*/ 7272132 w 10853928"/>
+              <a:gd name="connsiteY12" fmla="*/ 0 h 18288"/>
+              <a:gd name="connsiteX13" fmla="*/ 7950502 w 10853928"/>
+              <a:gd name="connsiteY13" fmla="*/ 0 h 18288"/>
+              <a:gd name="connsiteX14" fmla="*/ 8737412 w 10853928"/>
+              <a:gd name="connsiteY14" fmla="*/ 0 h 18288"/>
+              <a:gd name="connsiteX15" fmla="*/ 9524322 w 10853928"/>
+              <a:gd name="connsiteY15" fmla="*/ 0 h 18288"/>
+              <a:gd name="connsiteX16" fmla="*/ 10853928 w 10853928"/>
+              <a:gd name="connsiteY16" fmla="*/ 0 h 18288"/>
+              <a:gd name="connsiteX17" fmla="*/ 10853928 w 10853928"/>
+              <a:gd name="connsiteY17" fmla="*/ 18288 h 18288"/>
+              <a:gd name="connsiteX18" fmla="*/ 10392636 w 10853928"/>
+              <a:gd name="connsiteY18" fmla="*/ 18288 h 18288"/>
+              <a:gd name="connsiteX19" fmla="*/ 9497187 w 10853928"/>
+              <a:gd name="connsiteY19" fmla="*/ 18288 h 18288"/>
+              <a:gd name="connsiteX20" fmla="*/ 8818817 w 10853928"/>
+              <a:gd name="connsiteY20" fmla="*/ 18288 h 18288"/>
+              <a:gd name="connsiteX21" fmla="*/ 8466064 w 10853928"/>
+              <a:gd name="connsiteY21" fmla="*/ 18288 h 18288"/>
+              <a:gd name="connsiteX22" fmla="*/ 7787693 w 10853928"/>
+              <a:gd name="connsiteY22" fmla="*/ 18288 h 18288"/>
+              <a:gd name="connsiteX23" fmla="*/ 7217862 w 10853928"/>
+              <a:gd name="connsiteY23" fmla="*/ 18288 h 18288"/>
+              <a:gd name="connsiteX24" fmla="*/ 6648031 w 10853928"/>
+              <a:gd name="connsiteY24" fmla="*/ 18288 h 18288"/>
+              <a:gd name="connsiteX25" fmla="*/ 6078200 w 10853928"/>
+              <a:gd name="connsiteY25" fmla="*/ 18288 h 18288"/>
+              <a:gd name="connsiteX26" fmla="*/ 5508368 w 10853928"/>
+              <a:gd name="connsiteY26" fmla="*/ 18288 h 18288"/>
+              <a:gd name="connsiteX27" fmla="*/ 4721459 w 10853928"/>
+              <a:gd name="connsiteY27" fmla="*/ 18288 h 18288"/>
+              <a:gd name="connsiteX28" fmla="*/ 4043088 w 10853928"/>
+              <a:gd name="connsiteY28" fmla="*/ 18288 h 18288"/>
+              <a:gd name="connsiteX29" fmla="*/ 3690336 w 10853928"/>
+              <a:gd name="connsiteY29" fmla="*/ 18288 h 18288"/>
+              <a:gd name="connsiteX30" fmla="*/ 3120504 w 10853928"/>
+              <a:gd name="connsiteY30" fmla="*/ 18288 h 18288"/>
+              <a:gd name="connsiteX31" fmla="*/ 2333595 w 10853928"/>
+              <a:gd name="connsiteY31" fmla="*/ 18288 h 18288"/>
+              <a:gd name="connsiteX32" fmla="*/ 1872303 w 10853928"/>
+              <a:gd name="connsiteY32" fmla="*/ 18288 h 18288"/>
+              <a:gd name="connsiteX33" fmla="*/ 976854 w 10853928"/>
+              <a:gd name="connsiteY33" fmla="*/ 18288 h 18288"/>
+              <a:gd name="connsiteX34" fmla="*/ 0 w 10853928"/>
+              <a:gd name="connsiteY34" fmla="*/ 18288 h 18288"/>
+              <a:gd name="connsiteX35" fmla="*/ 0 w 10853928"/>
+              <a:gd name="connsiteY35" fmla="*/ 0 h 18288"/>
+            </a:gdLst>
+            <a:ahLst/>
+            <a:cxnLst>
+              <a:cxn ang="0">
+                <a:pos x="connsiteX0" y="connsiteY0"/>
+              </a:cxn>
+              <a:cxn ang="0">
+                <a:pos x="connsiteX1" y="connsiteY1"/>
+              </a:cxn>
+              <a:cxn ang="0">
+                <a:pos x="connsiteX2" y="connsiteY2"/>
+              </a:cxn>
+              <a:cxn ang="0">
+                <a:pos x="connsiteX3" y="connsiteY3"/>
+              </a:cxn>
+              <a:cxn ang="0">
+                <a:pos x="connsiteX4" y="connsiteY4"/>
+              </a:cxn>
+              <a:cxn ang="0">
+                <a:pos x="connsiteX5" y="connsiteY5"/>
+              </a:cxn>
+              <a:cxn ang="0">
+                <a:pos x="connsiteX6" y="connsiteY6"/>
+              </a:cxn>
+              <a:cxn ang="0">
+                <a:pos x="connsiteX7" y="connsiteY7"/>
+              </a:cxn>
+              <a:cxn ang="0">
+                <a:pos x="connsiteX8" y="connsiteY8"/>
+              </a:cxn>
+              <a:cxn ang="0">
+                <a:pos x="connsiteX9" y="connsiteY9"/>
+              </a:cxn>
+              <a:cxn ang="0">
+                <a:pos x="connsiteX10" y="connsiteY10"/>
+              </a:cxn>
+              <a:cxn ang="0">
+                <a:pos x="connsiteX11" y="connsiteY11"/>
+              </a:cxn>
+              <a:cxn ang="0">
+                <a:pos x="connsiteX12" y="connsiteY12"/>
+              </a:cxn>
+              <a:cxn ang="0">
+                <a:pos x="connsiteX13" y="connsiteY13"/>
+              </a:cxn>
+              <a:cxn ang="0">
+                <a:pos x="connsiteX14" y="connsiteY14"/>
+              </a:cxn>
+              <a:cxn ang="0">
+                <a:pos x="connsiteX15" y="connsiteY15"/>
+              </a:cxn>
+              <a:cxn ang="0">
+                <a:pos x="connsiteX16" y="connsiteY16"/>
+              </a:cxn>
+              <a:cxn ang="0">
+                <a:pos x="connsiteX17" y="connsiteY17"/>
+              </a:cxn>
+              <a:cxn ang="0">
+                <a:pos x="connsiteX18" y="connsiteY18"/>
+              </a:cxn>
+              <a:cxn ang="0">
+                <a:pos x="connsiteX19" y="connsiteY19"/>
+              </a:cxn>
+              <a:cxn ang="0">
+                <a:pos x="connsiteX20" y="connsiteY20"/>
+              </a:cxn>
+              <a:cxn ang="0">
+                <a:pos x="connsiteX21" y="connsiteY21"/>
+              </a:cxn>
+              <a:cxn ang="0">
+                <a:pos x="connsiteX22" y="connsiteY22"/>
+              </a:cxn>
+              <a:cxn ang="0">
+                <a:pos x="connsiteX23" y="connsiteY23"/>
+              </a:cxn>
+              <a:cxn ang="0">
+                <a:pos x="connsiteX24" y="connsiteY24"/>
+              </a:cxn>
+              <a:cxn ang="0">
+                <a:pos x="connsiteX25" y="connsiteY25"/>
+              </a:cxn>
+              <a:cxn ang="0">
+                <a:pos x="connsiteX26" y="connsiteY26"/>
+              </a:cxn>
+              <a:cxn ang="0">
+                <a:pos x="connsiteX27" y="connsiteY27"/>
+              </a:cxn>
+              <a:cxn ang="0">
+                <a:pos x="connsiteX28" y="connsiteY28"/>
+              </a:cxn>
+              <a:cxn ang="0">
+                <a:pos x="connsiteX29" y="connsiteY29"/>
+              </a:cxn>
+              <a:cxn ang="0">
+                <a:pos x="connsiteX30" y="connsiteY30"/>
+              </a:cxn>
+              <a:cxn ang="0">
+                <a:pos x="connsiteX31" y="connsiteY31"/>
+              </a:cxn>
+              <a:cxn ang="0">
+                <a:pos x="connsiteX32" y="connsiteY32"/>
+              </a:cxn>
+              <a:cxn ang="0">
+                <a:pos x="connsiteX33" y="connsiteY33"/>
+              </a:cxn>
+              <a:cxn ang="0">
+                <a:pos x="connsiteX34" y="connsiteY34"/>
+              </a:cxn>
+              <a:cxn ang="0">
+                <a:pos x="connsiteX35" y="connsiteY35"/>
+              </a:cxn>
+            </a:cxnLst>
+            <a:rect l="l" t="t" r="r" b="b"/>
+            <a:pathLst>
+              <a:path w="10853928" h="18288" fill="none" extrusionOk="0">
+                <a:moveTo>
+                  <a:pt x="0" y="0"/>
+                </a:moveTo>
+                <a:cubicBezTo>
+                  <a:pt x="146993" y="-19076"/>
+                  <a:pt x="347684" y="-4790"/>
+                  <a:pt x="461292" y="0"/>
+                </a:cubicBezTo>
+                <a:cubicBezTo>
+                  <a:pt x="574900" y="4790"/>
+                  <a:pt x="808367" y="19821"/>
+                  <a:pt x="1139662" y="0"/>
+                </a:cubicBezTo>
+                <a:cubicBezTo>
+                  <a:pt x="1470957" y="-19821"/>
+                  <a:pt x="1627405" y="5721"/>
+                  <a:pt x="1926572" y="0"/>
+                </a:cubicBezTo>
+                <a:cubicBezTo>
+                  <a:pt x="2225739" y="-5721"/>
+                  <a:pt x="2137730" y="-3235"/>
+                  <a:pt x="2279325" y="0"/>
+                </a:cubicBezTo>
+                <a:cubicBezTo>
+                  <a:pt x="2420920" y="3235"/>
+                  <a:pt x="2456518" y="9685"/>
+                  <a:pt x="2632078" y="0"/>
+                </a:cubicBezTo>
+                <a:cubicBezTo>
+                  <a:pt x="2807638" y="-9685"/>
+                  <a:pt x="3211516" y="-43007"/>
+                  <a:pt x="3527527" y="0"/>
+                </a:cubicBezTo>
+                <a:cubicBezTo>
+                  <a:pt x="3843538" y="43007"/>
+                  <a:pt x="4058833" y="22042"/>
+                  <a:pt x="4205897" y="0"/>
+                </a:cubicBezTo>
+                <a:cubicBezTo>
+                  <a:pt x="4352961" y="-22042"/>
+                  <a:pt x="4474805" y="-11846"/>
+                  <a:pt x="4558650" y="0"/>
+                </a:cubicBezTo>
+                <a:cubicBezTo>
+                  <a:pt x="4642495" y="11846"/>
+                  <a:pt x="5041928" y="-6069"/>
+                  <a:pt x="5237020" y="0"/>
+                </a:cubicBezTo>
+                <a:cubicBezTo>
+                  <a:pt x="5432112" y="6069"/>
+                  <a:pt x="5943266" y="-17479"/>
+                  <a:pt x="6132469" y="0"/>
+                </a:cubicBezTo>
+                <a:cubicBezTo>
+                  <a:pt x="6321672" y="17479"/>
+                  <a:pt x="6483872" y="26234"/>
+                  <a:pt x="6702301" y="0"/>
+                </a:cubicBezTo>
+                <a:cubicBezTo>
+                  <a:pt x="6920730" y="-26234"/>
+                  <a:pt x="6991194" y="-15156"/>
+                  <a:pt x="7272132" y="0"/>
+                </a:cubicBezTo>
+                <a:cubicBezTo>
+                  <a:pt x="7553070" y="15156"/>
+                  <a:pt x="7684444" y="-32961"/>
+                  <a:pt x="7950502" y="0"/>
+                </a:cubicBezTo>
+                <a:cubicBezTo>
+                  <a:pt x="8216560" y="32961"/>
+                  <a:pt x="8493290" y="-10491"/>
+                  <a:pt x="8737412" y="0"/>
+                </a:cubicBezTo>
+                <a:cubicBezTo>
+                  <a:pt x="8981534" y="10491"/>
+                  <a:pt x="9191586" y="-13899"/>
+                  <a:pt x="9524322" y="0"/>
+                </a:cubicBezTo>
+                <a:cubicBezTo>
+                  <a:pt x="9857058" y="13899"/>
+                  <a:pt x="10297509" y="7485"/>
+                  <a:pt x="10853928" y="0"/>
+                </a:cubicBezTo>
+                <a:cubicBezTo>
+                  <a:pt x="10854574" y="4451"/>
+                  <a:pt x="10854418" y="9226"/>
+                  <a:pt x="10853928" y="18288"/>
+                </a:cubicBezTo>
+                <a:cubicBezTo>
+                  <a:pt x="10691638" y="28522"/>
+                  <a:pt x="10574319" y="29578"/>
+                  <a:pt x="10392636" y="18288"/>
+                </a:cubicBezTo>
+                <a:cubicBezTo>
+                  <a:pt x="10210953" y="6998"/>
+                  <a:pt x="9836277" y="-16742"/>
+                  <a:pt x="9497187" y="18288"/>
+                </a:cubicBezTo>
+                <a:cubicBezTo>
+                  <a:pt x="9158097" y="53318"/>
+                  <a:pt x="9119479" y="30714"/>
+                  <a:pt x="8818817" y="18288"/>
+                </a:cubicBezTo>
+                <a:cubicBezTo>
+                  <a:pt x="8518155" y="5863"/>
+                  <a:pt x="8640037" y="6483"/>
+                  <a:pt x="8466064" y="18288"/>
+                </a:cubicBezTo>
+                <a:cubicBezTo>
+                  <a:pt x="8292091" y="30093"/>
+                  <a:pt x="7997656" y="18914"/>
+                  <a:pt x="7787693" y="18288"/>
+                </a:cubicBezTo>
+                <a:cubicBezTo>
+                  <a:pt x="7577730" y="17662"/>
+                  <a:pt x="7412468" y="21416"/>
+                  <a:pt x="7217862" y="18288"/>
+                </a:cubicBezTo>
+                <a:cubicBezTo>
+                  <a:pt x="7023256" y="15160"/>
+                  <a:pt x="6898018" y="14824"/>
+                  <a:pt x="6648031" y="18288"/>
+                </a:cubicBezTo>
+                <a:cubicBezTo>
+                  <a:pt x="6398044" y="21752"/>
+                  <a:pt x="6254402" y="38625"/>
+                  <a:pt x="6078200" y="18288"/>
+                </a:cubicBezTo>
+                <a:cubicBezTo>
+                  <a:pt x="5901998" y="-2049"/>
+                  <a:pt x="5622886" y="3213"/>
+                  <a:pt x="5508368" y="18288"/>
+                </a:cubicBezTo>
+                <a:cubicBezTo>
+                  <a:pt x="5393850" y="33363"/>
+                  <a:pt x="5036260" y="26830"/>
+                  <a:pt x="4721459" y="18288"/>
+                </a:cubicBezTo>
+                <a:cubicBezTo>
+                  <a:pt x="4406658" y="9746"/>
+                  <a:pt x="4239221" y="41551"/>
+                  <a:pt x="4043088" y="18288"/>
+                </a:cubicBezTo>
+                <a:cubicBezTo>
+                  <a:pt x="3846955" y="-4975"/>
+                  <a:pt x="3818802" y="34658"/>
+                  <a:pt x="3690336" y="18288"/>
+                </a:cubicBezTo>
+                <a:cubicBezTo>
+                  <a:pt x="3561870" y="1918"/>
+                  <a:pt x="3265491" y="42194"/>
+                  <a:pt x="3120504" y="18288"/>
+                </a:cubicBezTo>
+                <a:cubicBezTo>
+                  <a:pt x="2975517" y="-5618"/>
+                  <a:pt x="2720254" y="36673"/>
+                  <a:pt x="2333595" y="18288"/>
+                </a:cubicBezTo>
+                <a:cubicBezTo>
+                  <a:pt x="1946936" y="-97"/>
+                  <a:pt x="2097241" y="5776"/>
+                  <a:pt x="1872303" y="18288"/>
+                </a:cubicBezTo>
+                <a:cubicBezTo>
+                  <a:pt x="1647365" y="30800"/>
+                  <a:pt x="1282708" y="45380"/>
+                  <a:pt x="976854" y="18288"/>
+                </a:cubicBezTo>
+                <a:cubicBezTo>
+                  <a:pt x="671000" y="-8804"/>
+                  <a:pt x="408401" y="-12775"/>
+                  <a:pt x="0" y="18288"/>
+                </a:cubicBezTo>
+                <a:cubicBezTo>
+                  <a:pt x="-213" y="9468"/>
+                  <a:pt x="187" y="4459"/>
+                  <a:pt x="0" y="0"/>
+                </a:cubicBezTo>
+                <a:close/>
+              </a:path>
+              <a:path w="10853928" h="18288" stroke="0" extrusionOk="0">
+                <a:moveTo>
+                  <a:pt x="0" y="0"/>
+                </a:moveTo>
+                <a:cubicBezTo>
+                  <a:pt x="267322" y="15284"/>
+                  <a:pt x="415388" y="-21048"/>
+                  <a:pt x="569831" y="0"/>
+                </a:cubicBezTo>
+                <a:cubicBezTo>
+                  <a:pt x="724274" y="21048"/>
+                  <a:pt x="769333" y="-2353"/>
+                  <a:pt x="922584" y="0"/>
+                </a:cubicBezTo>
+                <a:cubicBezTo>
+                  <a:pt x="1075835" y="2353"/>
+                  <a:pt x="1399490" y="-145"/>
+                  <a:pt x="1818033" y="0"/>
+                </a:cubicBezTo>
+                <a:cubicBezTo>
+                  <a:pt x="2236576" y="145"/>
+                  <a:pt x="2145330" y="5482"/>
+                  <a:pt x="2387864" y="0"/>
+                </a:cubicBezTo>
+                <a:cubicBezTo>
+                  <a:pt x="2630398" y="-5482"/>
+                  <a:pt x="2793207" y="18487"/>
+                  <a:pt x="2957695" y="0"/>
+                </a:cubicBezTo>
+                <a:cubicBezTo>
+                  <a:pt x="3122183" y="-18487"/>
+                  <a:pt x="3579141" y="19003"/>
+                  <a:pt x="3853144" y="0"/>
+                </a:cubicBezTo>
+                <a:cubicBezTo>
+                  <a:pt x="4127147" y="-19003"/>
+                  <a:pt x="4209857" y="12211"/>
+                  <a:pt x="4314436" y="0"/>
+                </a:cubicBezTo>
+                <a:cubicBezTo>
+                  <a:pt x="4419015" y="-12211"/>
+                  <a:pt x="4762459" y="-17220"/>
+                  <a:pt x="5209885" y="0"/>
+                </a:cubicBezTo>
+                <a:cubicBezTo>
+                  <a:pt x="5657311" y="17220"/>
+                  <a:pt x="5692663" y="-3290"/>
+                  <a:pt x="6105335" y="0"/>
+                </a:cubicBezTo>
+                <a:cubicBezTo>
+                  <a:pt x="6518007" y="3290"/>
+                  <a:pt x="6455516" y="-5124"/>
+                  <a:pt x="6783705" y="0"/>
+                </a:cubicBezTo>
+                <a:cubicBezTo>
+                  <a:pt x="7111894" y="5124"/>
+                  <a:pt x="7441941" y="-17829"/>
+                  <a:pt x="7679154" y="0"/>
+                </a:cubicBezTo>
+                <a:cubicBezTo>
+                  <a:pt x="7916367" y="17829"/>
+                  <a:pt x="8102967" y="-24363"/>
+                  <a:pt x="8248985" y="0"/>
+                </a:cubicBezTo>
+                <a:cubicBezTo>
+                  <a:pt x="8395003" y="24363"/>
+                  <a:pt x="8552393" y="25505"/>
+                  <a:pt x="8818817" y="0"/>
+                </a:cubicBezTo>
+                <a:cubicBezTo>
+                  <a:pt x="9085241" y="-25505"/>
+                  <a:pt x="9411308" y="38000"/>
+                  <a:pt x="9605726" y="0"/>
+                </a:cubicBezTo>
+                <a:cubicBezTo>
+                  <a:pt x="9800144" y="-38000"/>
+                  <a:pt x="10006468" y="-25741"/>
+                  <a:pt x="10175558" y="0"/>
+                </a:cubicBezTo>
+                <a:cubicBezTo>
+                  <a:pt x="10344648" y="25741"/>
+                  <a:pt x="10696282" y="695"/>
+                  <a:pt x="10853928" y="0"/>
+                </a:cubicBezTo>
+                <a:cubicBezTo>
+                  <a:pt x="10853521" y="8690"/>
+                  <a:pt x="10853774" y="14141"/>
+                  <a:pt x="10853928" y="18288"/>
+                </a:cubicBezTo>
+                <a:cubicBezTo>
+                  <a:pt x="10608124" y="24255"/>
+                  <a:pt x="10343415" y="22307"/>
+                  <a:pt x="10067018" y="18288"/>
+                </a:cubicBezTo>
+                <a:cubicBezTo>
+                  <a:pt x="9790621" y="14270"/>
+                  <a:pt x="9843266" y="3564"/>
+                  <a:pt x="9714266" y="18288"/>
+                </a:cubicBezTo>
+                <a:cubicBezTo>
+                  <a:pt x="9585266" y="33012"/>
+                  <a:pt x="9379484" y="1875"/>
+                  <a:pt x="9252974" y="18288"/>
+                </a:cubicBezTo>
+                <a:cubicBezTo>
+                  <a:pt x="9126464" y="34701"/>
+                  <a:pt x="8580678" y="-4904"/>
+                  <a:pt x="8357525" y="18288"/>
+                </a:cubicBezTo>
+                <a:cubicBezTo>
+                  <a:pt x="8134372" y="41480"/>
+                  <a:pt x="7903199" y="26458"/>
+                  <a:pt x="7679154" y="18288"/>
+                </a:cubicBezTo>
+                <a:cubicBezTo>
+                  <a:pt x="7455109" y="10118"/>
+                  <a:pt x="7435944" y="27109"/>
+                  <a:pt x="7217862" y="18288"/>
+                </a:cubicBezTo>
+                <a:cubicBezTo>
+                  <a:pt x="6999780" y="9467"/>
+                  <a:pt x="6680409" y="18985"/>
+                  <a:pt x="6539492" y="18288"/>
+                </a:cubicBezTo>
+                <a:cubicBezTo>
+                  <a:pt x="6398575" y="17592"/>
+                  <a:pt x="6312077" y="33018"/>
+                  <a:pt x="6186739" y="18288"/>
+                </a:cubicBezTo>
+                <a:cubicBezTo>
+                  <a:pt x="6061401" y="3558"/>
+                  <a:pt x="5947033" y="12075"/>
+                  <a:pt x="5833986" y="18288"/>
+                </a:cubicBezTo>
+                <a:cubicBezTo>
+                  <a:pt x="5720939" y="24501"/>
+                  <a:pt x="5482226" y="8586"/>
+                  <a:pt x="5155616" y="18288"/>
+                </a:cubicBezTo>
+                <a:cubicBezTo>
+                  <a:pt x="4829006" y="27991"/>
+                  <a:pt x="4841274" y="29316"/>
+                  <a:pt x="4694324" y="18288"/>
+                </a:cubicBezTo>
+                <a:cubicBezTo>
+                  <a:pt x="4547374" y="7260"/>
+                  <a:pt x="4077675" y="7013"/>
+                  <a:pt x="3907414" y="18288"/>
+                </a:cubicBezTo>
+                <a:cubicBezTo>
+                  <a:pt x="3737153" y="29564"/>
+                  <a:pt x="3538393" y="21630"/>
+                  <a:pt x="3446122" y="18288"/>
+                </a:cubicBezTo>
+                <a:cubicBezTo>
+                  <a:pt x="3353851" y="14946"/>
+                  <a:pt x="2990320" y="-8091"/>
+                  <a:pt x="2659212" y="18288"/>
+                </a:cubicBezTo>
+                <a:cubicBezTo>
+                  <a:pt x="2328104" y="44667"/>
+                  <a:pt x="2427653" y="9607"/>
+                  <a:pt x="2306460" y="18288"/>
+                </a:cubicBezTo>
+                <a:cubicBezTo>
+                  <a:pt x="2185267" y="26969"/>
+                  <a:pt x="1719763" y="3717"/>
+                  <a:pt x="1519550" y="18288"/>
+                </a:cubicBezTo>
+                <a:cubicBezTo>
+                  <a:pt x="1319337" y="32860"/>
+                  <a:pt x="1167371" y="17040"/>
+                  <a:pt x="1058258" y="18288"/>
+                </a:cubicBezTo>
+                <a:cubicBezTo>
+                  <a:pt x="949145" y="19536"/>
+                  <a:pt x="780234" y="31447"/>
+                  <a:pt x="705505" y="18288"/>
+                </a:cubicBezTo>
+                <a:cubicBezTo>
+                  <a:pt x="630776" y="5129"/>
+                  <a:pt x="215796" y="30056"/>
+                  <a:pt x="0" y="18288"/>
+                </a:cubicBezTo>
+                <a:cubicBezTo>
+                  <a:pt x="-53" y="11301"/>
+                  <a:pt x="-649" y="7756"/>
+                  <a:pt x="0" y="0"/>
+                </a:cubicBezTo>
+                <a:close/>
+              </a:path>
+            </a:pathLst>
+          </a:custGeom>
+          <a:solidFill>
+            <a:schemeClr val="accent2"/>
+          </a:solidFill>
+          <a:ln w="41275" cap="rnd">
+            <a:solidFill>
+              <a:schemeClr val="accent2"/>
+            </a:solidFill>
+            <a:round/>
+            <a:extLst>
+              <a:ext uri="{C807C97D-BFC1-408E-A445-0C87EB9F89A2}">
+                <ask:lineSketchStyleProps xmlns:ask="http://schemas.microsoft.com/office/drawing/2018/sketchyshapes" sd="1219033472">
+                  <a:prstGeom prst="rect">
+                    <a:avLst/>
+                  </a:prstGeom>
+                  <ask:type>
+                    <ask:lineSketchFreehand/>
+                  </ask:type>
+                </ask:lineSketchStyleProps>
+              </a:ext>
+            </a:extLst>
+          </a:ln>
+        </p:spPr>
+        <p:style>
+          <a:lnRef idx="2">
+            <a:schemeClr val="accent1">
+              <a:shade val="50000"/>
+            </a:schemeClr>
+          </a:lnRef>
+          <a:fillRef idx="1">
+            <a:schemeClr val="accent1"/>
+          </a:fillRef>
+          <a:effectRef idx="0">
+            <a:schemeClr val="accent1"/>
+          </a:effectRef>
+          <a:fontRef idx="minor">
+            <a:schemeClr val="lt1"/>
+          </a:fontRef>
+        </p:style>
+        <p:txBody>
+          <a:bodyPr rtlCol="0" anchor="ctr"/>
+          <a:lstStyle/>
+          <a:p>
+            <a:pPr algn="ctr"/>
+            <a:endParaRPr lang="en-US"/>
+          </a:p>
+        </p:txBody>
+      </p:sp>
+      <p:sp>
+        <p:nvSpPr>
+          <p:cNvPr id="3" name="Subtitle 2">
+            <a:extLst>
+              <a:ext uri="{FF2B5EF4-FFF2-40B4-BE49-F238E27FC236}">
+                <a16:creationId xmlns:a16="http://schemas.microsoft.com/office/drawing/2014/main" id="{4CF6DEF0-DC48-E1AD-87C3-DDE1A671E4D5}"/>
+              </a:ext>
+            </a:extLst>
+          </p:cNvPr>
+          <p:cNvSpPr>
+            <a:spLocks noGrp="1"/>
+          </p:cNvSpPr>
+          <p:nvPr>
+            <p:ph type="subTitle" idx="1"/>
+          </p:nvPr>
+        </p:nvSpPr>
+        <p:spPr>
+          <a:xfrm>
+            <a:off x="838200" y="1929384"/>
+            <a:ext cx="10515600" cy="4251960"/>
+          </a:xfrm>
+        </p:spPr>
+        <p:txBody>
+          <a:bodyPr vert="horz" lIns="91440" tIns="45720" rIns="91440" bIns="45720" rtlCol="0">
+            <a:normAutofit/>
+          </a:bodyPr>
+          <a:lstStyle/>
+          <a:p>
+            <a:pPr algn="l"/>
+            <a:endParaRPr lang="en-US" sz="2200" dirty="0"/>
+          </a:p>
+          <a:p>
+            <a:pPr indent="-228600" algn="l">
+              <a:buFont typeface="Arial" panose="020B0604020202020204" pitchFamily="34" charset="0"/>
+              <a:buChar char="•"/>
+            </a:pPr>
+            <a:r>
+              <a:rPr lang="en-US" sz="2200" b="1" dirty="0"/>
+              <a:t>Neural Networks script from scratch</a:t>
+            </a:r>
+          </a:p>
+          <a:p>
+            <a:pPr indent="-228600" algn="l">
+              <a:buFont typeface="Arial" panose="020B0604020202020204" pitchFamily="34" charset="0"/>
+              <a:buChar char="•"/>
+            </a:pPr>
+            <a:r>
+              <a:rPr lang="en-US" sz="2200" b="1" dirty="0"/>
+              <a:t>Exchange correlation feature script</a:t>
+            </a:r>
+          </a:p>
+        </p:txBody>
+      </p:sp>
+    </p:spTree>
+    <p:extLst>
+      <p:ext uri="{BB962C8B-B14F-4D97-AF65-F5344CB8AC3E}">
+        <p14:creationId xmlns:p14="http://schemas.microsoft.com/office/powerpoint/2010/main" val="1356205796"/>
+      </p:ext>
+    </p:extLst>
+  </p:cSld>
+  <p:clrMapOvr>
+    <a:masterClrMapping/>
+  </p:clrMapOvr>
+</p:sld>
+</file>
+
+<file path=ppt/slides/slide3.xml><?xml version="1.0" encoding="utf-8"?>
 <p:sld xmlns:a="http://schemas.openxmlformats.org/drawingml/2006/main" xmlns:r="http://schemas.openxmlformats.org/officeDocument/2006/relationships" xmlns:p="http://schemas.openxmlformats.org/presentationml/2006/main">
   <p:cSld>
     <p:bg>
@@ -3445,7 +8491,7 @@
       </p:grpSpPr>
       <p:sp useBgFill="1">
         <p:nvSpPr>
-          <p:cNvPr id="14" name="Rectangle 13">
+          <p:cNvPr id="27" name="Rectangle 26">
             <a:extLst>
               <a:ext uri="{FF2B5EF4-FFF2-40B4-BE49-F238E27FC236}">
                 <a16:creationId xmlns:a16="http://schemas.microsoft.com/office/drawing/2014/main" id="{2B97F24A-32CE-4C1C-A50D-3016B394DCFB}"/>
@@ -3533,14 +8579,14 @@
           <a:p>
             <a:r>
               <a:rPr lang="en-JP" sz="5400" dirty="0"/>
-              <a:t>Flow</a:t>
+              <a:t>Neural Networks</a:t>
             </a:r>
           </a:p>
         </p:txBody>
       </p:sp>
       <p:sp>
         <p:nvSpPr>
-          <p:cNvPr id="15" name="sketch line">
+          <p:cNvPr id="28" name="sketch line">
             <a:extLst>
               <a:ext uri="{FF2B5EF4-FFF2-40B4-BE49-F238E27FC236}">
                 <a16:creationId xmlns:a16="http://schemas.microsoft.com/office/drawing/2014/main" id="{6357EC4F-235E-4222-A36F-C7878ACE37F2}"/>
@@ -3813,10 +8859,10 @@
       </p:sp>
       <p:sp>
         <p:nvSpPr>
-          <p:cNvPr id="3" name="Content Placeholder 2">
+          <p:cNvPr id="7" name="Content Placeholder 2">
             <a:extLst>
               <a:ext uri="{FF2B5EF4-FFF2-40B4-BE49-F238E27FC236}">
-                <a16:creationId xmlns:a16="http://schemas.microsoft.com/office/drawing/2014/main" id="{FAE6795D-9048-F980-F849-BBB56AEEBDD9}"/>
+                <a16:creationId xmlns:a16="http://schemas.microsoft.com/office/drawing/2014/main" id="{D5618C3F-BF95-4E83-2F91-71D083D34B69}"/>
               </a:ext>
             </a:extLst>
           </p:cNvPr>
@@ -3838,40 +8884,6 @@
             <a:normAutofit/>
           </a:bodyPr>
           <a:lstStyle/>
-          <a:p>
-            <a:r>
-              <a:rPr lang="en-JP" sz="2200" dirty="0"/>
-              <a:t>NetworkConfig</a:t>
-            </a:r>
-          </a:p>
-          <a:p>
-            <a:r>
-              <a:rPr lang="en-US" sz="2200" dirty="0" err="1"/>
-              <a:t>ActivationFunctions</a:t>
-            </a:r>
-            <a:endParaRPr lang="en-US" sz="2200" dirty="0"/>
-          </a:p>
-          <a:p>
-            <a:r>
-              <a:rPr lang="en-US" sz="2200" dirty="0" err="1"/>
-              <a:t>BatchNorm</a:t>
-            </a:r>
-            <a:endParaRPr lang="en-US" sz="2200" dirty="0"/>
-          </a:p>
-          <a:p>
-            <a:r>
-              <a:rPr lang="en-US" sz="2200" dirty="0" err="1"/>
-              <a:t>NeuralNetwork</a:t>
-            </a:r>
-            <a:endParaRPr lang="en-US" sz="2200" dirty="0"/>
-          </a:p>
-          <a:p>
-            <a:r>
-              <a:rPr lang="en-US" sz="2200" dirty="0" err="1"/>
-              <a:t>k_fold_cross_validation</a:t>
-            </a:r>
-            <a:endParaRPr lang="en-US" sz="2200" dirty="0"/>
-          </a:p>
           <a:p>
             <a:endParaRPr lang="en-JP" sz="2200" dirty="0"/>
           </a:p>
@@ -3920,7 +8932,7 @@
 </p:sld>
 </file>
 
-<file path=ppt/slides/slide3.xml><?xml version="1.0" encoding="utf-8"?>
+<file path=ppt/slides/slide4.xml><?xml version="1.0" encoding="utf-8"?>
 <p:sld xmlns:a="http://schemas.openxmlformats.org/drawingml/2006/main" xmlns:r="http://schemas.openxmlformats.org/officeDocument/2006/relationships" xmlns:p="http://schemas.openxmlformats.org/presentationml/2006/main">
   <p:cSld>
     <p:bg>
@@ -3947,7 +8959,7 @@
       </p:grpSpPr>
       <p:sp useBgFill="1">
         <p:nvSpPr>
-          <p:cNvPr id="12" name="Rectangle 11">
+          <p:cNvPr id="1031" name="Rectangle 1030">
             <a:extLst>
               <a:ext uri="{FF2B5EF4-FFF2-40B4-BE49-F238E27FC236}">
                 <a16:creationId xmlns:a16="http://schemas.microsoft.com/office/drawing/2014/main" id="{2B97F24A-32CE-4C1C-A50D-3016B394DCFB}"/>
@@ -4034,16 +9046,16 @@
           <a:lstStyle/>
           <a:p>
             <a:r>
-              <a:rPr lang="en-US" sz="2400" dirty="0"/>
+              <a:rPr lang="en-US" sz="3400"/>
               <a:t>Part 1: Initialization and Parameter Setup</a:t>
             </a:r>
-            <a:endParaRPr lang="en-JP" sz="5400" dirty="0"/>
+            <a:endParaRPr lang="en-JP" sz="3400"/>
           </a:p>
         </p:txBody>
       </p:sp>
       <p:sp>
         <p:nvSpPr>
-          <p:cNvPr id="14" name="sketch line">
+          <p:cNvPr id="1033" name="sketch line">
             <a:extLst>
               <a:ext uri="{FF2B5EF4-FFF2-40B4-BE49-F238E27FC236}">
                 <a16:creationId xmlns:a16="http://schemas.microsoft.com/office/drawing/2014/main" id="{CD8B4F24-440B-49E9-B85D-733523DC064B}"/>
@@ -4314,53 +9326,6 @@
           </a:p>
         </p:txBody>
       </p:sp>
-      <p:pic>
-        <p:nvPicPr>
-          <p:cNvPr id="1026" name="Picture 2">
-            <a:extLst>
-              <a:ext uri="{FF2B5EF4-FFF2-40B4-BE49-F238E27FC236}">
-                <a16:creationId xmlns:a16="http://schemas.microsoft.com/office/drawing/2014/main" id="{88E147CC-49D3-8145-E2D4-B4BE728EA7A6}"/>
-              </a:ext>
-            </a:extLst>
-          </p:cNvPr>
-          <p:cNvPicPr>
-            <a:picLocks noChangeAspect="1" noChangeArrowheads="1"/>
-          </p:cNvPicPr>
-          <p:nvPr/>
-        </p:nvPicPr>
-        <p:blipFill>
-          <a:blip r:embed="rId2">
-            <a:extLst>
-              <a:ext uri="{28A0092B-C50C-407E-A947-70E740481C1C}">
-                <a14:useLocalDpi xmlns:a14="http://schemas.microsoft.com/office/drawing/2010/main" val="0"/>
-              </a:ext>
-            </a:extLst>
-          </a:blip>
-          <a:srcRect/>
-          <a:stretch>
-            <a:fillRect/>
-          </a:stretch>
-        </p:blipFill>
-        <p:spPr bwMode="auto">
-          <a:xfrm>
-            <a:off x="7477161" y="710514"/>
-            <a:ext cx="2202962" cy="5507406"/>
-          </a:xfrm>
-          <a:prstGeom prst="rect">
-            <a:avLst/>
-          </a:prstGeom>
-          <a:noFill/>
-          <a:extLst>
-            <a:ext uri="{909E8E84-426E-40DD-AFC4-6F175D3DCCD1}">
-              <a14:hiddenFill xmlns:a14="http://schemas.microsoft.com/office/drawing/2010/main">
-                <a:solidFill>
-                  <a:srgbClr val="FFFFFF"/>
-                </a:solidFill>
-              </a14:hiddenFill>
-            </a:ext>
-          </a:extLst>
-        </p:spPr>
-      </p:pic>
       <p:sp>
         <p:nvSpPr>
           <p:cNvPr id="18" name="Content Placeholder 2">
@@ -4393,6 +9358,52 @@
           </a:p>
         </p:txBody>
       </p:sp>
+      <p:pic>
+        <p:nvPicPr>
+          <p:cNvPr id="1026" name="Picture 2">
+            <a:extLst>
+              <a:ext uri="{FF2B5EF4-FFF2-40B4-BE49-F238E27FC236}">
+                <a16:creationId xmlns:a16="http://schemas.microsoft.com/office/drawing/2014/main" id="{88E147CC-49D3-8145-E2D4-B4BE728EA7A6}"/>
+              </a:ext>
+            </a:extLst>
+          </p:cNvPr>
+          <p:cNvPicPr>
+            <a:picLocks noChangeAspect="1" noChangeArrowheads="1"/>
+          </p:cNvPicPr>
+          <p:nvPr/>
+        </p:nvPicPr>
+        <p:blipFill>
+          <a:blip r:embed="rId2">
+            <a:extLst>
+              <a:ext uri="{28A0092B-C50C-407E-A947-70E740481C1C}">
+                <a14:useLocalDpi xmlns:a14="http://schemas.microsoft.com/office/drawing/2010/main" val="0"/>
+              </a:ext>
+            </a:extLst>
+          </a:blip>
+          <a:stretch>
+            <a:fillRect/>
+          </a:stretch>
+        </p:blipFill>
+        <p:spPr bwMode="auto">
+          <a:xfrm>
+            <a:off x="6990588" y="640080"/>
+            <a:ext cx="2231136" cy="5577840"/>
+          </a:xfrm>
+          <a:prstGeom prst="rect">
+            <a:avLst/>
+          </a:prstGeom>
+          <a:noFill/>
+          <a:extLst>
+            <a:ext uri="{909E8E84-426E-40DD-AFC4-6F175D3DCCD1}">
+              <a14:hiddenFill xmlns:a14="http://schemas.microsoft.com/office/drawing/2010/main">
+                <a:solidFill>
+                  <a:srgbClr val="FFFFFF"/>
+                </a:solidFill>
+              </a14:hiddenFill>
+            </a:ext>
+          </a:extLst>
+        </p:spPr>
+      </p:pic>
     </p:spTree>
     <p:extLst>
       <p:ext uri="{BB962C8B-B14F-4D97-AF65-F5344CB8AC3E}">
@@ -4406,7 +9417,7 @@
 </p:sld>
 </file>
 
-<file path=ppt/slides/slide4.xml><?xml version="1.0" encoding="utf-8"?>
+<file path=ppt/slides/slide5.xml><?xml version="1.0" encoding="utf-8"?>
 <p:sld xmlns:a="http://schemas.openxmlformats.org/drawingml/2006/main" xmlns:r="http://schemas.openxmlformats.org/officeDocument/2006/relationships" xmlns:p="http://schemas.openxmlformats.org/presentationml/2006/main">
   <p:cSld>
     <p:bg>
@@ -4439,10 +9450,10 @@
       </p:grpSpPr>
       <p:sp useBgFill="1">
         <p:nvSpPr>
-          <p:cNvPr id="12" name="Rectangle 11">
+          <p:cNvPr id="23" name="Rectangle 22">
             <a:extLst>
               <a:ext uri="{FF2B5EF4-FFF2-40B4-BE49-F238E27FC236}">
-                <a16:creationId xmlns:a16="http://schemas.microsoft.com/office/drawing/2014/main" id="{14000A98-888C-7253-AB40-B6F8B306A848}"/>
+                <a16:creationId xmlns:a16="http://schemas.microsoft.com/office/drawing/2014/main" id="{2B97F24A-32CE-4C1C-A50D-3016B394DCFB}"/>
               </a:ext>
               <a:ext uri="{C183D7F6-B498-43B3-948B-1728B52AA6E4}">
                 <adec:decorative xmlns:adec="http://schemas.microsoft.com/office/drawing/2017/decorative" val="1"/>
@@ -4526,19 +9537,19 @@
           <a:lstStyle/>
           <a:p>
             <a:r>
-              <a:rPr lang="en-US" sz="2400" dirty="0"/>
+              <a:rPr lang="en-US" sz="3800"/>
               <a:t>Part 2: Forward Propagation</a:t>
             </a:r>
-            <a:endParaRPr lang="en-JP" sz="5400" dirty="0"/>
+            <a:endParaRPr lang="en-JP" sz="3800"/>
           </a:p>
         </p:txBody>
       </p:sp>
       <p:sp>
         <p:nvSpPr>
-          <p:cNvPr id="14" name="sketch line">
+          <p:cNvPr id="25" name="sketch line">
             <a:extLst>
               <a:ext uri="{FF2B5EF4-FFF2-40B4-BE49-F238E27FC236}">
-                <a16:creationId xmlns:a16="http://schemas.microsoft.com/office/drawing/2014/main" id="{93DFEED1-DDD5-DCC4-51C7-7B807EFB5516}"/>
+                <a16:creationId xmlns:a16="http://schemas.microsoft.com/office/drawing/2014/main" id="{6357EC4F-235E-4222-A36F-C7878ACE37F2}"/>
               </a:ext>
               <a:ext uri="{C183D7F6-B498-43B3-948B-1728B52AA6E4}">
                 <adec:decorative xmlns:adec="http://schemas.microsoft.com/office/drawing/2017/decorative" val="1"/>
@@ -4860,15 +9871,14 @@
               </a:ext>
             </a:extLst>
           </a:blip>
-          <a:srcRect/>
           <a:stretch>
             <a:fillRect/>
           </a:stretch>
         </p:blipFill>
         <p:spPr bwMode="auto">
           <a:xfrm>
-            <a:off x="7005307" y="0"/>
-            <a:ext cx="2398713" cy="6858000"/>
+            <a:off x="7130034" y="640080"/>
+            <a:ext cx="1952244" cy="5577840"/>
           </a:xfrm>
           <a:prstGeom prst="rect">
             <a:avLst/>
@@ -4898,7 +9908,7 @@
 </p:sld>
 </file>
 
-<file path=ppt/slides/slide5.xml><?xml version="1.0" encoding="utf-8"?>
+<file path=ppt/slides/slide6.xml><?xml version="1.0" encoding="utf-8"?>
 <p:sld xmlns:a="http://schemas.openxmlformats.org/drawingml/2006/main" xmlns:r="http://schemas.openxmlformats.org/officeDocument/2006/relationships" xmlns:p="http://schemas.openxmlformats.org/presentationml/2006/main">
   <p:cSld>
     <p:bg>
@@ -4931,10 +9941,10 @@
       </p:grpSpPr>
       <p:sp useBgFill="1">
         <p:nvSpPr>
-          <p:cNvPr id="12" name="Rectangle 11">
+          <p:cNvPr id="6151" name="Rectangle 6150">
             <a:extLst>
               <a:ext uri="{FF2B5EF4-FFF2-40B4-BE49-F238E27FC236}">
-                <a16:creationId xmlns:a16="http://schemas.microsoft.com/office/drawing/2014/main" id="{7A8BADA8-5E0B-DA1D-4328-461DCC801235}"/>
+                <a16:creationId xmlns:a16="http://schemas.microsoft.com/office/drawing/2014/main" id="{2B97F24A-32CE-4C1C-A50D-3016B394DCFB}"/>
               </a:ext>
               <a:ext uri="{C183D7F6-B498-43B3-948B-1728B52AA6E4}">
                 <adec:decorative xmlns:adec="http://schemas.microsoft.com/office/drawing/2017/decorative" val="1"/>
@@ -5018,19 +10028,19 @@
           <a:lstStyle/>
           <a:p>
             <a:r>
-              <a:rPr lang="en-US" sz="2400" dirty="0"/>
+              <a:rPr lang="en-US" sz="5400"/>
               <a:t>Part 3: Cost Calculation</a:t>
             </a:r>
-            <a:endParaRPr lang="en-JP" sz="2400" dirty="0"/>
+            <a:endParaRPr lang="en-JP" sz="5400"/>
           </a:p>
         </p:txBody>
       </p:sp>
       <p:sp>
         <p:nvSpPr>
-          <p:cNvPr id="14" name="sketch line">
+          <p:cNvPr id="6153" name="sketch line">
             <a:extLst>
               <a:ext uri="{FF2B5EF4-FFF2-40B4-BE49-F238E27FC236}">
-                <a16:creationId xmlns:a16="http://schemas.microsoft.com/office/drawing/2014/main" id="{DFD549E7-B358-EA9F-ED3C-5CA40ADD41A5}"/>
+                <a16:creationId xmlns:a16="http://schemas.microsoft.com/office/drawing/2014/main" id="{CD8B4F24-440B-49E9-B85D-733523DC064B}"/>
               </a:ext>
               <a:ext uri="{C183D7F6-B498-43B3-948B-1728B52AA6E4}">
                 <adec:decorative xmlns:adec="http://schemas.microsoft.com/office/drawing/2017/decorative" val="1"/>
@@ -5352,15 +10362,14 @@
               </a:ext>
             </a:extLst>
           </a:blip>
-          <a:srcRect/>
           <a:stretch>
             <a:fillRect/>
           </a:stretch>
         </p:blipFill>
         <p:spPr bwMode="auto">
           <a:xfrm>
-            <a:off x="7456892" y="2443988"/>
-            <a:ext cx="2323148" cy="3262656"/>
+            <a:off x="6120328" y="640080"/>
+            <a:ext cx="3971655" cy="5577840"/>
           </a:xfrm>
           <a:prstGeom prst="rect">
             <a:avLst/>
@@ -5390,7 +10399,7 @@
 </p:sld>
 </file>
 
-<file path=ppt/slides/slide6.xml><?xml version="1.0" encoding="utf-8"?>
+<file path=ppt/slides/slide7.xml><?xml version="1.0" encoding="utf-8"?>
 <p:sld xmlns:a="http://schemas.openxmlformats.org/drawingml/2006/main" xmlns:r="http://schemas.openxmlformats.org/officeDocument/2006/relationships" xmlns:p="http://schemas.openxmlformats.org/presentationml/2006/main">
   <p:cSld>
     <p:bg>
@@ -5423,10 +10432,10 @@
       </p:grpSpPr>
       <p:sp useBgFill="1">
         <p:nvSpPr>
-          <p:cNvPr id="12" name="Rectangle 11">
+          <p:cNvPr id="8201" name="Rectangle 8200">
             <a:extLst>
               <a:ext uri="{FF2B5EF4-FFF2-40B4-BE49-F238E27FC236}">
-                <a16:creationId xmlns:a16="http://schemas.microsoft.com/office/drawing/2014/main" id="{EB6435A1-6068-3534-FE16-CAAA539EBFBD}"/>
+                <a16:creationId xmlns:a16="http://schemas.microsoft.com/office/drawing/2014/main" id="{2B97F24A-32CE-4C1C-A50D-3016B394DCFB}"/>
               </a:ext>
               <a:ext uri="{C183D7F6-B498-43B3-948B-1728B52AA6E4}">
                 <adec:decorative xmlns:adec="http://schemas.microsoft.com/office/drawing/2017/decorative" val="1"/>
@@ -5510,19 +10519,19 @@
           <a:lstStyle/>
           <a:p>
             <a:r>
-              <a:rPr lang="en-US" sz="2400" dirty="0"/>
+              <a:rPr lang="en-US" sz="3400"/>
               <a:t>Part 5: Parameter Update and Training Loop</a:t>
             </a:r>
-            <a:endParaRPr lang="en-JP" sz="2400" dirty="0"/>
+            <a:endParaRPr lang="en-JP" sz="3400"/>
           </a:p>
         </p:txBody>
       </p:sp>
       <p:sp>
         <p:nvSpPr>
-          <p:cNvPr id="14" name="sketch line">
+          <p:cNvPr id="8203" name="sketch line">
             <a:extLst>
               <a:ext uri="{FF2B5EF4-FFF2-40B4-BE49-F238E27FC236}">
-                <a16:creationId xmlns:a16="http://schemas.microsoft.com/office/drawing/2014/main" id="{1DB4315E-077F-6711-157D-2E9336DDBE9A}"/>
+                <a16:creationId xmlns:a16="http://schemas.microsoft.com/office/drawing/2014/main" id="{6357EC4F-235E-4222-A36F-C7878ACE37F2}"/>
               </a:ext>
               <a:ext uri="{C183D7F6-B498-43B3-948B-1728B52AA6E4}">
                 <adec:decorative xmlns:adec="http://schemas.microsoft.com/office/drawing/2017/decorative" val="1"/>
@@ -5844,15 +10853,14 @@
               </a:ext>
             </a:extLst>
           </a:blip>
-          <a:srcRect/>
           <a:stretch>
             <a:fillRect/>
           </a:stretch>
         </p:blipFill>
         <p:spPr bwMode="auto">
           <a:xfrm>
-            <a:off x="7143184" y="2268972"/>
-            <a:ext cx="2883780" cy="3638414"/>
+            <a:off x="5895937" y="640080"/>
+            <a:ext cx="4420438" cy="5577840"/>
           </a:xfrm>
           <a:prstGeom prst="rect">
             <a:avLst/>
@@ -5873,6 +10881,1081 @@
     <p:extLst>
       <p:ext uri="{BB962C8B-B14F-4D97-AF65-F5344CB8AC3E}">
         <p14:creationId xmlns:p14="http://schemas.microsoft.com/office/powerpoint/2010/main" val="3994014865"/>
+      </p:ext>
+    </p:extLst>
+  </p:cSld>
+  <p:clrMapOvr>
+    <a:masterClrMapping/>
+  </p:clrMapOvr>
+</p:sld>
+</file>
+
+<file path=ppt/slides/slide8.xml><?xml version="1.0" encoding="utf-8"?>
+<p:sld xmlns:a="http://schemas.openxmlformats.org/drawingml/2006/main" xmlns:r="http://schemas.openxmlformats.org/officeDocument/2006/relationships" xmlns:p="http://schemas.openxmlformats.org/presentationml/2006/main">
+  <p:cSld>
+    <p:bg>
+      <p:bgPr>
+        <a:solidFill>
+          <a:schemeClr val="bg1"/>
+        </a:solidFill>
+        <a:effectLst/>
+      </p:bgPr>
+    </p:bg>
+    <p:spTree>
+      <p:nvGrpSpPr>
+        <p:cNvPr id="1" name="">
+          <a:extLst>
+            <a:ext uri="{FF2B5EF4-FFF2-40B4-BE49-F238E27FC236}">
+              <a16:creationId xmlns:a16="http://schemas.microsoft.com/office/drawing/2014/main" id="{CFB82C94-AE0D-0E54-A760-4E1A64AC87A8}"/>
+            </a:ext>
+          </a:extLst>
+        </p:cNvPr>
+        <p:cNvGrpSpPr/>
+        <p:nvPr/>
+      </p:nvGrpSpPr>
+      <p:grpSpPr>
+        <a:xfrm>
+          <a:off x="0" y="0"/>
+          <a:ext cx="0" cy="0"/>
+          <a:chOff x="0" y="0"/>
+          <a:chExt cx="0" cy="0"/>
+        </a:xfrm>
+      </p:grpSpPr>
+      <p:sp useBgFill="1">
+        <p:nvSpPr>
+          <p:cNvPr id="23" name="Rectangle 22">
+            <a:extLst>
+              <a:ext uri="{FF2B5EF4-FFF2-40B4-BE49-F238E27FC236}">
+                <a16:creationId xmlns:a16="http://schemas.microsoft.com/office/drawing/2014/main" id="{2B97F24A-32CE-4C1C-A50D-3016B394DCFB}"/>
+              </a:ext>
+              <a:ext uri="{C183D7F6-B498-43B3-948B-1728B52AA6E4}">
+                <adec:decorative xmlns:adec="http://schemas.microsoft.com/office/drawing/2017/decorative" val="1"/>
+              </a:ext>
+            </a:extLst>
+          </p:cNvPr>
+          <p:cNvSpPr>
+            <a:spLocks noGrp="1" noRot="1" noChangeAspect="1" noMove="1" noResize="1" noEditPoints="1" noAdjustHandles="1" noChangeArrowheads="1" noChangeShapeType="1" noTextEdit="1"/>
+          </p:cNvSpPr>
+          <p:nvPr>
+            <p:extLst>
+              <p:ext uri="{386F3935-93C4-4BCD-93E2-E3B085C9AB24}">
+                <p16:designElem xmlns:p16="http://schemas.microsoft.com/office/powerpoint/2015/main" val="1"/>
+              </p:ext>
+            </p:extLst>
+          </p:nvPr>
+        </p:nvSpPr>
+        <p:spPr>
+          <a:xfrm>
+            <a:off x="0" y="0"/>
+            <a:ext cx="12192000" cy="6858000"/>
+          </a:xfrm>
+          <a:prstGeom prst="rect">
+            <a:avLst/>
+          </a:prstGeom>
+          <a:ln>
+            <a:noFill/>
+          </a:ln>
+        </p:spPr>
+        <p:style>
+          <a:lnRef idx="2">
+            <a:schemeClr val="accent1">
+              <a:shade val="50000"/>
+            </a:schemeClr>
+          </a:lnRef>
+          <a:fillRef idx="1">
+            <a:schemeClr val="accent1"/>
+          </a:fillRef>
+          <a:effectRef idx="0">
+            <a:schemeClr val="accent1"/>
+          </a:effectRef>
+          <a:fontRef idx="minor">
+            <a:schemeClr val="lt1"/>
+          </a:fontRef>
+        </p:style>
+        <p:txBody>
+          <a:bodyPr rtlCol="0" anchor="ctr"/>
+          <a:lstStyle/>
+          <a:p>
+            <a:pPr algn="ctr"/>
+            <a:endParaRPr lang="en-US"/>
+          </a:p>
+        </p:txBody>
+      </p:sp>
+      <p:sp>
+        <p:nvSpPr>
+          <p:cNvPr id="2" name="Title 1">
+            <a:extLst>
+              <a:ext uri="{FF2B5EF4-FFF2-40B4-BE49-F238E27FC236}">
+                <a16:creationId xmlns:a16="http://schemas.microsoft.com/office/drawing/2014/main" id="{FE6BD22F-3AD5-5F58-2009-D6ADCA19BA4E}"/>
+              </a:ext>
+            </a:extLst>
+          </p:cNvPr>
+          <p:cNvSpPr>
+            <a:spLocks noGrp="1"/>
+          </p:cNvSpPr>
+          <p:nvPr>
+            <p:ph type="title"/>
+          </p:nvPr>
+        </p:nvSpPr>
+        <p:spPr>
+          <a:xfrm>
+            <a:off x="630936" y="639520"/>
+            <a:ext cx="3429000" cy="1719072"/>
+          </a:xfrm>
+        </p:spPr>
+        <p:txBody>
+          <a:bodyPr vert="horz" lIns="91440" tIns="45720" rIns="91440" bIns="45720" rtlCol="0" anchor="b">
+            <a:normAutofit/>
+          </a:bodyPr>
+          <a:lstStyle/>
+          <a:p>
+            <a:r>
+              <a:rPr lang="en-US" sz="4600"/>
+              <a:t>ML Performance</a:t>
+            </a:r>
+            <a:endParaRPr lang="en-JP" sz="4600"/>
+          </a:p>
+        </p:txBody>
+      </p:sp>
+      <p:sp>
+        <p:nvSpPr>
+          <p:cNvPr id="25" name="sketch line">
+            <a:extLst>
+              <a:ext uri="{FF2B5EF4-FFF2-40B4-BE49-F238E27FC236}">
+                <a16:creationId xmlns:a16="http://schemas.microsoft.com/office/drawing/2014/main" id="{CD8B4F24-440B-49E9-B85D-733523DC064B}"/>
+              </a:ext>
+              <a:ext uri="{C183D7F6-B498-43B3-948B-1728B52AA6E4}">
+                <adec:decorative xmlns:adec="http://schemas.microsoft.com/office/drawing/2017/decorative" val="1"/>
+              </a:ext>
+            </a:extLst>
+          </p:cNvPr>
+          <p:cNvSpPr>
+            <a:spLocks noGrp="1" noRot="1" noChangeAspect="1" noMove="1" noResize="1" noEditPoints="1" noAdjustHandles="1" noChangeArrowheads="1" noChangeShapeType="1" noTextEdit="1"/>
+          </p:cNvSpPr>
+          <p:nvPr>
+            <p:extLst>
+              <p:ext uri="{386F3935-93C4-4BCD-93E2-E3B085C9AB24}">
+                <p16:designElem xmlns:p16="http://schemas.microsoft.com/office/powerpoint/2015/main" val="1"/>
+              </p:ext>
+            </p:extLst>
+          </p:nvPr>
+        </p:nvSpPr>
+        <p:spPr>
+          <a:xfrm>
+            <a:off x="643278" y="2573756"/>
+            <a:ext cx="3255095" cy="18288"/>
+          </a:xfrm>
+          <a:custGeom>
+            <a:avLst/>
+            <a:gdLst>
+              <a:gd name="connsiteX0" fmla="*/ 0 w 3255095"/>
+              <a:gd name="connsiteY0" fmla="*/ 0 h 18288"/>
+              <a:gd name="connsiteX1" fmla="*/ 618468 w 3255095"/>
+              <a:gd name="connsiteY1" fmla="*/ 0 h 18288"/>
+              <a:gd name="connsiteX2" fmla="*/ 1269487 w 3255095"/>
+              <a:gd name="connsiteY2" fmla="*/ 0 h 18288"/>
+              <a:gd name="connsiteX3" fmla="*/ 1953057 w 3255095"/>
+              <a:gd name="connsiteY3" fmla="*/ 0 h 18288"/>
+              <a:gd name="connsiteX4" fmla="*/ 2636627 w 3255095"/>
+              <a:gd name="connsiteY4" fmla="*/ 0 h 18288"/>
+              <a:gd name="connsiteX5" fmla="*/ 3255095 w 3255095"/>
+              <a:gd name="connsiteY5" fmla="*/ 0 h 18288"/>
+              <a:gd name="connsiteX6" fmla="*/ 3255095 w 3255095"/>
+              <a:gd name="connsiteY6" fmla="*/ 18288 h 18288"/>
+              <a:gd name="connsiteX7" fmla="*/ 2538974 w 3255095"/>
+              <a:gd name="connsiteY7" fmla="*/ 18288 h 18288"/>
+              <a:gd name="connsiteX8" fmla="*/ 1822853 w 3255095"/>
+              <a:gd name="connsiteY8" fmla="*/ 18288 h 18288"/>
+              <a:gd name="connsiteX9" fmla="*/ 1171834 w 3255095"/>
+              <a:gd name="connsiteY9" fmla="*/ 18288 h 18288"/>
+              <a:gd name="connsiteX10" fmla="*/ 0 w 3255095"/>
+              <a:gd name="connsiteY10" fmla="*/ 18288 h 18288"/>
+              <a:gd name="connsiteX11" fmla="*/ 0 w 3255095"/>
+              <a:gd name="connsiteY11" fmla="*/ 0 h 18288"/>
+            </a:gdLst>
+            <a:ahLst/>
+            <a:cxnLst>
+              <a:cxn ang="0">
+                <a:pos x="connsiteX0" y="connsiteY0"/>
+              </a:cxn>
+              <a:cxn ang="0">
+                <a:pos x="connsiteX1" y="connsiteY1"/>
+              </a:cxn>
+              <a:cxn ang="0">
+                <a:pos x="connsiteX2" y="connsiteY2"/>
+              </a:cxn>
+              <a:cxn ang="0">
+                <a:pos x="connsiteX3" y="connsiteY3"/>
+              </a:cxn>
+              <a:cxn ang="0">
+                <a:pos x="connsiteX4" y="connsiteY4"/>
+              </a:cxn>
+              <a:cxn ang="0">
+                <a:pos x="connsiteX5" y="connsiteY5"/>
+              </a:cxn>
+              <a:cxn ang="0">
+                <a:pos x="connsiteX6" y="connsiteY6"/>
+              </a:cxn>
+              <a:cxn ang="0">
+                <a:pos x="connsiteX7" y="connsiteY7"/>
+              </a:cxn>
+              <a:cxn ang="0">
+                <a:pos x="connsiteX8" y="connsiteY8"/>
+              </a:cxn>
+              <a:cxn ang="0">
+                <a:pos x="connsiteX9" y="connsiteY9"/>
+              </a:cxn>
+              <a:cxn ang="0">
+                <a:pos x="connsiteX10" y="connsiteY10"/>
+              </a:cxn>
+              <a:cxn ang="0">
+                <a:pos x="connsiteX11" y="connsiteY11"/>
+              </a:cxn>
+            </a:cxnLst>
+            <a:rect l="l" t="t" r="r" b="b"/>
+            <a:pathLst>
+              <a:path w="3255095" h="18288" fill="none" extrusionOk="0">
+                <a:moveTo>
+                  <a:pt x="0" y="0"/>
+                </a:moveTo>
+                <a:cubicBezTo>
+                  <a:pt x="240201" y="-22123"/>
+                  <a:pt x="462021" y="-19623"/>
+                  <a:pt x="618468" y="0"/>
+                </a:cubicBezTo>
+                <a:cubicBezTo>
+                  <a:pt x="774915" y="19623"/>
+                  <a:pt x="974734" y="2035"/>
+                  <a:pt x="1269487" y="0"/>
+                </a:cubicBezTo>
+                <a:cubicBezTo>
+                  <a:pt x="1564240" y="-2035"/>
+                  <a:pt x="1733579" y="10639"/>
+                  <a:pt x="1953057" y="0"/>
+                </a:cubicBezTo>
+                <a:cubicBezTo>
+                  <a:pt x="2172535" y="-10639"/>
+                  <a:pt x="2453962" y="14018"/>
+                  <a:pt x="2636627" y="0"/>
+                </a:cubicBezTo>
+                <a:cubicBezTo>
+                  <a:pt x="2819292" y="-14018"/>
+                  <a:pt x="3121375" y="5399"/>
+                  <a:pt x="3255095" y="0"/>
+                </a:cubicBezTo>
+                <a:cubicBezTo>
+                  <a:pt x="3254386" y="8157"/>
+                  <a:pt x="3254682" y="12125"/>
+                  <a:pt x="3255095" y="18288"/>
+                </a:cubicBezTo>
+                <a:cubicBezTo>
+                  <a:pt x="3088545" y="23203"/>
+                  <a:pt x="2687475" y="7419"/>
+                  <a:pt x="2538974" y="18288"/>
+                </a:cubicBezTo>
+                <a:cubicBezTo>
+                  <a:pt x="2390473" y="29157"/>
+                  <a:pt x="2137381" y="-8959"/>
+                  <a:pt x="1822853" y="18288"/>
+                </a:cubicBezTo>
+                <a:cubicBezTo>
+                  <a:pt x="1508325" y="45535"/>
+                  <a:pt x="1466437" y="20385"/>
+                  <a:pt x="1171834" y="18288"/>
+                </a:cubicBezTo>
+                <a:cubicBezTo>
+                  <a:pt x="877231" y="16191"/>
+                  <a:pt x="561097" y="37643"/>
+                  <a:pt x="0" y="18288"/>
+                </a:cubicBezTo>
+                <a:cubicBezTo>
+                  <a:pt x="-46" y="12483"/>
+                  <a:pt x="-203" y="6491"/>
+                  <a:pt x="0" y="0"/>
+                </a:cubicBezTo>
+                <a:close/>
+              </a:path>
+              <a:path w="3255095" h="18288" stroke="0" extrusionOk="0">
+                <a:moveTo>
+                  <a:pt x="0" y="0"/>
+                </a:moveTo>
+                <a:cubicBezTo>
+                  <a:pt x="291965" y="19429"/>
+                  <a:pt x="363155" y="8568"/>
+                  <a:pt x="618468" y="0"/>
+                </a:cubicBezTo>
+                <a:cubicBezTo>
+                  <a:pt x="873781" y="-8568"/>
+                  <a:pt x="904459" y="-19505"/>
+                  <a:pt x="1171834" y="0"/>
+                </a:cubicBezTo>
+                <a:cubicBezTo>
+                  <a:pt x="1439209" y="19505"/>
+                  <a:pt x="1744369" y="9790"/>
+                  <a:pt x="1887955" y="0"/>
+                </a:cubicBezTo>
+                <a:cubicBezTo>
+                  <a:pt x="2031541" y="-9790"/>
+                  <a:pt x="2346378" y="21240"/>
+                  <a:pt x="2506423" y="0"/>
+                </a:cubicBezTo>
+                <a:cubicBezTo>
+                  <a:pt x="2666468" y="-21240"/>
+                  <a:pt x="2990257" y="30414"/>
+                  <a:pt x="3255095" y="0"/>
+                </a:cubicBezTo>
+                <a:cubicBezTo>
+                  <a:pt x="3254831" y="4493"/>
+                  <a:pt x="3255479" y="9472"/>
+                  <a:pt x="3255095" y="18288"/>
+                </a:cubicBezTo>
+                <a:cubicBezTo>
+                  <a:pt x="3120743" y="16690"/>
+                  <a:pt x="2759628" y="42462"/>
+                  <a:pt x="2604076" y="18288"/>
+                </a:cubicBezTo>
+                <a:cubicBezTo>
+                  <a:pt x="2448524" y="-5886"/>
+                  <a:pt x="2184336" y="19599"/>
+                  <a:pt x="1887955" y="18288"/>
+                </a:cubicBezTo>
+                <a:cubicBezTo>
+                  <a:pt x="1591574" y="16977"/>
+                  <a:pt x="1548845" y="6870"/>
+                  <a:pt x="1334589" y="18288"/>
+                </a:cubicBezTo>
+                <a:cubicBezTo>
+                  <a:pt x="1120333" y="29706"/>
+                  <a:pt x="996014" y="9662"/>
+                  <a:pt x="683570" y="18288"/>
+                </a:cubicBezTo>
+                <a:cubicBezTo>
+                  <a:pt x="371126" y="26914"/>
+                  <a:pt x="198687" y="16167"/>
+                  <a:pt x="0" y="18288"/>
+                </a:cubicBezTo>
+                <a:cubicBezTo>
+                  <a:pt x="843" y="9577"/>
+                  <a:pt x="371" y="6900"/>
+                  <a:pt x="0" y="0"/>
+                </a:cubicBezTo>
+                <a:close/>
+              </a:path>
+            </a:pathLst>
+          </a:custGeom>
+          <a:solidFill>
+            <a:schemeClr val="accent2"/>
+          </a:solidFill>
+          <a:ln w="38100" cap="rnd">
+            <a:solidFill>
+              <a:schemeClr val="accent2"/>
+            </a:solidFill>
+            <a:round/>
+            <a:extLst>
+              <a:ext uri="{C807C97D-BFC1-408E-A445-0C87EB9F89A2}">
+                <ask:lineSketchStyleProps xmlns:ask="http://schemas.microsoft.com/office/drawing/2018/sketchyshapes" sd="1219033472">
+                  <a:prstGeom prst="rect">
+                    <a:avLst/>
+                  </a:prstGeom>
+                  <ask:type>
+                    <ask:lineSketchFreehand/>
+                  </ask:type>
+                </ask:lineSketchStyleProps>
+              </a:ext>
+            </a:extLst>
+          </a:ln>
+        </p:spPr>
+        <p:style>
+          <a:lnRef idx="2">
+            <a:schemeClr val="accent1">
+              <a:shade val="50000"/>
+            </a:schemeClr>
+          </a:lnRef>
+          <a:fillRef idx="1">
+            <a:schemeClr val="accent1"/>
+          </a:fillRef>
+          <a:effectRef idx="0">
+            <a:schemeClr val="accent1"/>
+          </a:effectRef>
+          <a:fontRef idx="minor">
+            <a:schemeClr val="lt1"/>
+          </a:fontRef>
+        </p:style>
+        <p:txBody>
+          <a:bodyPr rtlCol="0" anchor="ctr"/>
+          <a:lstStyle/>
+          <a:p>
+            <a:pPr algn="ctr"/>
+            <a:endParaRPr lang="en-US"/>
+          </a:p>
+        </p:txBody>
+      </p:sp>
+      <p:sp>
+        <p:nvSpPr>
+          <p:cNvPr id="18" name="Content Placeholder 2">
+            <a:extLst>
+              <a:ext uri="{FF2B5EF4-FFF2-40B4-BE49-F238E27FC236}">
+                <a16:creationId xmlns:a16="http://schemas.microsoft.com/office/drawing/2014/main" id="{273E9C2D-FA20-48F3-10A9-2AACC62872AC}"/>
+              </a:ext>
+            </a:extLst>
+          </p:cNvPr>
+          <p:cNvSpPr>
+            <a:spLocks noGrp="1"/>
+          </p:cNvSpPr>
+          <p:nvPr>
+            <p:ph idx="1"/>
+          </p:nvPr>
+        </p:nvSpPr>
+        <p:spPr>
+          <a:xfrm>
+            <a:off x="630936" y="2807208"/>
+            <a:ext cx="3429000" cy="3410712"/>
+          </a:xfrm>
+        </p:spPr>
+        <p:txBody>
+          <a:bodyPr anchor="t">
+            <a:normAutofit/>
+          </a:bodyPr>
+          <a:lstStyle/>
+          <a:p>
+            <a:endParaRPr lang="en-JP" sz="2200" dirty="0"/>
+          </a:p>
+        </p:txBody>
+      </p:sp>
+      <p:pic>
+        <p:nvPicPr>
+          <p:cNvPr id="3" name="Picture 2" descr="A graph with a red line&#10;&#10;Description automatically generated">
+            <a:extLst>
+              <a:ext uri="{FF2B5EF4-FFF2-40B4-BE49-F238E27FC236}">
+                <a16:creationId xmlns:a16="http://schemas.microsoft.com/office/drawing/2014/main" id="{030E8E66-1E08-1C8E-571C-7CF877D1274A}"/>
+              </a:ext>
+            </a:extLst>
+          </p:cNvPr>
+          <p:cNvPicPr>
+            <a:picLocks noChangeAspect="1"/>
+          </p:cNvPicPr>
+          <p:nvPr/>
+        </p:nvPicPr>
+        <p:blipFill>
+          <a:blip r:embed="rId2"/>
+          <a:stretch>
+            <a:fillRect/>
+          </a:stretch>
+        </p:blipFill>
+        <p:spPr>
+          <a:xfrm>
+            <a:off x="4654296" y="1357884"/>
+            <a:ext cx="6903720" cy="4142231"/>
+          </a:xfrm>
+          <a:prstGeom prst="rect">
+            <a:avLst/>
+          </a:prstGeom>
+        </p:spPr>
+      </p:pic>
+    </p:spTree>
+    <p:extLst>
+      <p:ext uri="{BB962C8B-B14F-4D97-AF65-F5344CB8AC3E}">
+        <p14:creationId xmlns:p14="http://schemas.microsoft.com/office/powerpoint/2010/main" val="193300317"/>
+      </p:ext>
+    </p:extLst>
+  </p:cSld>
+  <p:clrMapOvr>
+    <a:masterClrMapping/>
+  </p:clrMapOvr>
+</p:sld>
+</file>
+
+<file path=ppt/slides/slide9.xml><?xml version="1.0" encoding="utf-8"?>
+<p:sld xmlns:a="http://schemas.openxmlformats.org/drawingml/2006/main" xmlns:r="http://schemas.openxmlformats.org/officeDocument/2006/relationships" xmlns:p="http://schemas.openxmlformats.org/presentationml/2006/main">
+  <p:cSld>
+    <p:bg>
+      <p:bgPr>
+        <a:solidFill>
+          <a:schemeClr val="bg1"/>
+        </a:solidFill>
+        <a:effectLst/>
+      </p:bgPr>
+    </p:bg>
+    <p:spTree>
+      <p:nvGrpSpPr>
+        <p:cNvPr id="1" name=""/>
+        <p:cNvGrpSpPr/>
+        <p:nvPr/>
+      </p:nvGrpSpPr>
+      <p:grpSpPr>
+        <a:xfrm>
+          <a:off x="0" y="0"/>
+          <a:ext cx="0" cy="0"/>
+          <a:chOff x="0" y="0"/>
+          <a:chExt cx="0" cy="0"/>
+        </a:xfrm>
+      </p:grpSpPr>
+      <p:sp useBgFill="1">
+        <p:nvSpPr>
+          <p:cNvPr id="12" name="Rectangle 11">
+            <a:extLst>
+              <a:ext uri="{FF2B5EF4-FFF2-40B4-BE49-F238E27FC236}">
+                <a16:creationId xmlns:a16="http://schemas.microsoft.com/office/drawing/2014/main" id="{94BFCCA4-109C-4B21-816E-144FE75C38EE}"/>
+              </a:ext>
+              <a:ext uri="{C183D7F6-B498-43B3-948B-1728B52AA6E4}">
+                <adec:decorative xmlns:adec="http://schemas.microsoft.com/office/drawing/2017/decorative" val="1"/>
+              </a:ext>
+            </a:extLst>
+          </p:cNvPr>
+          <p:cNvSpPr>
+            <a:spLocks noGrp="1" noRot="1" noChangeAspect="1" noMove="1" noResize="1" noEditPoints="1" noAdjustHandles="1" noChangeArrowheads="1" noChangeShapeType="1" noTextEdit="1"/>
+          </p:cNvSpPr>
+          <p:nvPr>
+            <p:extLst>
+              <p:ext uri="{386F3935-93C4-4BCD-93E2-E3B085C9AB24}">
+                <p16:designElem xmlns:p16="http://schemas.microsoft.com/office/powerpoint/2015/main" val="1"/>
+              </p:ext>
+            </p:extLst>
+          </p:nvPr>
+        </p:nvSpPr>
+        <p:spPr>
+          <a:xfrm>
+            <a:off x="0" y="0"/>
+            <a:ext cx="12188952" cy="6858000"/>
+          </a:xfrm>
+          <a:prstGeom prst="rect">
+            <a:avLst/>
+          </a:prstGeom>
+          <a:ln>
+            <a:noFill/>
+          </a:ln>
+        </p:spPr>
+        <p:style>
+          <a:lnRef idx="2">
+            <a:schemeClr val="accent1">
+              <a:shade val="50000"/>
+            </a:schemeClr>
+          </a:lnRef>
+          <a:fillRef idx="1">
+            <a:schemeClr val="accent1"/>
+          </a:fillRef>
+          <a:effectRef idx="0">
+            <a:schemeClr val="accent1"/>
+          </a:effectRef>
+          <a:fontRef idx="minor">
+            <a:schemeClr val="lt1"/>
+          </a:fontRef>
+        </p:style>
+        <p:txBody>
+          <a:bodyPr rtlCol="0" anchor="ctr"/>
+          <a:lstStyle/>
+          <a:p>
+            <a:pPr algn="ctr"/>
+            <a:endParaRPr lang="en-US"/>
+          </a:p>
+        </p:txBody>
+      </p:sp>
+      <p:sp>
+        <p:nvSpPr>
+          <p:cNvPr id="2" name="Title 1">
+            <a:extLst>
+              <a:ext uri="{FF2B5EF4-FFF2-40B4-BE49-F238E27FC236}">
+                <a16:creationId xmlns:a16="http://schemas.microsoft.com/office/drawing/2014/main" id="{F3108325-B03C-2466-D3C8-B67FD4ABE075}"/>
+              </a:ext>
+            </a:extLst>
+          </p:cNvPr>
+          <p:cNvSpPr>
+            <a:spLocks noGrp="1"/>
+          </p:cNvSpPr>
+          <p:nvPr>
+            <p:ph type="title"/>
+          </p:nvPr>
+        </p:nvSpPr>
+        <p:spPr>
+          <a:xfrm>
+            <a:off x="630918" y="643465"/>
+            <a:ext cx="3895359" cy="1846615"/>
+          </a:xfrm>
+        </p:spPr>
+        <p:txBody>
+          <a:bodyPr anchor="b">
+            <a:normAutofit/>
+          </a:bodyPr>
+          <a:lstStyle/>
+          <a:p>
+            <a:r>
+              <a:rPr lang="en-US" sz="2600" b="1">
+                <a:latin typeface="Montserrat" panose="00000500000000000000" pitchFamily="2" charset="0"/>
+              </a:rPr>
+              <a:t>Exchange Correlation Feature Extraction Scripts in Python</a:t>
+            </a:r>
+          </a:p>
+        </p:txBody>
+      </p:sp>
+      <p:sp>
+        <p:nvSpPr>
+          <p:cNvPr id="14" name="sketch line">
+            <a:extLst>
+              <a:ext uri="{FF2B5EF4-FFF2-40B4-BE49-F238E27FC236}">
+                <a16:creationId xmlns:a16="http://schemas.microsoft.com/office/drawing/2014/main" id="{0059B5C0-FEC8-4370-AF45-02E3AEF6FA6D}"/>
+              </a:ext>
+              <a:ext uri="{C183D7F6-B498-43B3-948B-1728B52AA6E4}">
+                <adec:decorative xmlns:adec="http://schemas.microsoft.com/office/drawing/2017/decorative" val="1"/>
+              </a:ext>
+            </a:extLst>
+          </p:cNvPr>
+          <p:cNvSpPr>
+            <a:spLocks noGrp="1" noRot="1" noChangeAspect="1" noMove="1" noResize="1" noEditPoints="1" noAdjustHandles="1" noChangeArrowheads="1" noChangeShapeType="1" noTextEdit="1"/>
+          </p:cNvSpPr>
+          <p:nvPr>
+            <p:extLst>
+              <p:ext uri="{386F3935-93C4-4BCD-93E2-E3B085C9AB24}">
+                <p16:designElem xmlns:p16="http://schemas.microsoft.com/office/powerpoint/2015/main" val="1"/>
+              </p:ext>
+            </p:extLst>
+          </p:nvPr>
+        </p:nvSpPr>
+        <p:spPr>
+          <a:xfrm>
+            <a:off x="640080" y="2659144"/>
+            <a:ext cx="3566160" cy="18288"/>
+          </a:xfrm>
+          <a:custGeom>
+            <a:avLst/>
+            <a:gdLst>
+              <a:gd name="connsiteX0" fmla="*/ 0 w 3566160"/>
+              <a:gd name="connsiteY0" fmla="*/ 0 h 18288"/>
+              <a:gd name="connsiteX1" fmla="*/ 665683 w 3566160"/>
+              <a:gd name="connsiteY1" fmla="*/ 0 h 18288"/>
+              <a:gd name="connsiteX2" fmla="*/ 1331366 w 3566160"/>
+              <a:gd name="connsiteY2" fmla="*/ 0 h 18288"/>
+              <a:gd name="connsiteX3" fmla="*/ 1818742 w 3566160"/>
+              <a:gd name="connsiteY3" fmla="*/ 0 h 18288"/>
+              <a:gd name="connsiteX4" fmla="*/ 2413102 w 3566160"/>
+              <a:gd name="connsiteY4" fmla="*/ 0 h 18288"/>
+              <a:gd name="connsiteX5" fmla="*/ 2936138 w 3566160"/>
+              <a:gd name="connsiteY5" fmla="*/ 0 h 18288"/>
+              <a:gd name="connsiteX6" fmla="*/ 3566160 w 3566160"/>
+              <a:gd name="connsiteY6" fmla="*/ 0 h 18288"/>
+              <a:gd name="connsiteX7" fmla="*/ 3566160 w 3566160"/>
+              <a:gd name="connsiteY7" fmla="*/ 18288 h 18288"/>
+              <a:gd name="connsiteX8" fmla="*/ 2971800 w 3566160"/>
+              <a:gd name="connsiteY8" fmla="*/ 18288 h 18288"/>
+              <a:gd name="connsiteX9" fmla="*/ 2448763 w 3566160"/>
+              <a:gd name="connsiteY9" fmla="*/ 18288 h 18288"/>
+              <a:gd name="connsiteX10" fmla="*/ 1854403 w 3566160"/>
+              <a:gd name="connsiteY10" fmla="*/ 18288 h 18288"/>
+              <a:gd name="connsiteX11" fmla="*/ 1295705 w 3566160"/>
+              <a:gd name="connsiteY11" fmla="*/ 18288 h 18288"/>
+              <a:gd name="connsiteX12" fmla="*/ 772668 w 3566160"/>
+              <a:gd name="connsiteY12" fmla="*/ 18288 h 18288"/>
+              <a:gd name="connsiteX13" fmla="*/ 0 w 3566160"/>
+              <a:gd name="connsiteY13" fmla="*/ 18288 h 18288"/>
+              <a:gd name="connsiteX14" fmla="*/ 0 w 3566160"/>
+              <a:gd name="connsiteY14" fmla="*/ 0 h 18288"/>
+            </a:gdLst>
+            <a:ahLst/>
+            <a:cxnLst>
+              <a:cxn ang="0">
+                <a:pos x="connsiteX0" y="connsiteY0"/>
+              </a:cxn>
+              <a:cxn ang="0">
+                <a:pos x="connsiteX1" y="connsiteY1"/>
+              </a:cxn>
+              <a:cxn ang="0">
+                <a:pos x="connsiteX2" y="connsiteY2"/>
+              </a:cxn>
+              <a:cxn ang="0">
+                <a:pos x="connsiteX3" y="connsiteY3"/>
+              </a:cxn>
+              <a:cxn ang="0">
+                <a:pos x="connsiteX4" y="connsiteY4"/>
+              </a:cxn>
+              <a:cxn ang="0">
+                <a:pos x="connsiteX5" y="connsiteY5"/>
+              </a:cxn>
+              <a:cxn ang="0">
+                <a:pos x="connsiteX6" y="connsiteY6"/>
+              </a:cxn>
+              <a:cxn ang="0">
+                <a:pos x="connsiteX7" y="connsiteY7"/>
+              </a:cxn>
+              <a:cxn ang="0">
+                <a:pos x="connsiteX8" y="connsiteY8"/>
+              </a:cxn>
+              <a:cxn ang="0">
+                <a:pos x="connsiteX9" y="connsiteY9"/>
+              </a:cxn>
+              <a:cxn ang="0">
+                <a:pos x="connsiteX10" y="connsiteY10"/>
+              </a:cxn>
+              <a:cxn ang="0">
+                <a:pos x="connsiteX11" y="connsiteY11"/>
+              </a:cxn>
+              <a:cxn ang="0">
+                <a:pos x="connsiteX12" y="connsiteY12"/>
+              </a:cxn>
+              <a:cxn ang="0">
+                <a:pos x="connsiteX13" y="connsiteY13"/>
+              </a:cxn>
+              <a:cxn ang="0">
+                <a:pos x="connsiteX14" y="connsiteY14"/>
+              </a:cxn>
+            </a:cxnLst>
+            <a:rect l="l" t="t" r="r" b="b"/>
+            <a:pathLst>
+              <a:path w="3566160" h="18288" fill="none" extrusionOk="0">
+                <a:moveTo>
+                  <a:pt x="0" y="0"/>
+                </a:moveTo>
+                <a:cubicBezTo>
+                  <a:pt x="222644" y="15773"/>
+                  <a:pt x="447078" y="-30288"/>
+                  <a:pt x="665683" y="0"/>
+                </a:cubicBezTo>
+                <a:cubicBezTo>
+                  <a:pt x="884288" y="30288"/>
+                  <a:pt x="1132425" y="-6167"/>
+                  <a:pt x="1331366" y="0"/>
+                </a:cubicBezTo>
+                <a:cubicBezTo>
+                  <a:pt x="1530307" y="6167"/>
+                  <a:pt x="1680942" y="17562"/>
+                  <a:pt x="1818742" y="0"/>
+                </a:cubicBezTo>
+                <a:cubicBezTo>
+                  <a:pt x="1956542" y="-17562"/>
+                  <a:pt x="2130227" y="23032"/>
+                  <a:pt x="2413102" y="0"/>
+                </a:cubicBezTo>
+                <a:cubicBezTo>
+                  <a:pt x="2695977" y="-23032"/>
+                  <a:pt x="2679988" y="-13260"/>
+                  <a:pt x="2936138" y="0"/>
+                </a:cubicBezTo>
+                <a:cubicBezTo>
+                  <a:pt x="3192288" y="13260"/>
+                  <a:pt x="3378668" y="16268"/>
+                  <a:pt x="3566160" y="0"/>
+                </a:cubicBezTo>
+                <a:cubicBezTo>
+                  <a:pt x="3566199" y="7328"/>
+                  <a:pt x="3566779" y="9982"/>
+                  <a:pt x="3566160" y="18288"/>
+                </a:cubicBezTo>
+                <a:cubicBezTo>
+                  <a:pt x="3315478" y="45899"/>
+                  <a:pt x="3188272" y="-7574"/>
+                  <a:pt x="2971800" y="18288"/>
+                </a:cubicBezTo>
+                <a:cubicBezTo>
+                  <a:pt x="2755328" y="44150"/>
+                  <a:pt x="2598570" y="34692"/>
+                  <a:pt x="2448763" y="18288"/>
+                </a:cubicBezTo>
+                <a:cubicBezTo>
+                  <a:pt x="2298956" y="1884"/>
+                  <a:pt x="2011344" y="-7043"/>
+                  <a:pt x="1854403" y="18288"/>
+                </a:cubicBezTo>
+                <a:cubicBezTo>
+                  <a:pt x="1697462" y="43619"/>
+                  <a:pt x="1444994" y="618"/>
+                  <a:pt x="1295705" y="18288"/>
+                </a:cubicBezTo>
+                <a:cubicBezTo>
+                  <a:pt x="1146416" y="35958"/>
+                  <a:pt x="965401" y="42167"/>
+                  <a:pt x="772668" y="18288"/>
+                </a:cubicBezTo>
+                <a:cubicBezTo>
+                  <a:pt x="579935" y="-5591"/>
+                  <a:pt x="352420" y="-19381"/>
+                  <a:pt x="0" y="18288"/>
+                </a:cubicBezTo>
+                <a:cubicBezTo>
+                  <a:pt x="-593" y="9736"/>
+                  <a:pt x="244" y="6610"/>
+                  <a:pt x="0" y="0"/>
+                </a:cubicBezTo>
+                <a:close/>
+              </a:path>
+              <a:path w="3566160" h="18288" stroke="0" extrusionOk="0">
+                <a:moveTo>
+                  <a:pt x="0" y="0"/>
+                </a:moveTo>
+                <a:cubicBezTo>
+                  <a:pt x="169947" y="-5008"/>
+                  <a:pt x="340602" y="-17518"/>
+                  <a:pt x="594360" y="0"/>
+                </a:cubicBezTo>
+                <a:cubicBezTo>
+                  <a:pt x="848118" y="17518"/>
+                  <a:pt x="997921" y="8866"/>
+                  <a:pt x="1224382" y="0"/>
+                </a:cubicBezTo>
+                <a:cubicBezTo>
+                  <a:pt x="1450843" y="-8866"/>
+                  <a:pt x="1572343" y="8392"/>
+                  <a:pt x="1783080" y="0"/>
+                </a:cubicBezTo>
+                <a:cubicBezTo>
+                  <a:pt x="1993817" y="-8392"/>
+                  <a:pt x="2266728" y="2126"/>
+                  <a:pt x="2448763" y="0"/>
+                </a:cubicBezTo>
+                <a:cubicBezTo>
+                  <a:pt x="2630798" y="-2126"/>
+                  <a:pt x="2815508" y="-13843"/>
+                  <a:pt x="3043123" y="0"/>
+                </a:cubicBezTo>
+                <a:cubicBezTo>
+                  <a:pt x="3270738" y="13843"/>
+                  <a:pt x="3420568" y="2184"/>
+                  <a:pt x="3566160" y="0"/>
+                </a:cubicBezTo>
+                <a:cubicBezTo>
+                  <a:pt x="3566487" y="8595"/>
+                  <a:pt x="3566088" y="13110"/>
+                  <a:pt x="3566160" y="18288"/>
+                </a:cubicBezTo>
+                <a:cubicBezTo>
+                  <a:pt x="3421748" y="9323"/>
+                  <a:pt x="3176383" y="-3939"/>
+                  <a:pt x="2971800" y="18288"/>
+                </a:cubicBezTo>
+                <a:cubicBezTo>
+                  <a:pt x="2767217" y="40515"/>
+                  <a:pt x="2590769" y="4336"/>
+                  <a:pt x="2306117" y="18288"/>
+                </a:cubicBezTo>
+                <a:cubicBezTo>
+                  <a:pt x="2021465" y="32240"/>
+                  <a:pt x="1860727" y="-9280"/>
+                  <a:pt x="1676095" y="18288"/>
+                </a:cubicBezTo>
+                <a:cubicBezTo>
+                  <a:pt x="1491463" y="45856"/>
+                  <a:pt x="1329173" y="5765"/>
+                  <a:pt x="1153058" y="18288"/>
+                </a:cubicBezTo>
+                <a:cubicBezTo>
+                  <a:pt x="976943" y="30811"/>
+                  <a:pt x="895178" y="4751"/>
+                  <a:pt x="665683" y="18288"/>
+                </a:cubicBezTo>
+                <a:cubicBezTo>
+                  <a:pt x="436189" y="31825"/>
+                  <a:pt x="302924" y="2002"/>
+                  <a:pt x="0" y="18288"/>
+                </a:cubicBezTo>
+                <a:cubicBezTo>
+                  <a:pt x="822" y="10564"/>
+                  <a:pt x="-23" y="4571"/>
+                  <a:pt x="0" y="0"/>
+                </a:cubicBezTo>
+                <a:close/>
+              </a:path>
+            </a:pathLst>
+          </a:custGeom>
+          <a:solidFill>
+            <a:schemeClr val="accent2"/>
+          </a:solidFill>
+          <a:ln w="41275" cap="rnd">
+            <a:solidFill>
+              <a:schemeClr val="accent2"/>
+            </a:solidFill>
+            <a:round/>
+            <a:extLst>
+              <a:ext uri="{C807C97D-BFC1-408E-A445-0C87EB9F89A2}">
+                <ask:lineSketchStyleProps xmlns:ask="http://schemas.microsoft.com/office/drawing/2018/sketchyshapes" sd="2448976505">
+                  <a:prstGeom prst="rect">
+                    <a:avLst/>
+                  </a:prstGeom>
+                  <ask:type>
+                    <ask:lineSketchFreehand/>
+                  </ask:type>
+                </ask:lineSketchStyleProps>
+              </a:ext>
+            </a:extLst>
+          </a:ln>
+        </p:spPr>
+        <p:style>
+          <a:lnRef idx="2">
+            <a:schemeClr val="accent1">
+              <a:shade val="50000"/>
+            </a:schemeClr>
+          </a:lnRef>
+          <a:fillRef idx="1">
+            <a:schemeClr val="accent1"/>
+          </a:fillRef>
+          <a:effectRef idx="0">
+            <a:schemeClr val="accent1"/>
+          </a:effectRef>
+          <a:fontRef idx="minor">
+            <a:schemeClr val="lt1"/>
+          </a:fontRef>
+        </p:style>
+        <p:txBody>
+          <a:bodyPr rtlCol="0" anchor="ctr"/>
+          <a:lstStyle/>
+          <a:p>
+            <a:pPr algn="ctr"/>
+            <a:endParaRPr lang="en-US"/>
+          </a:p>
+        </p:txBody>
+      </p:sp>
+      <p:sp>
+        <p:nvSpPr>
+          <p:cNvPr id="3" name="Content Placeholder 2">
+            <a:extLst>
+              <a:ext uri="{FF2B5EF4-FFF2-40B4-BE49-F238E27FC236}">
+                <a16:creationId xmlns:a16="http://schemas.microsoft.com/office/drawing/2014/main" id="{573ACBDC-08A5-ADAB-1BFF-0EEC23E2AA26}"/>
+              </a:ext>
+            </a:extLst>
+          </p:cNvPr>
+          <p:cNvSpPr>
+            <a:spLocks noGrp="1"/>
+          </p:cNvSpPr>
+          <p:nvPr>
+            <p:ph idx="1"/>
+          </p:nvPr>
+        </p:nvSpPr>
+        <p:spPr>
+          <a:xfrm>
+            <a:off x="630936" y="2807167"/>
+            <a:ext cx="3895522" cy="3386399"/>
+          </a:xfrm>
+        </p:spPr>
+        <p:txBody>
+          <a:bodyPr>
+            <a:normAutofit/>
+          </a:bodyPr>
+          <a:lstStyle/>
+          <a:p>
+            <a:endParaRPr lang="en-JP" sz="2200"/>
+          </a:p>
+        </p:txBody>
+      </p:sp>
+      <p:pic>
+        <p:nvPicPr>
+          <p:cNvPr id="4" name="Picture 3" descr="A screenshot of a computer&#10;&#10;Description automatically generated">
+            <a:extLst>
+              <a:ext uri="{FF2B5EF4-FFF2-40B4-BE49-F238E27FC236}">
+                <a16:creationId xmlns:a16="http://schemas.microsoft.com/office/drawing/2014/main" id="{15E55666-69C8-B1F2-4EEE-D3CB63158747}"/>
+              </a:ext>
+            </a:extLst>
+          </p:cNvPr>
+          <p:cNvPicPr>
+            <a:picLocks noChangeAspect="1"/>
+          </p:cNvPicPr>
+          <p:nvPr/>
+        </p:nvPicPr>
+        <p:blipFill>
+          <a:blip r:embed="rId2"/>
+          <a:stretch>
+            <a:fillRect/>
+          </a:stretch>
+        </p:blipFill>
+        <p:spPr>
+          <a:xfrm>
+            <a:off x="4992624" y="889243"/>
+            <a:ext cx="3099816" cy="2007130"/>
+          </a:xfrm>
+          <a:prstGeom prst="rect">
+            <a:avLst/>
+          </a:prstGeom>
+        </p:spPr>
+      </p:pic>
+      <p:pic>
+        <p:nvPicPr>
+          <p:cNvPr id="7" name="Picture 6" descr="A math equation with numbers and lines&#10;&#10;Description automatically generated with medium confidence">
+            <a:extLst>
+              <a:ext uri="{FF2B5EF4-FFF2-40B4-BE49-F238E27FC236}">
+                <a16:creationId xmlns:a16="http://schemas.microsoft.com/office/drawing/2014/main" id="{9ECBC340-E5E3-68BF-5280-D6D9AAA986D5}"/>
+              </a:ext>
+            </a:extLst>
+          </p:cNvPr>
+          <p:cNvPicPr>
+            <a:picLocks noChangeAspect="1"/>
+          </p:cNvPicPr>
+          <p:nvPr/>
+        </p:nvPicPr>
+        <p:blipFill>
+          <a:blip r:embed="rId3"/>
+          <a:stretch>
+            <a:fillRect/>
+          </a:stretch>
+        </p:blipFill>
+        <p:spPr>
+          <a:xfrm>
+            <a:off x="8247888" y="700364"/>
+            <a:ext cx="3785616" cy="1571030"/>
+          </a:xfrm>
+          <a:prstGeom prst="rect">
+            <a:avLst/>
+          </a:prstGeom>
+        </p:spPr>
+      </p:pic>
+      <p:pic>
+        <p:nvPicPr>
+          <p:cNvPr id="6" name="Picture 5" descr="A screenshot of a math problem&#10;&#10;Description automatically generated">
+            <a:extLst>
+              <a:ext uri="{FF2B5EF4-FFF2-40B4-BE49-F238E27FC236}">
+                <a16:creationId xmlns:a16="http://schemas.microsoft.com/office/drawing/2014/main" id="{AD4D9773-A3CA-9633-3F9B-8680F2A20ED4}"/>
+              </a:ext>
+            </a:extLst>
+          </p:cNvPr>
+          <p:cNvPicPr>
+            <a:picLocks noChangeAspect="1"/>
+          </p:cNvPicPr>
+          <p:nvPr/>
+        </p:nvPicPr>
+        <p:blipFill>
+          <a:blip r:embed="rId4"/>
+          <a:stretch>
+            <a:fillRect/>
+          </a:stretch>
+        </p:blipFill>
+        <p:spPr>
+          <a:xfrm>
+            <a:off x="4992624" y="4207966"/>
+            <a:ext cx="3099816" cy="1573156"/>
+          </a:xfrm>
+          <a:prstGeom prst="rect">
+            <a:avLst/>
+          </a:prstGeom>
+        </p:spPr>
+      </p:pic>
+      <p:pic>
+        <p:nvPicPr>
+          <p:cNvPr id="5" name="Picture 4" descr="A screenshot of a math test&#10;&#10;Description automatically generated">
+            <a:extLst>
+              <a:ext uri="{FF2B5EF4-FFF2-40B4-BE49-F238E27FC236}">
+                <a16:creationId xmlns:a16="http://schemas.microsoft.com/office/drawing/2014/main" id="{7A863AC1-0431-A640-BB60-339E5F6216A3}"/>
+              </a:ext>
+            </a:extLst>
+          </p:cNvPr>
+          <p:cNvPicPr>
+            <a:picLocks noChangeAspect="1"/>
+          </p:cNvPicPr>
+          <p:nvPr/>
+        </p:nvPicPr>
+        <p:blipFill>
+          <a:blip r:embed="rId5"/>
+          <a:stretch>
+            <a:fillRect/>
+          </a:stretch>
+        </p:blipFill>
+        <p:spPr>
+          <a:xfrm>
+            <a:off x="8247888" y="3456442"/>
+            <a:ext cx="3785616" cy="2252441"/>
+          </a:xfrm>
+          <a:prstGeom prst="rect">
+            <a:avLst/>
+          </a:prstGeom>
+        </p:spPr>
+      </p:pic>
+    </p:spTree>
+    <p:extLst>
+      <p:ext uri="{BB962C8B-B14F-4D97-AF65-F5344CB8AC3E}">
+        <p14:creationId xmlns:p14="http://schemas.microsoft.com/office/powerpoint/2010/main" val="814562559"/>
       </p:ext>
     </p:extLst>
   </p:cSld>
